--- a/Курс 3/СТП/ИД23-1_МасловАН_Кроссплатформенность .NET 6+..pptx
+++ b/Курс 3/СТП/ИД23-1_МасловАН_Кроссплатформенность .NET 6+..pptx
@@ -1,42 +1,42 @@
 
 <file path=ppt/presentation.xml><?xml version="1.0" encoding="utf-8"?>
-<p:presentation xmlns:a="http://schemas.openxmlformats.org/drawingml/2006/main" xmlns:r="http://schemas.openxmlformats.org/officeDocument/2006/relationships" xmlns:mc="http://schemas.openxmlformats.org/markup-compatibility/2006" xmlns:mv="urn:schemas-microsoft-com:mac:vml" xmlns:p="http://schemas.openxmlformats.org/presentationml/2006/main" xmlns:c="http://schemas.openxmlformats.org/drawingml/2006/chart" xmlns:dgm="http://schemas.openxmlformats.org/drawingml/2006/diagram" xmlns:o="urn:schemas-microsoft-com:office:office" xmlns:v="urn:schemas-microsoft-com:vml" xmlns:pvml="urn:schemas-microsoft-com:office:powerpoint" xmlns:com="http://schemas.openxmlformats.org/drawingml/2006/compatibility" xmlns:p14="http://schemas.microsoft.com/office/powerpoint/2010/main" xmlns:p15="http://schemas.microsoft.com/office/powerpoint/2012/main" xmlns:ahyp="http://schemas.microsoft.com/office/drawing/2018/hyperlinkcolor" autoCompressPictures="0" embedTrueTypeFonts="1" strictFirstAndLastChars="0" saveSubsetFonts="1">
+<p:presentation xmlns:a="http://schemas.openxmlformats.org/drawingml/2006/main" xmlns:r="http://schemas.openxmlformats.org/officeDocument/2006/relationships" xmlns:p="http://schemas.openxmlformats.org/presentationml/2006/main" strictFirstAndLastChars="0" embedTrueTypeFonts="1" saveSubsetFonts="1" autoCompressPictures="0">
   <p:sldMasterIdLst>
-    <p:sldMasterId id="2147483659" r:id="rId4"/>
+    <p:sldMasterId id="2147483659" r:id="rId1"/>
   </p:sldMasterIdLst>
   <p:notesMasterIdLst>
-    <p:notesMasterId r:id="rId5"/>
+    <p:notesMasterId r:id="rId10"/>
   </p:notesMasterIdLst>
   <p:sldIdLst>
-    <p:sldId id="256" r:id="rId6"/>
-    <p:sldId id="257" r:id="rId7"/>
-    <p:sldId id="258" r:id="rId8"/>
-    <p:sldId id="259" r:id="rId9"/>
-    <p:sldId id="260" r:id="rId10"/>
-    <p:sldId id="261" r:id="rId11"/>
-    <p:sldId id="262" r:id="rId12"/>
-    <p:sldId id="263" r:id="rId13"/>
+    <p:sldId id="256" r:id="rId2"/>
+    <p:sldId id="257" r:id="rId3"/>
+    <p:sldId id="258" r:id="rId4"/>
+    <p:sldId id="259" r:id="rId5"/>
+    <p:sldId id="260" r:id="rId6"/>
+    <p:sldId id="261" r:id="rId7"/>
+    <p:sldId id="262" r:id="rId8"/>
+    <p:sldId id="263" r:id="rId9"/>
   </p:sldIdLst>
-  <p:sldSz cy="5143500" cx="9144000"/>
+  <p:sldSz cx="9144000" cy="5143500" type="screen16x9"/>
   <p:notesSz cx="6858000" cy="9144000"/>
   <p:embeddedFontLst>
     <p:embeddedFont>
-      <p:font typeface="Montserrat"/>
-      <p:regular r:id="rId14"/>
-      <p:bold r:id="rId15"/>
-      <p:italic r:id="rId16"/>
-      <p:boldItalic r:id="rId17"/>
+      <p:font typeface="Lato" panose="020F0502020204030203" pitchFamily="34" charset="0"/>
+      <p:regular r:id="rId11"/>
+      <p:bold r:id="rId12"/>
+      <p:italic r:id="rId13"/>
+      <p:boldItalic r:id="rId14"/>
     </p:embeddedFont>
     <p:embeddedFont>
-      <p:font typeface="Lato"/>
-      <p:regular r:id="rId18"/>
-      <p:bold r:id="rId19"/>
-      <p:italic r:id="rId20"/>
-      <p:boldItalic r:id="rId21"/>
+      <p:font typeface="Montserrat" panose="00000500000000000000" pitchFamily="2" charset="-52"/>
+      <p:regular r:id="rId15"/>
+      <p:bold r:id="rId16"/>
+      <p:italic r:id="rId17"/>
+      <p:boldItalic r:id="rId18"/>
     </p:embeddedFont>
   </p:embeddedFontLst>
   <p:defaultTextStyle>
-    <a:defPPr lvl="0" marR="0" rtl="0" algn="l">
+    <a:defPPr marR="0" lvl="0" algn="l" rtl="0">
       <a:lnSpc>
         <a:spcPct val="100000"/>
       </a:lnSpc>
@@ -47,7 +47,7 @@
         <a:spcPts val="0"/>
       </a:spcAft>
     </a:defPPr>
-    <a:lvl1pPr lvl="0" marR="0" rtl="0" algn="l">
+    <a:lvl1pPr marR="0" lvl="0" algn="l" rtl="0">
       <a:lnSpc>
         <a:spcPct val="100000"/>
       </a:lnSpc>
@@ -61,7 +61,7 @@
         <a:srgbClr val="000000"/>
       </a:buClr>
       <a:buFont typeface="Arial"/>
-      <a:defRPr b="0" i="0" sz="1400" u="none" cap="none" strike="noStrike">
+      <a:defRPr sz="1400" b="0" i="0" u="none" strike="noStrike" cap="none">
         <a:solidFill>
           <a:srgbClr val="000000"/>
         </a:solidFill>
@@ -71,7 +71,7 @@
         <a:sym typeface="Arial"/>
       </a:defRPr>
     </a:lvl1pPr>
-    <a:lvl2pPr lvl="1" marR="0" rtl="0" algn="l">
+    <a:lvl2pPr marR="0" lvl="1" algn="l" rtl="0">
       <a:lnSpc>
         <a:spcPct val="100000"/>
       </a:lnSpc>
@@ -85,7 +85,7 @@
         <a:srgbClr val="000000"/>
       </a:buClr>
       <a:buFont typeface="Arial"/>
-      <a:defRPr b="0" i="0" sz="1400" u="none" cap="none" strike="noStrike">
+      <a:defRPr sz="1400" b="0" i="0" u="none" strike="noStrike" cap="none">
         <a:solidFill>
           <a:srgbClr val="000000"/>
         </a:solidFill>
@@ -95,7 +95,7 @@
         <a:sym typeface="Arial"/>
       </a:defRPr>
     </a:lvl2pPr>
-    <a:lvl3pPr lvl="2" marR="0" rtl="0" algn="l">
+    <a:lvl3pPr marR="0" lvl="2" algn="l" rtl="0">
       <a:lnSpc>
         <a:spcPct val="100000"/>
       </a:lnSpc>
@@ -109,7 +109,7 @@
         <a:srgbClr val="000000"/>
       </a:buClr>
       <a:buFont typeface="Arial"/>
-      <a:defRPr b="0" i="0" sz="1400" u="none" cap="none" strike="noStrike">
+      <a:defRPr sz="1400" b="0" i="0" u="none" strike="noStrike" cap="none">
         <a:solidFill>
           <a:srgbClr val="000000"/>
         </a:solidFill>
@@ -119,7 +119,7 @@
         <a:sym typeface="Arial"/>
       </a:defRPr>
     </a:lvl3pPr>
-    <a:lvl4pPr lvl="3" marR="0" rtl="0" algn="l">
+    <a:lvl4pPr marR="0" lvl="3" algn="l" rtl="0">
       <a:lnSpc>
         <a:spcPct val="100000"/>
       </a:lnSpc>
@@ -133,7 +133,7 @@
         <a:srgbClr val="000000"/>
       </a:buClr>
       <a:buFont typeface="Arial"/>
-      <a:defRPr b="0" i="0" sz="1400" u="none" cap="none" strike="noStrike">
+      <a:defRPr sz="1400" b="0" i="0" u="none" strike="noStrike" cap="none">
         <a:solidFill>
           <a:srgbClr val="000000"/>
         </a:solidFill>
@@ -143,7 +143,7 @@
         <a:sym typeface="Arial"/>
       </a:defRPr>
     </a:lvl4pPr>
-    <a:lvl5pPr lvl="4" marR="0" rtl="0" algn="l">
+    <a:lvl5pPr marR="0" lvl="4" algn="l" rtl="0">
       <a:lnSpc>
         <a:spcPct val="100000"/>
       </a:lnSpc>
@@ -157,7 +157,7 @@
         <a:srgbClr val="000000"/>
       </a:buClr>
       <a:buFont typeface="Arial"/>
-      <a:defRPr b="0" i="0" sz="1400" u="none" cap="none" strike="noStrike">
+      <a:defRPr sz="1400" b="0" i="0" u="none" strike="noStrike" cap="none">
         <a:solidFill>
           <a:srgbClr val="000000"/>
         </a:solidFill>
@@ -167,7 +167,7 @@
         <a:sym typeface="Arial"/>
       </a:defRPr>
     </a:lvl5pPr>
-    <a:lvl6pPr lvl="5" marR="0" rtl="0" algn="l">
+    <a:lvl6pPr marR="0" lvl="5" algn="l" rtl="0">
       <a:lnSpc>
         <a:spcPct val="100000"/>
       </a:lnSpc>
@@ -181,7 +181,7 @@
         <a:srgbClr val="000000"/>
       </a:buClr>
       <a:buFont typeface="Arial"/>
-      <a:defRPr b="0" i="0" sz="1400" u="none" cap="none" strike="noStrike">
+      <a:defRPr sz="1400" b="0" i="0" u="none" strike="noStrike" cap="none">
         <a:solidFill>
           <a:srgbClr val="000000"/>
         </a:solidFill>
@@ -191,7 +191,7 @@
         <a:sym typeface="Arial"/>
       </a:defRPr>
     </a:lvl6pPr>
-    <a:lvl7pPr lvl="6" marR="0" rtl="0" algn="l">
+    <a:lvl7pPr marR="0" lvl="6" algn="l" rtl="0">
       <a:lnSpc>
         <a:spcPct val="100000"/>
       </a:lnSpc>
@@ -205,7 +205,7 @@
         <a:srgbClr val="000000"/>
       </a:buClr>
       <a:buFont typeface="Arial"/>
-      <a:defRPr b="0" i="0" sz="1400" u="none" cap="none" strike="noStrike">
+      <a:defRPr sz="1400" b="0" i="0" u="none" strike="noStrike" cap="none">
         <a:solidFill>
           <a:srgbClr val="000000"/>
         </a:solidFill>
@@ -215,7 +215,7 @@
         <a:sym typeface="Arial"/>
       </a:defRPr>
     </a:lvl7pPr>
-    <a:lvl8pPr lvl="7" marR="0" rtl="0" algn="l">
+    <a:lvl8pPr marR="0" lvl="7" algn="l" rtl="0">
       <a:lnSpc>
         <a:spcPct val="100000"/>
       </a:lnSpc>
@@ -229,7 +229,7 @@
         <a:srgbClr val="000000"/>
       </a:buClr>
       <a:buFont typeface="Arial"/>
-      <a:defRPr b="0" i="0" sz="1400" u="none" cap="none" strike="noStrike">
+      <a:defRPr sz="1400" b="0" i="0" u="none" strike="noStrike" cap="none">
         <a:solidFill>
           <a:srgbClr val="000000"/>
         </a:solidFill>
@@ -239,7 +239,7 @@
         <a:sym typeface="Arial"/>
       </a:defRPr>
     </a:lvl8pPr>
-    <a:lvl9pPr lvl="8" marR="0" rtl="0" algn="l">
+    <a:lvl9pPr marR="0" lvl="8" algn="l" rtl="0">
       <a:lnSpc>
         <a:spcPct val="100000"/>
       </a:lnSpc>
@@ -253,7 +253,7 @@
         <a:srgbClr val="000000"/>
       </a:buClr>
       <a:buFont typeface="Arial"/>
-      <a:defRPr b="0" i="0" sz="1400" u="none" cap="none" strike="noStrike">
+      <a:defRPr sz="1400" b="0" i="0" u="none" strike="noStrike" cap="none">
         <a:solidFill>
           <a:srgbClr val="000000"/>
         </a:solidFill>
@@ -266,7 +266,7 @@
   </p:defaultTextStyle>
   <p:extLst>
     <p:ext uri="{EFAFB233-063F-42B5-8137-9DF3F51BA10A}">
-      <p15:sldGuideLst>
+      <p15:sldGuideLst xmlns:p15="http://schemas.microsoft.com/office/powerpoint/2012/main">
         <p15:guide id="1" orient="horz" pos="1620">
           <p15:clr>
             <a:srgbClr val="747775"/>
@@ -284,11 +284,16 @@
 </file>
 
 <file path=ppt/notesMasters/notesMaster1.xml><?xml version="1.0" encoding="utf-8"?>
-<p:notesMaster xmlns:a="http://schemas.openxmlformats.org/drawingml/2006/main" xmlns:r="http://schemas.openxmlformats.org/officeDocument/2006/relationships" xmlns:mc="http://schemas.openxmlformats.org/markup-compatibility/2006" xmlns:mv="urn:schemas-microsoft-com:mac:vml" xmlns:p="http://schemas.openxmlformats.org/presentationml/2006/main" xmlns:c="http://schemas.openxmlformats.org/drawingml/2006/chart" xmlns:dgm="http://schemas.openxmlformats.org/drawingml/2006/diagram" xmlns:o="urn:schemas-microsoft-com:office:office" xmlns:v="urn:schemas-microsoft-com:vml" xmlns:pvml="urn:schemas-microsoft-com:office:powerpoint" xmlns:com="http://schemas.openxmlformats.org/drawingml/2006/compatibility" xmlns:p14="http://schemas.microsoft.com/office/powerpoint/2010/main" xmlns:p15="http://schemas.microsoft.com/office/powerpoint/2012/main" xmlns:ahyp="http://schemas.microsoft.com/office/drawing/2018/hyperlinkcolor">
+<p:notesMaster xmlns:a="http://schemas.openxmlformats.org/drawingml/2006/main" xmlns:r="http://schemas.openxmlformats.org/officeDocument/2006/relationships" xmlns:p="http://schemas.openxmlformats.org/presentationml/2006/main">
   <p:cSld>
+    <p:bg>
+      <p:bgRef idx="1001">
+        <a:schemeClr val="bg1"/>
+      </p:bgRef>
+    </p:bg>
     <p:spTree>
       <p:nvGrpSpPr>
-        <p:cNvPr id="2" name="Shape 2"/>
+        <p:cNvPr id="1" name="Shape 2"/>
         <p:cNvGrpSpPr/>
         <p:nvPr/>
       </p:nvGrpSpPr>
@@ -303,9 +308,11 @@
       <p:sp>
         <p:nvSpPr>
           <p:cNvPr id="3" name="Google Shape;3;n"/>
-          <p:cNvSpPr/>
+          <p:cNvSpPr>
+            <a:spLocks noGrp="1" noRot="1" noChangeAspect="1"/>
+          </p:cNvSpPr>
           <p:nvPr>
-            <p:ph idx="2" type="sldImg"/>
+            <p:ph type="sldImg" idx="2"/>
           </p:nvPr>
         </p:nvSpPr>
         <p:spPr>
@@ -314,9 +321,13 @@
             <a:ext cx="6096075" cy="3429000"/>
           </a:xfrm>
           <a:custGeom>
-            <a:rect b="b" l="l" r="r" t="t"/>
+            <a:avLst/>
+            <a:gdLst/>
+            <a:ahLst/>
+            <a:cxnLst/>
+            <a:rect l="l" t="t" r="r" b="b"/>
             <a:pathLst>
-              <a:path extrusionOk="0" h="120000" w="120000">
+              <a:path w="120000" h="120000" extrusionOk="0">
                 <a:moveTo>
                   <a:pt x="0" y="0"/>
                 </a:moveTo>
@@ -334,23 +345,25 @@
             </a:pathLst>
           </a:custGeom>
           <a:noFill/>
-          <a:ln cap="flat" cmpd="sng" w="9525">
+          <a:ln w="9525" cap="flat" cmpd="sng">
             <a:solidFill>
               <a:srgbClr val="000000"/>
             </a:solidFill>
             <a:prstDash val="solid"/>
             <a:round/>
-            <a:headEnd len="sm" w="sm" type="none"/>
-            <a:tailEnd len="sm" w="sm" type="none"/>
+            <a:headEnd type="none" w="sm" len="sm"/>
+            <a:tailEnd type="none" w="sm" len="sm"/>
           </a:ln>
         </p:spPr>
       </p:sp>
       <p:sp>
         <p:nvSpPr>
           <p:cNvPr id="4" name="Google Shape;4;n"/>
-          <p:cNvSpPr txBox="1"/>
+          <p:cNvSpPr txBox="1">
+            <a:spLocks noGrp="1"/>
+          </p:cNvSpPr>
           <p:nvPr>
-            <p:ph idx="1" type="body"/>
+            <p:ph type="body" idx="1"/>
           </p:nvPr>
         </p:nvSpPr>
         <p:spPr>
@@ -367,11 +380,11 @@
           </a:ln>
         </p:spPr>
         <p:txBody>
-          <a:bodyPr anchorCtr="0" anchor="t" bIns="91425" lIns="91425" spcFirstLastPara="1" rIns="91425" wrap="square" tIns="91425">
+          <a:bodyPr spcFirstLastPara="1" wrap="square" lIns="91425" tIns="91425" rIns="91425" bIns="91425" anchor="t" anchorCtr="0">
             <a:noAutofit/>
           </a:bodyPr>
           <a:lstStyle>
-            <a:lvl1pPr indent="-298450" lvl="0" marL="457200">
+            <a:lvl1pPr marL="457200" lvl="0" indent="-298450">
               <a:spcBef>
                 <a:spcPts val="0"/>
               </a:spcBef>
@@ -382,7 +395,7 @@
               <a:buChar char="●"/>
               <a:defRPr sz="1100"/>
             </a:lvl1pPr>
-            <a:lvl2pPr indent="-298450" lvl="1" marL="914400">
+            <a:lvl2pPr marL="914400" lvl="1" indent="-298450">
               <a:spcBef>
                 <a:spcPts val="0"/>
               </a:spcBef>
@@ -393,7 +406,7 @@
               <a:buChar char="○"/>
               <a:defRPr sz="1100"/>
             </a:lvl2pPr>
-            <a:lvl3pPr indent="-298450" lvl="2" marL="1371600">
+            <a:lvl3pPr marL="1371600" lvl="2" indent="-298450">
               <a:spcBef>
                 <a:spcPts val="0"/>
               </a:spcBef>
@@ -404,7 +417,7 @@
               <a:buChar char="■"/>
               <a:defRPr sz="1100"/>
             </a:lvl3pPr>
-            <a:lvl4pPr indent="-298450" lvl="3" marL="1828800">
+            <a:lvl4pPr marL="1828800" lvl="3" indent="-298450">
               <a:spcBef>
                 <a:spcPts val="0"/>
               </a:spcBef>
@@ -415,7 +428,7 @@
               <a:buChar char="●"/>
               <a:defRPr sz="1100"/>
             </a:lvl4pPr>
-            <a:lvl5pPr indent="-298450" lvl="4" marL="2286000">
+            <a:lvl5pPr marL="2286000" lvl="4" indent="-298450">
               <a:spcBef>
                 <a:spcPts val="0"/>
               </a:spcBef>
@@ -426,7 +439,7 @@
               <a:buChar char="○"/>
               <a:defRPr sz="1100"/>
             </a:lvl5pPr>
-            <a:lvl6pPr indent="-298450" lvl="5" marL="2743200">
+            <a:lvl6pPr marL="2743200" lvl="5" indent="-298450">
               <a:spcBef>
                 <a:spcPts val="0"/>
               </a:spcBef>
@@ -437,7 +450,7 @@
               <a:buChar char="■"/>
               <a:defRPr sz="1100"/>
             </a:lvl6pPr>
-            <a:lvl7pPr indent="-298450" lvl="6" marL="3200400">
+            <a:lvl7pPr marL="3200400" lvl="6" indent="-298450">
               <a:spcBef>
                 <a:spcPts val="0"/>
               </a:spcBef>
@@ -448,7 +461,7 @@
               <a:buChar char="●"/>
               <a:defRPr sz="1100"/>
             </a:lvl7pPr>
-            <a:lvl8pPr indent="-298450" lvl="7" marL="3657600">
+            <a:lvl8pPr marL="3657600" lvl="7" indent="-298450">
               <a:spcBef>
                 <a:spcPts val="0"/>
               </a:spcBef>
@@ -459,7 +472,7 @@
               <a:buChar char="○"/>
               <a:defRPr sz="1100"/>
             </a:lvl8pPr>
-            <a:lvl9pPr indent="-298450" lvl="8" marL="4114800">
+            <a:lvl9pPr marL="4114800" lvl="8" indent="-298450">
               <a:spcBef>
                 <a:spcPts val="0"/>
               </a:spcBef>
@@ -471,14 +484,16 @@
               <a:defRPr sz="1100"/>
             </a:lvl9pPr>
           </a:lstStyle>
-          <a:p/>
+          <a:p>
+            <a:endParaRPr/>
+          </a:p>
         </p:txBody>
       </p:sp>
     </p:spTree>
   </p:cSld>
-  <p:clrMap accent1="accent1" accent2="accent2" accent3="accent3" accent4="accent4" accent5="accent5" accent6="accent6" bg1="lt1" bg2="dk2" tx1="dk1" tx2="lt2" folHlink="folHlink" hlink="hlink"/>
+  <p:clrMap bg1="lt1" tx1="dk1" bg2="dk2" tx2="lt2" accent1="accent1" accent2="accent2" accent3="accent3" accent4="accent4" accent5="accent5" accent6="accent6" hlink="hlink" folHlink="folHlink"/>
   <p:notesStyle>
-    <a:defPPr lvl="0" marR="0" rtl="0" algn="l">
+    <a:defPPr marR="0" lvl="0" algn="l" rtl="0">
       <a:lnSpc>
         <a:spcPct val="100000"/>
       </a:lnSpc>
@@ -489,7 +504,7 @@
         <a:spcPts val="0"/>
       </a:spcAft>
     </a:defPPr>
-    <a:lvl1pPr lvl="0" marR="0" rtl="0" algn="l">
+    <a:lvl1pPr marR="0" lvl="0" algn="l" rtl="0">
       <a:lnSpc>
         <a:spcPct val="100000"/>
       </a:lnSpc>
@@ -503,7 +518,7 @@
         <a:srgbClr val="000000"/>
       </a:buClr>
       <a:buFont typeface="Arial"/>
-      <a:defRPr b="0" i="0" sz="1400" u="none" cap="none" strike="noStrike">
+      <a:defRPr sz="1400" b="0" i="0" u="none" strike="noStrike" cap="none">
         <a:solidFill>
           <a:srgbClr val="000000"/>
         </a:solidFill>
@@ -513,7 +528,7 @@
         <a:sym typeface="Arial"/>
       </a:defRPr>
     </a:lvl1pPr>
-    <a:lvl2pPr lvl="1" marR="0" rtl="0" algn="l">
+    <a:lvl2pPr marR="0" lvl="1" algn="l" rtl="0">
       <a:lnSpc>
         <a:spcPct val="100000"/>
       </a:lnSpc>
@@ -527,7 +542,7 @@
         <a:srgbClr val="000000"/>
       </a:buClr>
       <a:buFont typeface="Arial"/>
-      <a:defRPr b="0" i="0" sz="1400" u="none" cap="none" strike="noStrike">
+      <a:defRPr sz="1400" b="0" i="0" u="none" strike="noStrike" cap="none">
         <a:solidFill>
           <a:srgbClr val="000000"/>
         </a:solidFill>
@@ -537,7 +552,7 @@
         <a:sym typeface="Arial"/>
       </a:defRPr>
     </a:lvl2pPr>
-    <a:lvl3pPr lvl="2" marR="0" rtl="0" algn="l">
+    <a:lvl3pPr marR="0" lvl="2" algn="l" rtl="0">
       <a:lnSpc>
         <a:spcPct val="100000"/>
       </a:lnSpc>
@@ -551,7 +566,7 @@
         <a:srgbClr val="000000"/>
       </a:buClr>
       <a:buFont typeface="Arial"/>
-      <a:defRPr b="0" i="0" sz="1400" u="none" cap="none" strike="noStrike">
+      <a:defRPr sz="1400" b="0" i="0" u="none" strike="noStrike" cap="none">
         <a:solidFill>
           <a:srgbClr val="000000"/>
         </a:solidFill>
@@ -561,7 +576,7 @@
         <a:sym typeface="Arial"/>
       </a:defRPr>
     </a:lvl3pPr>
-    <a:lvl4pPr lvl="3" marR="0" rtl="0" algn="l">
+    <a:lvl4pPr marR="0" lvl="3" algn="l" rtl="0">
       <a:lnSpc>
         <a:spcPct val="100000"/>
       </a:lnSpc>
@@ -575,7 +590,7 @@
         <a:srgbClr val="000000"/>
       </a:buClr>
       <a:buFont typeface="Arial"/>
-      <a:defRPr b="0" i="0" sz="1400" u="none" cap="none" strike="noStrike">
+      <a:defRPr sz="1400" b="0" i="0" u="none" strike="noStrike" cap="none">
         <a:solidFill>
           <a:srgbClr val="000000"/>
         </a:solidFill>
@@ -585,7 +600,7 @@
         <a:sym typeface="Arial"/>
       </a:defRPr>
     </a:lvl4pPr>
-    <a:lvl5pPr lvl="4" marR="0" rtl="0" algn="l">
+    <a:lvl5pPr marR="0" lvl="4" algn="l" rtl="0">
       <a:lnSpc>
         <a:spcPct val="100000"/>
       </a:lnSpc>
@@ -599,7 +614,7 @@
         <a:srgbClr val="000000"/>
       </a:buClr>
       <a:buFont typeface="Arial"/>
-      <a:defRPr b="0" i="0" sz="1400" u="none" cap="none" strike="noStrike">
+      <a:defRPr sz="1400" b="0" i="0" u="none" strike="noStrike" cap="none">
         <a:solidFill>
           <a:srgbClr val="000000"/>
         </a:solidFill>
@@ -609,7 +624,7 @@
         <a:sym typeface="Arial"/>
       </a:defRPr>
     </a:lvl5pPr>
-    <a:lvl6pPr lvl="5" marR="0" rtl="0" algn="l">
+    <a:lvl6pPr marR="0" lvl="5" algn="l" rtl="0">
       <a:lnSpc>
         <a:spcPct val="100000"/>
       </a:lnSpc>
@@ -623,7 +638,7 @@
         <a:srgbClr val="000000"/>
       </a:buClr>
       <a:buFont typeface="Arial"/>
-      <a:defRPr b="0" i="0" sz="1400" u="none" cap="none" strike="noStrike">
+      <a:defRPr sz="1400" b="0" i="0" u="none" strike="noStrike" cap="none">
         <a:solidFill>
           <a:srgbClr val="000000"/>
         </a:solidFill>
@@ -633,7 +648,7 @@
         <a:sym typeface="Arial"/>
       </a:defRPr>
     </a:lvl6pPr>
-    <a:lvl7pPr lvl="6" marR="0" rtl="0" algn="l">
+    <a:lvl7pPr marR="0" lvl="6" algn="l" rtl="0">
       <a:lnSpc>
         <a:spcPct val="100000"/>
       </a:lnSpc>
@@ -647,7 +662,7 @@
         <a:srgbClr val="000000"/>
       </a:buClr>
       <a:buFont typeface="Arial"/>
-      <a:defRPr b="0" i="0" sz="1400" u="none" cap="none" strike="noStrike">
+      <a:defRPr sz="1400" b="0" i="0" u="none" strike="noStrike" cap="none">
         <a:solidFill>
           <a:srgbClr val="000000"/>
         </a:solidFill>
@@ -657,7 +672,7 @@
         <a:sym typeface="Arial"/>
       </a:defRPr>
     </a:lvl7pPr>
-    <a:lvl8pPr lvl="7" marR="0" rtl="0" algn="l">
+    <a:lvl8pPr marR="0" lvl="7" algn="l" rtl="0">
       <a:lnSpc>
         <a:spcPct val="100000"/>
       </a:lnSpc>
@@ -671,7 +686,7 @@
         <a:srgbClr val="000000"/>
       </a:buClr>
       <a:buFont typeface="Arial"/>
-      <a:defRPr b="0" i="0" sz="1400" u="none" cap="none" strike="noStrike">
+      <a:defRPr sz="1400" b="0" i="0" u="none" strike="noStrike" cap="none">
         <a:solidFill>
           <a:srgbClr val="000000"/>
         </a:solidFill>
@@ -681,7 +696,7 @@
         <a:sym typeface="Arial"/>
       </a:defRPr>
     </a:lvl8pPr>
-    <a:lvl9pPr lvl="8" marR="0" rtl="0" algn="l">
+    <a:lvl9pPr marR="0" lvl="8" algn="l" rtl="0">
       <a:lnSpc>
         <a:spcPct val="100000"/>
       </a:lnSpc>
@@ -695,7 +710,7 @@
         <a:srgbClr val="000000"/>
       </a:buClr>
       <a:buFont typeface="Arial"/>
-      <a:defRPr b="0" i="0" sz="1400" u="none" cap="none" strike="noStrike">
+      <a:defRPr sz="1400" b="0" i="0" u="none" strike="noStrike" cap="none">
         <a:solidFill>
           <a:srgbClr val="000000"/>
         </a:solidFill>
@@ -710,11 +725,11 @@
 </file>
 
 <file path=ppt/notesSlides/notesSlide1.xml><?xml version="1.0" encoding="utf-8"?>
-<p:notes xmlns:a="http://schemas.openxmlformats.org/drawingml/2006/main" xmlns:r="http://schemas.openxmlformats.org/officeDocument/2006/relationships" xmlns:mc="http://schemas.openxmlformats.org/markup-compatibility/2006" xmlns:mv="urn:schemas-microsoft-com:mac:vml" xmlns:p="http://schemas.openxmlformats.org/presentationml/2006/main" xmlns:c="http://schemas.openxmlformats.org/drawingml/2006/chart" xmlns:dgm="http://schemas.openxmlformats.org/drawingml/2006/diagram" xmlns:o="urn:schemas-microsoft-com:office:office" xmlns:v="urn:schemas-microsoft-com:vml" xmlns:pvml="urn:schemas-microsoft-com:office:powerpoint" xmlns:com="http://schemas.openxmlformats.org/drawingml/2006/compatibility" xmlns:p14="http://schemas.microsoft.com/office/powerpoint/2010/main" xmlns:p15="http://schemas.microsoft.com/office/powerpoint/2012/main" xmlns:ahyp="http://schemas.microsoft.com/office/drawing/2018/hyperlinkcolor" showMasterPhAnim="0" showMasterSp="0">
+<p:notes xmlns:a="http://schemas.openxmlformats.org/drawingml/2006/main" xmlns:r="http://schemas.openxmlformats.org/officeDocument/2006/relationships" xmlns:p="http://schemas.openxmlformats.org/presentationml/2006/main" showMasterSp="0" showMasterPhAnim="0">
   <p:cSld>
     <p:spTree>
       <p:nvGrpSpPr>
-        <p:cNvPr id="130" name="Shape 130"/>
+        <p:cNvPr id="1" name="Shape 130"/>
         <p:cNvGrpSpPr/>
         <p:nvPr/>
       </p:nvGrpSpPr>
@@ -729,20 +744,26 @@
       <p:sp>
         <p:nvSpPr>
           <p:cNvPr id="131" name="Google Shape;131;p:notes"/>
-          <p:cNvSpPr/>
+          <p:cNvSpPr>
+            <a:spLocks noGrp="1" noRot="1" noChangeAspect="1"/>
+          </p:cNvSpPr>
           <p:nvPr>
-            <p:ph idx="2" type="sldImg"/>
+            <p:ph type="sldImg" idx="2"/>
           </p:nvPr>
         </p:nvSpPr>
         <p:spPr>
           <a:xfrm>
-            <a:off x="381300" y="685800"/>
-            <a:ext cx="6096075" cy="3429000"/>
+            <a:off x="381000" y="685800"/>
+            <a:ext cx="6096000" cy="3429000"/>
           </a:xfrm>
           <a:custGeom>
-            <a:rect b="b" l="l" r="r" t="t"/>
+            <a:avLst/>
+            <a:gdLst/>
+            <a:ahLst/>
+            <a:cxnLst/>
+            <a:rect l="l" t="t" r="r" b="b"/>
             <a:pathLst>
-              <a:path extrusionOk="0" h="120000" w="120000">
+              <a:path w="120000" h="120000" extrusionOk="0">
                 <a:moveTo>
                   <a:pt x="0" y="0"/>
                 </a:moveTo>
@@ -764,9 +785,11 @@
       <p:sp>
         <p:nvSpPr>
           <p:cNvPr id="132" name="Google Shape;132;p:notes"/>
-          <p:cNvSpPr txBox="1"/>
+          <p:cNvSpPr txBox="1">
+            <a:spLocks noGrp="1"/>
+          </p:cNvSpPr>
           <p:nvPr>
-            <p:ph idx="1" type="body"/>
+            <p:ph type="body" idx="1"/>
           </p:nvPr>
         </p:nvSpPr>
         <p:spPr>
@@ -779,12 +802,12 @@
           </a:prstGeom>
         </p:spPr>
         <p:txBody>
-          <a:bodyPr anchorCtr="0" anchor="t" bIns="91425" lIns="91425" spcFirstLastPara="1" rIns="91425" wrap="square" tIns="91425">
+          <a:bodyPr spcFirstLastPara="1" wrap="square" lIns="91425" tIns="91425" rIns="91425" bIns="91425" anchor="t" anchorCtr="0">
             <a:noAutofit/>
           </a:bodyPr>
           <a:lstStyle/>
           <a:p>
-            <a:pPr indent="0" lvl="0" marL="0" rtl="0" algn="l">
+            <a:pPr marL="0" lvl="0" indent="0" algn="l" rtl="0">
               <a:spcBef>
                 <a:spcPts val="0"/>
               </a:spcBef>
@@ -793,9 +816,6 @@
               </a:spcAft>
               <a:buNone/>
             </a:pPr>
-            <a:r>
-              <a:t/>
-            </a:r>
             <a:endParaRPr/>
           </a:p>
         </p:txBody>
@@ -809,11 +829,11 @@
 </file>
 
 <file path=ppt/notesSlides/notesSlide2.xml><?xml version="1.0" encoding="utf-8"?>
-<p:notes xmlns:a="http://schemas.openxmlformats.org/drawingml/2006/main" xmlns:r="http://schemas.openxmlformats.org/officeDocument/2006/relationships" xmlns:mc="http://schemas.openxmlformats.org/markup-compatibility/2006" xmlns:mv="urn:schemas-microsoft-com:mac:vml" xmlns:p="http://schemas.openxmlformats.org/presentationml/2006/main" xmlns:c="http://schemas.openxmlformats.org/drawingml/2006/chart" xmlns:dgm="http://schemas.openxmlformats.org/drawingml/2006/diagram" xmlns:o="urn:schemas-microsoft-com:office:office" xmlns:v="urn:schemas-microsoft-com:vml" xmlns:pvml="urn:schemas-microsoft-com:office:powerpoint" xmlns:com="http://schemas.openxmlformats.org/drawingml/2006/compatibility" xmlns:p14="http://schemas.microsoft.com/office/powerpoint/2010/main" xmlns:p15="http://schemas.microsoft.com/office/powerpoint/2012/main" xmlns:ahyp="http://schemas.microsoft.com/office/drawing/2018/hyperlinkcolor" showMasterPhAnim="0" showMasterSp="0">
+<p:notes xmlns:a="http://schemas.openxmlformats.org/drawingml/2006/main" xmlns:r="http://schemas.openxmlformats.org/officeDocument/2006/relationships" xmlns:p="http://schemas.openxmlformats.org/presentationml/2006/main" showMasterSp="0" showMasterPhAnim="0">
   <p:cSld>
     <p:spTree>
       <p:nvGrpSpPr>
-        <p:cNvPr id="136" name="Shape 136"/>
+        <p:cNvPr id="1" name="Shape 136"/>
         <p:cNvGrpSpPr/>
         <p:nvPr/>
       </p:nvGrpSpPr>
@@ -828,9 +848,11 @@
       <p:sp>
         <p:nvSpPr>
           <p:cNvPr id="137" name="Google Shape;137;g39bb3248932_0_126:notes"/>
-          <p:cNvSpPr/>
+          <p:cNvSpPr>
+            <a:spLocks noGrp="1" noRot="1" noChangeAspect="1"/>
+          </p:cNvSpPr>
           <p:nvPr>
-            <p:ph idx="2" type="sldImg"/>
+            <p:ph type="sldImg" idx="2"/>
           </p:nvPr>
         </p:nvSpPr>
         <p:spPr>
@@ -839,9 +861,13 @@
             <a:ext cx="6096000" cy="3429000"/>
           </a:xfrm>
           <a:custGeom>
-            <a:rect b="b" l="l" r="r" t="t"/>
+            <a:avLst/>
+            <a:gdLst/>
+            <a:ahLst/>
+            <a:cxnLst/>
+            <a:rect l="l" t="t" r="r" b="b"/>
             <a:pathLst>
-              <a:path extrusionOk="0" h="120000" w="120000">
+              <a:path w="120000" h="120000" extrusionOk="0">
                 <a:moveTo>
                   <a:pt x="0" y="0"/>
                 </a:moveTo>
@@ -863,9 +889,11 @@
       <p:sp>
         <p:nvSpPr>
           <p:cNvPr id="138" name="Google Shape;138;g39bb3248932_0_126:notes"/>
-          <p:cNvSpPr txBox="1"/>
+          <p:cNvSpPr txBox="1">
+            <a:spLocks noGrp="1"/>
+          </p:cNvSpPr>
           <p:nvPr>
-            <p:ph idx="1" type="body"/>
+            <p:ph type="body" idx="1"/>
           </p:nvPr>
         </p:nvSpPr>
         <p:spPr>
@@ -878,12 +906,12 @@
           </a:prstGeom>
         </p:spPr>
         <p:txBody>
-          <a:bodyPr anchorCtr="0" anchor="t" bIns="91425" lIns="91425" spcFirstLastPara="1" rIns="91425" wrap="square" tIns="91425">
+          <a:bodyPr spcFirstLastPara="1" wrap="square" lIns="91425" tIns="91425" rIns="91425" bIns="91425" anchor="t" anchorCtr="0">
             <a:noAutofit/>
           </a:bodyPr>
           <a:lstStyle/>
           <a:p>
-            <a:pPr indent="0" lvl="0" marL="0" rtl="0" algn="l">
+            <a:pPr marL="0" lvl="0" indent="0" algn="l" rtl="0">
               <a:spcBef>
                 <a:spcPts val="0"/>
               </a:spcBef>
@@ -892,9 +920,6 @@
               </a:spcAft>
               <a:buNone/>
             </a:pPr>
-            <a:r>
-              <a:t/>
-            </a:r>
             <a:endParaRPr/>
           </a:p>
         </p:txBody>
@@ -908,11 +933,11 @@
 </file>
 
 <file path=ppt/notesSlides/notesSlide3.xml><?xml version="1.0" encoding="utf-8"?>
-<p:notes xmlns:a="http://schemas.openxmlformats.org/drawingml/2006/main" xmlns:r="http://schemas.openxmlformats.org/officeDocument/2006/relationships" xmlns:mc="http://schemas.openxmlformats.org/markup-compatibility/2006" xmlns:mv="urn:schemas-microsoft-com:mac:vml" xmlns:p="http://schemas.openxmlformats.org/presentationml/2006/main" xmlns:c="http://schemas.openxmlformats.org/drawingml/2006/chart" xmlns:dgm="http://schemas.openxmlformats.org/drawingml/2006/diagram" xmlns:o="urn:schemas-microsoft-com:office:office" xmlns:v="urn:schemas-microsoft-com:vml" xmlns:pvml="urn:schemas-microsoft-com:office:powerpoint" xmlns:com="http://schemas.openxmlformats.org/drawingml/2006/compatibility" xmlns:p14="http://schemas.microsoft.com/office/powerpoint/2010/main" xmlns:p15="http://schemas.microsoft.com/office/powerpoint/2012/main" xmlns:ahyp="http://schemas.microsoft.com/office/drawing/2018/hyperlinkcolor" showMasterPhAnim="0" showMasterSp="0">
+<p:notes xmlns:a="http://schemas.openxmlformats.org/drawingml/2006/main" xmlns:r="http://schemas.openxmlformats.org/officeDocument/2006/relationships" xmlns:p="http://schemas.openxmlformats.org/presentationml/2006/main" showMasterSp="0" showMasterPhAnim="0">
   <p:cSld>
     <p:spTree>
       <p:nvGrpSpPr>
-        <p:cNvPr id="143" name="Shape 143"/>
+        <p:cNvPr id="1" name="Shape 143"/>
         <p:cNvGrpSpPr/>
         <p:nvPr/>
       </p:nvGrpSpPr>
@@ -927,9 +952,11 @@
       <p:sp>
         <p:nvSpPr>
           <p:cNvPr id="144" name="Google Shape;144;g39c34e2ee32_0_0:notes"/>
-          <p:cNvSpPr/>
+          <p:cNvSpPr>
+            <a:spLocks noGrp="1" noRot="1" noChangeAspect="1"/>
+          </p:cNvSpPr>
           <p:nvPr>
-            <p:ph idx="2" type="sldImg"/>
+            <p:ph type="sldImg" idx="2"/>
           </p:nvPr>
         </p:nvSpPr>
         <p:spPr>
@@ -938,9 +965,13 @@
             <a:ext cx="6096000" cy="3429000"/>
           </a:xfrm>
           <a:custGeom>
-            <a:rect b="b" l="l" r="r" t="t"/>
+            <a:avLst/>
+            <a:gdLst/>
+            <a:ahLst/>
+            <a:cxnLst/>
+            <a:rect l="l" t="t" r="r" b="b"/>
             <a:pathLst>
-              <a:path extrusionOk="0" h="120000" w="120000">
+              <a:path w="120000" h="120000" extrusionOk="0">
                 <a:moveTo>
                   <a:pt x="0" y="0"/>
                 </a:moveTo>
@@ -962,9 +993,11 @@
       <p:sp>
         <p:nvSpPr>
           <p:cNvPr id="145" name="Google Shape;145;g39c34e2ee32_0_0:notes"/>
-          <p:cNvSpPr txBox="1"/>
+          <p:cNvSpPr txBox="1">
+            <a:spLocks noGrp="1"/>
+          </p:cNvSpPr>
           <p:nvPr>
-            <p:ph idx="1" type="body"/>
+            <p:ph type="body" idx="1"/>
           </p:nvPr>
         </p:nvSpPr>
         <p:spPr>
@@ -977,12 +1010,12 @@
           </a:prstGeom>
         </p:spPr>
         <p:txBody>
-          <a:bodyPr anchorCtr="0" anchor="t" bIns="91425" lIns="91425" spcFirstLastPara="1" rIns="91425" wrap="square" tIns="91425">
+          <a:bodyPr spcFirstLastPara="1" wrap="square" lIns="91425" tIns="91425" rIns="91425" bIns="91425" anchor="t" anchorCtr="0">
             <a:noAutofit/>
           </a:bodyPr>
           <a:lstStyle/>
           <a:p>
-            <a:pPr indent="0" lvl="0" marL="0" rtl="0" algn="l">
+            <a:pPr marL="0" lvl="0" indent="0" algn="l" rtl="0">
               <a:spcBef>
                 <a:spcPts val="0"/>
               </a:spcBef>
@@ -991,9 +1024,6 @@
               </a:spcAft>
               <a:buNone/>
             </a:pPr>
-            <a:r>
-              <a:t/>
-            </a:r>
             <a:endParaRPr/>
           </a:p>
         </p:txBody>
@@ -1007,11 +1037,11 @@
 </file>
 
 <file path=ppt/notesSlides/notesSlide4.xml><?xml version="1.0" encoding="utf-8"?>
-<p:notes xmlns:a="http://schemas.openxmlformats.org/drawingml/2006/main" xmlns:r="http://schemas.openxmlformats.org/officeDocument/2006/relationships" xmlns:mc="http://schemas.openxmlformats.org/markup-compatibility/2006" xmlns:mv="urn:schemas-microsoft-com:mac:vml" xmlns:p="http://schemas.openxmlformats.org/presentationml/2006/main" xmlns:c="http://schemas.openxmlformats.org/drawingml/2006/chart" xmlns:dgm="http://schemas.openxmlformats.org/drawingml/2006/diagram" xmlns:o="urn:schemas-microsoft-com:office:office" xmlns:v="urn:schemas-microsoft-com:vml" xmlns:pvml="urn:schemas-microsoft-com:office:powerpoint" xmlns:com="http://schemas.openxmlformats.org/drawingml/2006/compatibility" xmlns:p14="http://schemas.microsoft.com/office/powerpoint/2010/main" xmlns:p15="http://schemas.microsoft.com/office/powerpoint/2012/main" xmlns:ahyp="http://schemas.microsoft.com/office/drawing/2018/hyperlinkcolor" showMasterPhAnim="0" showMasterSp="0">
+<p:notes xmlns:a="http://schemas.openxmlformats.org/drawingml/2006/main" xmlns:r="http://schemas.openxmlformats.org/officeDocument/2006/relationships" xmlns:p="http://schemas.openxmlformats.org/presentationml/2006/main" showMasterSp="0" showMasterPhAnim="0">
   <p:cSld>
     <p:spTree>
       <p:nvGrpSpPr>
-        <p:cNvPr id="150" name="Shape 150"/>
+        <p:cNvPr id="1" name="Shape 150"/>
         <p:cNvGrpSpPr/>
         <p:nvPr/>
       </p:nvGrpSpPr>
@@ -1026,9 +1056,11 @@
       <p:sp>
         <p:nvSpPr>
           <p:cNvPr id="151" name="Google Shape;151;g36cc947aca6_0_11:notes"/>
-          <p:cNvSpPr/>
+          <p:cNvSpPr>
+            <a:spLocks noGrp="1" noRot="1" noChangeAspect="1"/>
+          </p:cNvSpPr>
           <p:nvPr>
-            <p:ph idx="2" type="sldImg"/>
+            <p:ph type="sldImg" idx="2"/>
           </p:nvPr>
         </p:nvSpPr>
         <p:spPr>
@@ -1037,9 +1069,13 @@
             <a:ext cx="6096000" cy="3429000"/>
           </a:xfrm>
           <a:custGeom>
-            <a:rect b="b" l="l" r="r" t="t"/>
+            <a:avLst/>
+            <a:gdLst/>
+            <a:ahLst/>
+            <a:cxnLst/>
+            <a:rect l="l" t="t" r="r" b="b"/>
             <a:pathLst>
-              <a:path extrusionOk="0" h="120000" w="120000">
+              <a:path w="120000" h="120000" extrusionOk="0">
                 <a:moveTo>
                   <a:pt x="0" y="0"/>
                 </a:moveTo>
@@ -1061,9 +1097,11 @@
       <p:sp>
         <p:nvSpPr>
           <p:cNvPr id="152" name="Google Shape;152;g36cc947aca6_0_11:notes"/>
-          <p:cNvSpPr txBox="1"/>
+          <p:cNvSpPr txBox="1">
+            <a:spLocks noGrp="1"/>
+          </p:cNvSpPr>
           <p:nvPr>
-            <p:ph idx="1" type="body"/>
+            <p:ph type="body" idx="1"/>
           </p:nvPr>
         </p:nvSpPr>
         <p:spPr>
@@ -1076,12 +1114,12 @@
           </a:prstGeom>
         </p:spPr>
         <p:txBody>
-          <a:bodyPr anchorCtr="0" anchor="t" bIns="91425" lIns="91425" spcFirstLastPara="1" rIns="91425" wrap="square" tIns="91425">
+          <a:bodyPr spcFirstLastPara="1" wrap="square" lIns="91425" tIns="91425" rIns="91425" bIns="91425" anchor="t" anchorCtr="0">
             <a:noAutofit/>
           </a:bodyPr>
           <a:lstStyle/>
           <a:p>
-            <a:pPr indent="0" lvl="0" marL="0" rtl="0" algn="l">
+            <a:pPr marL="0" lvl="0" indent="0" algn="l" rtl="0">
               <a:spcBef>
                 <a:spcPts val="0"/>
               </a:spcBef>
@@ -1090,9 +1128,6 @@
               </a:spcAft>
               <a:buNone/>
             </a:pPr>
-            <a:r>
-              <a:t/>
-            </a:r>
             <a:endParaRPr/>
           </a:p>
         </p:txBody>
@@ -1106,11 +1141,11 @@
 </file>
 
 <file path=ppt/notesSlides/notesSlide5.xml><?xml version="1.0" encoding="utf-8"?>
-<p:notes xmlns:a="http://schemas.openxmlformats.org/drawingml/2006/main" xmlns:r="http://schemas.openxmlformats.org/officeDocument/2006/relationships" xmlns:mc="http://schemas.openxmlformats.org/markup-compatibility/2006" xmlns:mv="urn:schemas-microsoft-com:mac:vml" xmlns:p="http://schemas.openxmlformats.org/presentationml/2006/main" xmlns:c="http://schemas.openxmlformats.org/drawingml/2006/chart" xmlns:dgm="http://schemas.openxmlformats.org/drawingml/2006/diagram" xmlns:o="urn:schemas-microsoft-com:office:office" xmlns:v="urn:schemas-microsoft-com:vml" xmlns:pvml="urn:schemas-microsoft-com:office:powerpoint" xmlns:com="http://schemas.openxmlformats.org/drawingml/2006/compatibility" xmlns:p14="http://schemas.microsoft.com/office/powerpoint/2010/main" xmlns:p15="http://schemas.microsoft.com/office/powerpoint/2012/main" xmlns:ahyp="http://schemas.microsoft.com/office/drawing/2018/hyperlinkcolor" showMasterPhAnim="0" showMasterSp="0">
+<p:notes xmlns:a="http://schemas.openxmlformats.org/drawingml/2006/main" xmlns:r="http://schemas.openxmlformats.org/officeDocument/2006/relationships" xmlns:p="http://schemas.openxmlformats.org/presentationml/2006/main" showMasterSp="0" showMasterPhAnim="0">
   <p:cSld>
     <p:spTree>
       <p:nvGrpSpPr>
-        <p:cNvPr id="156" name="Shape 156"/>
+        <p:cNvPr id="1" name="Shape 156"/>
         <p:cNvGrpSpPr/>
         <p:nvPr/>
       </p:nvGrpSpPr>
@@ -1125,9 +1160,11 @@
       <p:sp>
         <p:nvSpPr>
           <p:cNvPr id="157" name="Google Shape;157;g36cc947aca6_0_21:notes"/>
-          <p:cNvSpPr/>
+          <p:cNvSpPr>
+            <a:spLocks noGrp="1" noRot="1" noChangeAspect="1"/>
+          </p:cNvSpPr>
           <p:nvPr>
-            <p:ph idx="2" type="sldImg"/>
+            <p:ph type="sldImg" idx="2"/>
           </p:nvPr>
         </p:nvSpPr>
         <p:spPr>
@@ -1136,9 +1173,13 @@
             <a:ext cx="6096000" cy="3429000"/>
           </a:xfrm>
           <a:custGeom>
-            <a:rect b="b" l="l" r="r" t="t"/>
+            <a:avLst/>
+            <a:gdLst/>
+            <a:ahLst/>
+            <a:cxnLst/>
+            <a:rect l="l" t="t" r="r" b="b"/>
             <a:pathLst>
-              <a:path extrusionOk="0" h="120000" w="120000">
+              <a:path w="120000" h="120000" extrusionOk="0">
                 <a:moveTo>
                   <a:pt x="0" y="0"/>
                 </a:moveTo>
@@ -1160,9 +1201,11 @@
       <p:sp>
         <p:nvSpPr>
           <p:cNvPr id="158" name="Google Shape;158;g36cc947aca6_0_21:notes"/>
-          <p:cNvSpPr txBox="1"/>
+          <p:cNvSpPr txBox="1">
+            <a:spLocks noGrp="1"/>
+          </p:cNvSpPr>
           <p:nvPr>
-            <p:ph idx="1" type="body"/>
+            <p:ph type="body" idx="1"/>
           </p:nvPr>
         </p:nvSpPr>
         <p:spPr>
@@ -1175,12 +1218,12 @@
           </a:prstGeom>
         </p:spPr>
         <p:txBody>
-          <a:bodyPr anchorCtr="0" anchor="t" bIns="91425" lIns="91425" spcFirstLastPara="1" rIns="91425" wrap="square" tIns="91425">
+          <a:bodyPr spcFirstLastPara="1" wrap="square" lIns="91425" tIns="91425" rIns="91425" bIns="91425" anchor="t" anchorCtr="0">
             <a:noAutofit/>
           </a:bodyPr>
           <a:lstStyle/>
           <a:p>
-            <a:pPr indent="0" lvl="0" marL="0" rtl="0" algn="l">
+            <a:pPr marL="0" lvl="0" indent="0" algn="l" rtl="0">
               <a:spcBef>
                 <a:spcPts val="0"/>
               </a:spcBef>
@@ -1189,9 +1232,6 @@
               </a:spcAft>
               <a:buNone/>
             </a:pPr>
-            <a:r>
-              <a:t/>
-            </a:r>
             <a:endParaRPr/>
           </a:p>
         </p:txBody>
@@ -1205,11 +1245,11 @@
 </file>
 
 <file path=ppt/notesSlides/notesSlide6.xml><?xml version="1.0" encoding="utf-8"?>
-<p:notes xmlns:a="http://schemas.openxmlformats.org/drawingml/2006/main" xmlns:r="http://schemas.openxmlformats.org/officeDocument/2006/relationships" xmlns:mc="http://schemas.openxmlformats.org/markup-compatibility/2006" xmlns:mv="urn:schemas-microsoft-com:mac:vml" xmlns:p="http://schemas.openxmlformats.org/presentationml/2006/main" xmlns:c="http://schemas.openxmlformats.org/drawingml/2006/chart" xmlns:dgm="http://schemas.openxmlformats.org/drawingml/2006/diagram" xmlns:o="urn:schemas-microsoft-com:office:office" xmlns:v="urn:schemas-microsoft-com:vml" xmlns:pvml="urn:schemas-microsoft-com:office:powerpoint" xmlns:com="http://schemas.openxmlformats.org/drawingml/2006/compatibility" xmlns:p14="http://schemas.microsoft.com/office/powerpoint/2010/main" xmlns:p15="http://schemas.microsoft.com/office/powerpoint/2012/main" xmlns:ahyp="http://schemas.microsoft.com/office/drawing/2018/hyperlinkcolor" showMasterPhAnim="0" showMasterSp="0">
+<p:notes xmlns:a="http://schemas.openxmlformats.org/drawingml/2006/main" xmlns:r="http://schemas.openxmlformats.org/officeDocument/2006/relationships" xmlns:p="http://schemas.openxmlformats.org/presentationml/2006/main" showMasterSp="0" showMasterPhAnim="0">
   <p:cSld>
     <p:spTree>
       <p:nvGrpSpPr>
-        <p:cNvPr id="162" name="Shape 162"/>
+        <p:cNvPr id="1" name="Shape 162"/>
         <p:cNvGrpSpPr/>
         <p:nvPr/>
       </p:nvGrpSpPr>
@@ -1224,20 +1264,26 @@
       <p:sp>
         <p:nvSpPr>
           <p:cNvPr id="163" name="Google Shape;163;g36cc947aca6_0_16:notes"/>
-          <p:cNvSpPr/>
+          <p:cNvSpPr>
+            <a:spLocks noGrp="1" noRot="1" noChangeAspect="1"/>
+          </p:cNvSpPr>
           <p:nvPr>
-            <p:ph idx="2" type="sldImg"/>
+            <p:ph type="sldImg" idx="2"/>
           </p:nvPr>
         </p:nvSpPr>
         <p:spPr>
           <a:xfrm>
-            <a:off x="381300" y="685800"/>
+            <a:off x="381000" y="685800"/>
             <a:ext cx="6096000" cy="3429000"/>
           </a:xfrm>
           <a:custGeom>
-            <a:rect b="b" l="l" r="r" t="t"/>
+            <a:avLst/>
+            <a:gdLst/>
+            <a:ahLst/>
+            <a:cxnLst/>
+            <a:rect l="l" t="t" r="r" b="b"/>
             <a:pathLst>
-              <a:path extrusionOk="0" h="120000" w="120000">
+              <a:path w="120000" h="120000" extrusionOk="0">
                 <a:moveTo>
                   <a:pt x="0" y="0"/>
                 </a:moveTo>
@@ -1259,9 +1305,11 @@
       <p:sp>
         <p:nvSpPr>
           <p:cNvPr id="164" name="Google Shape;164;g36cc947aca6_0_16:notes"/>
-          <p:cNvSpPr txBox="1"/>
+          <p:cNvSpPr txBox="1">
+            <a:spLocks noGrp="1"/>
+          </p:cNvSpPr>
           <p:nvPr>
-            <p:ph idx="1" type="body"/>
+            <p:ph type="body" idx="1"/>
           </p:nvPr>
         </p:nvSpPr>
         <p:spPr>
@@ -1274,12 +1322,12 @@
           </a:prstGeom>
         </p:spPr>
         <p:txBody>
-          <a:bodyPr anchorCtr="0" anchor="t" bIns="91425" lIns="91425" spcFirstLastPara="1" rIns="91425" wrap="square" tIns="91425">
+          <a:bodyPr spcFirstLastPara="1" wrap="square" lIns="91425" tIns="91425" rIns="91425" bIns="91425" anchor="t" anchorCtr="0">
             <a:noAutofit/>
           </a:bodyPr>
           <a:lstStyle/>
           <a:p>
-            <a:pPr indent="0" lvl="0" marL="0" rtl="0" algn="l">
+            <a:pPr marL="0" lvl="0" indent="0" algn="l" rtl="0">
               <a:spcBef>
                 <a:spcPts val="0"/>
               </a:spcBef>
@@ -1288,9 +1336,6 @@
               </a:spcAft>
               <a:buNone/>
             </a:pPr>
-            <a:r>
-              <a:t/>
-            </a:r>
             <a:endParaRPr/>
           </a:p>
         </p:txBody>
@@ -1304,11 +1349,11 @@
 </file>
 
 <file path=ppt/notesSlides/notesSlide7.xml><?xml version="1.0" encoding="utf-8"?>
-<p:notes xmlns:a="http://schemas.openxmlformats.org/drawingml/2006/main" xmlns:r="http://schemas.openxmlformats.org/officeDocument/2006/relationships" xmlns:mc="http://schemas.openxmlformats.org/markup-compatibility/2006" xmlns:mv="urn:schemas-microsoft-com:mac:vml" xmlns:p="http://schemas.openxmlformats.org/presentationml/2006/main" xmlns:c="http://schemas.openxmlformats.org/drawingml/2006/chart" xmlns:dgm="http://schemas.openxmlformats.org/drawingml/2006/diagram" xmlns:o="urn:schemas-microsoft-com:office:office" xmlns:v="urn:schemas-microsoft-com:vml" xmlns:pvml="urn:schemas-microsoft-com:office:powerpoint" xmlns:com="http://schemas.openxmlformats.org/drawingml/2006/compatibility" xmlns:p14="http://schemas.microsoft.com/office/powerpoint/2010/main" xmlns:p15="http://schemas.microsoft.com/office/powerpoint/2012/main" xmlns:ahyp="http://schemas.microsoft.com/office/drawing/2018/hyperlinkcolor" showMasterPhAnim="0" showMasterSp="0">
+<p:notes xmlns:a="http://schemas.openxmlformats.org/drawingml/2006/main" xmlns:r="http://schemas.openxmlformats.org/officeDocument/2006/relationships" xmlns:p="http://schemas.openxmlformats.org/presentationml/2006/main" showMasterSp="0" showMasterPhAnim="0">
   <p:cSld>
     <p:spTree>
       <p:nvGrpSpPr>
-        <p:cNvPr id="169" name="Shape 169"/>
+        <p:cNvPr id="1" name="Shape 169"/>
         <p:cNvGrpSpPr/>
         <p:nvPr/>
       </p:nvGrpSpPr>
@@ -1323,9 +1368,11 @@
       <p:sp>
         <p:nvSpPr>
           <p:cNvPr id="170" name="Google Shape;170;g36cc947aca6_0_29:notes"/>
-          <p:cNvSpPr/>
+          <p:cNvSpPr>
+            <a:spLocks noGrp="1" noRot="1" noChangeAspect="1"/>
+          </p:cNvSpPr>
           <p:nvPr>
-            <p:ph idx="2" type="sldImg"/>
+            <p:ph type="sldImg" idx="2"/>
           </p:nvPr>
         </p:nvSpPr>
         <p:spPr>
@@ -1334,9 +1381,13 @@
             <a:ext cx="6096000" cy="3429000"/>
           </a:xfrm>
           <a:custGeom>
-            <a:rect b="b" l="l" r="r" t="t"/>
+            <a:avLst/>
+            <a:gdLst/>
+            <a:ahLst/>
+            <a:cxnLst/>
+            <a:rect l="l" t="t" r="r" b="b"/>
             <a:pathLst>
-              <a:path extrusionOk="0" h="120000" w="120000">
+              <a:path w="120000" h="120000" extrusionOk="0">
                 <a:moveTo>
                   <a:pt x="0" y="0"/>
                 </a:moveTo>
@@ -1358,9 +1409,11 @@
       <p:sp>
         <p:nvSpPr>
           <p:cNvPr id="171" name="Google Shape;171;g36cc947aca6_0_29:notes"/>
-          <p:cNvSpPr txBox="1"/>
+          <p:cNvSpPr txBox="1">
+            <a:spLocks noGrp="1"/>
+          </p:cNvSpPr>
           <p:nvPr>
-            <p:ph idx="1" type="body"/>
+            <p:ph type="body" idx="1"/>
           </p:nvPr>
         </p:nvSpPr>
         <p:spPr>
@@ -1373,12 +1426,12 @@
           </a:prstGeom>
         </p:spPr>
         <p:txBody>
-          <a:bodyPr anchorCtr="0" anchor="t" bIns="91425" lIns="91425" spcFirstLastPara="1" rIns="91425" wrap="square" tIns="91425">
+          <a:bodyPr spcFirstLastPara="1" wrap="square" lIns="91425" tIns="91425" rIns="91425" bIns="91425" anchor="t" anchorCtr="0">
             <a:noAutofit/>
           </a:bodyPr>
           <a:lstStyle/>
           <a:p>
-            <a:pPr indent="0" lvl="0" marL="0" rtl="0" algn="l">
+            <a:pPr marL="0" lvl="0" indent="0" algn="l" rtl="0">
               <a:spcBef>
                 <a:spcPts val="0"/>
               </a:spcBef>
@@ -1387,9 +1440,6 @@
               </a:spcAft>
               <a:buNone/>
             </a:pPr>
-            <a:r>
-              <a:t/>
-            </a:r>
             <a:endParaRPr/>
           </a:p>
         </p:txBody>
@@ -1403,11 +1453,11 @@
 </file>
 
 <file path=ppt/notesSlides/notesSlide8.xml><?xml version="1.0" encoding="utf-8"?>
-<p:notes xmlns:a="http://schemas.openxmlformats.org/drawingml/2006/main" xmlns:r="http://schemas.openxmlformats.org/officeDocument/2006/relationships" xmlns:mc="http://schemas.openxmlformats.org/markup-compatibility/2006" xmlns:mv="urn:schemas-microsoft-com:mac:vml" xmlns:p="http://schemas.openxmlformats.org/presentationml/2006/main" xmlns:c="http://schemas.openxmlformats.org/drawingml/2006/chart" xmlns:dgm="http://schemas.openxmlformats.org/drawingml/2006/diagram" xmlns:o="urn:schemas-microsoft-com:office:office" xmlns:v="urn:schemas-microsoft-com:vml" xmlns:pvml="urn:schemas-microsoft-com:office:powerpoint" xmlns:com="http://schemas.openxmlformats.org/drawingml/2006/compatibility" xmlns:p14="http://schemas.microsoft.com/office/powerpoint/2010/main" xmlns:p15="http://schemas.microsoft.com/office/powerpoint/2012/main" xmlns:ahyp="http://schemas.microsoft.com/office/drawing/2018/hyperlinkcolor" showMasterPhAnim="0" showMasterSp="0">
+<p:notes xmlns:a="http://schemas.openxmlformats.org/drawingml/2006/main" xmlns:r="http://schemas.openxmlformats.org/officeDocument/2006/relationships" xmlns:p="http://schemas.openxmlformats.org/presentationml/2006/main" showMasterSp="0" showMasterPhAnim="0">
   <p:cSld>
     <p:spTree>
       <p:nvGrpSpPr>
-        <p:cNvPr id="176" name="Shape 176"/>
+        <p:cNvPr id="1" name="Shape 176"/>
         <p:cNvGrpSpPr/>
         <p:nvPr/>
       </p:nvGrpSpPr>
@@ -1422,20 +1472,26 @@
       <p:sp>
         <p:nvSpPr>
           <p:cNvPr id="177" name="Google Shape;177;g36cc947aca6_0_35:notes"/>
-          <p:cNvSpPr/>
+          <p:cNvSpPr>
+            <a:spLocks noGrp="1" noRot="1" noChangeAspect="1"/>
+          </p:cNvSpPr>
           <p:nvPr>
-            <p:ph idx="2" type="sldImg"/>
+            <p:ph type="sldImg" idx="2"/>
           </p:nvPr>
         </p:nvSpPr>
         <p:spPr>
           <a:xfrm>
-            <a:off x="381300" y="685800"/>
+            <a:off x="381000" y="685800"/>
             <a:ext cx="6096000" cy="3429000"/>
           </a:xfrm>
           <a:custGeom>
-            <a:rect b="b" l="l" r="r" t="t"/>
+            <a:avLst/>
+            <a:gdLst/>
+            <a:ahLst/>
+            <a:cxnLst/>
+            <a:rect l="l" t="t" r="r" b="b"/>
             <a:pathLst>
-              <a:path extrusionOk="0" h="120000" w="120000">
+              <a:path w="120000" h="120000" extrusionOk="0">
                 <a:moveTo>
                   <a:pt x="0" y="0"/>
                 </a:moveTo>
@@ -1457,9 +1513,11 @@
       <p:sp>
         <p:nvSpPr>
           <p:cNvPr id="178" name="Google Shape;178;g36cc947aca6_0_35:notes"/>
-          <p:cNvSpPr txBox="1"/>
+          <p:cNvSpPr txBox="1">
+            <a:spLocks noGrp="1"/>
+          </p:cNvSpPr>
           <p:nvPr>
-            <p:ph idx="1" type="body"/>
+            <p:ph type="body" idx="1"/>
           </p:nvPr>
         </p:nvSpPr>
         <p:spPr>
@@ -1472,12 +1530,12 @@
           </a:prstGeom>
         </p:spPr>
         <p:txBody>
-          <a:bodyPr anchorCtr="0" anchor="t" bIns="91425" lIns="91425" spcFirstLastPara="1" rIns="91425" wrap="square" tIns="91425">
+          <a:bodyPr spcFirstLastPara="1" wrap="square" lIns="91425" tIns="91425" rIns="91425" bIns="91425" anchor="t" anchorCtr="0">
             <a:noAutofit/>
           </a:bodyPr>
           <a:lstStyle/>
           <a:p>
-            <a:pPr indent="0" lvl="0" marL="0" rtl="0" algn="l">
+            <a:pPr marL="0" lvl="0" indent="0" algn="l" rtl="0">
               <a:spcBef>
                 <a:spcPts val="0"/>
               </a:spcBef>
@@ -1486,9 +1544,6 @@
               </a:spcAft>
               <a:buNone/>
             </a:pPr>
-            <a:r>
-              <a:t/>
-            </a:r>
             <a:endParaRPr/>
           </a:p>
         </p:txBody>
@@ -1502,11 +1557,11 @@
 </file>
 
 <file path=ppt/slideLayouts/slideLayout1.xml><?xml version="1.0" encoding="utf-8"?>
-<p:sldLayout xmlns:a="http://schemas.openxmlformats.org/drawingml/2006/main" xmlns:r="http://schemas.openxmlformats.org/officeDocument/2006/relationships" xmlns:mc="http://schemas.openxmlformats.org/markup-compatibility/2006" xmlns:mv="urn:schemas-microsoft-com:mac:vml" xmlns:p="http://schemas.openxmlformats.org/presentationml/2006/main" xmlns:c="http://schemas.openxmlformats.org/drawingml/2006/chart" xmlns:dgm="http://schemas.openxmlformats.org/drawingml/2006/diagram" xmlns:o="urn:schemas-microsoft-com:office:office" xmlns:v="urn:schemas-microsoft-com:vml" xmlns:pvml="urn:schemas-microsoft-com:office:powerpoint" xmlns:com="http://schemas.openxmlformats.org/drawingml/2006/compatibility" xmlns:p14="http://schemas.microsoft.com/office/powerpoint/2010/main" xmlns:p15="http://schemas.microsoft.com/office/powerpoint/2012/main" xmlns:ahyp="http://schemas.microsoft.com/office/drawing/2018/hyperlinkcolor" matchingName="Title slide" type="title">
+<p:sldLayout xmlns:a="http://schemas.openxmlformats.org/drawingml/2006/main" xmlns:r="http://schemas.openxmlformats.org/officeDocument/2006/relationships" xmlns:p="http://schemas.openxmlformats.org/presentationml/2006/main" matchingName="Title slide" type="title">
   <p:cSld name="TITLE">
     <p:spTree>
       <p:nvGrpSpPr>
-        <p:cNvPr id="9" name="Shape 9"/>
+        <p:cNvPr id="1" name="Shape 9"/>
         <p:cNvGrpSpPr/>
         <p:nvPr/>
       </p:nvGrpSpPr>
@@ -1531,7 +1586,7 @@
           </a:xfrm>
           <a:prstGeom prst="diagStripe">
             <a:avLst>
-              <a:gd fmla="val 0" name="adj"/>
+              <a:gd name="adj" fmla="val 0"/>
             </a:avLst>
           </a:prstGeom>
           <a:solidFill>
@@ -1544,12 +1599,12 @@
           </a:ln>
         </p:spPr>
         <p:txBody>
-          <a:bodyPr anchorCtr="0" anchor="ctr" bIns="91425" lIns="91425" spcFirstLastPara="1" rIns="91425" wrap="square" tIns="91425">
+          <a:bodyPr spcFirstLastPara="1" wrap="square" lIns="91425" tIns="91425" rIns="91425" bIns="91425" anchor="ctr" anchorCtr="0">
             <a:noAutofit/>
           </a:bodyPr>
           <a:lstStyle/>
           <a:p>
-            <a:pPr indent="0" lvl="0" marL="0" rtl="0" algn="l">
+            <a:pPr marL="0" lvl="0" indent="0" algn="l" rtl="0">
               <a:spcBef>
                 <a:spcPts val="0"/>
               </a:spcBef>
@@ -1558,9 +1613,6 @@
               </a:spcAft>
               <a:buNone/>
             </a:pPr>
-            <a:r>
-              <a:t/>
-            </a:r>
             <a:endParaRPr/>
           </a:p>
         </p:txBody>
@@ -1592,7 +1644,7 @@
             </a:xfrm>
             <a:prstGeom prst="diagStripe">
               <a:avLst>
-                <a:gd fmla="val 50000" name="adj"/>
+                <a:gd name="adj" fmla="val 50000"/>
               </a:avLst>
             </a:prstGeom>
             <a:solidFill>
@@ -1605,12 +1657,12 @@
             </a:ln>
           </p:spPr>
           <p:txBody>
-            <a:bodyPr anchorCtr="0" anchor="ctr" bIns="91425" lIns="91425" spcFirstLastPara="1" rIns="91425" wrap="square" tIns="91425">
+            <a:bodyPr spcFirstLastPara="1" wrap="square" lIns="91425" tIns="91425" rIns="91425" bIns="91425" anchor="ctr" anchorCtr="0">
               <a:noAutofit/>
             </a:bodyPr>
             <a:lstStyle/>
             <a:p>
-              <a:pPr indent="0" lvl="0" marL="0" rtl="0" algn="l">
+              <a:pPr marL="0" lvl="0" indent="0" algn="l" rtl="0">
                 <a:spcBef>
                   <a:spcPts val="0"/>
                 </a:spcBef>
@@ -1619,9 +1671,6 @@
                 </a:spcAft>
                 <a:buNone/>
               </a:pPr>
-              <a:r>
-                <a:t/>
-              </a:r>
               <a:endParaRPr/>
             </a:p>
           </p:txBody>
@@ -1639,7 +1688,7 @@
             </a:xfrm>
             <a:prstGeom prst="diagStripe">
               <a:avLst>
-                <a:gd fmla="val 58774" name="adj"/>
+                <a:gd name="adj" fmla="val 58774"/>
               </a:avLst>
             </a:prstGeom>
             <a:solidFill>
@@ -1652,12 +1701,12 @@
             </a:ln>
           </p:spPr>
           <p:txBody>
-            <a:bodyPr anchorCtr="0" anchor="ctr" bIns="91425" lIns="91425" spcFirstLastPara="1" rIns="91425" wrap="square" tIns="91425">
+            <a:bodyPr spcFirstLastPara="1" wrap="square" lIns="91425" tIns="91425" rIns="91425" bIns="91425" anchor="ctr" anchorCtr="0">
               <a:noAutofit/>
             </a:bodyPr>
             <a:lstStyle/>
             <a:p>
-              <a:pPr indent="0" lvl="0" marL="0" rtl="0" algn="l">
+              <a:pPr marL="0" lvl="0" indent="0" algn="l" rtl="0">
                 <a:spcBef>
                   <a:spcPts val="0"/>
                 </a:spcBef>
@@ -1666,9 +1715,6 @@
                 </a:spcAft>
                 <a:buNone/>
               </a:pPr>
-              <a:r>
-                <a:t/>
-              </a:r>
               <a:endParaRPr/>
             </a:p>
           </p:txBody>
@@ -1686,7 +1732,7 @@
             </a:xfrm>
             <a:prstGeom prst="diagStripe">
               <a:avLst>
-                <a:gd fmla="val 50000" name="adj"/>
+                <a:gd name="adj" fmla="val 50000"/>
               </a:avLst>
             </a:prstGeom>
             <a:solidFill>
@@ -1697,12 +1743,12 @@
             </a:ln>
           </p:spPr>
           <p:txBody>
-            <a:bodyPr anchorCtr="0" anchor="ctr" bIns="91425" lIns="91425" spcFirstLastPara="1" rIns="91425" wrap="square" tIns="91425">
+            <a:bodyPr spcFirstLastPara="1" wrap="square" lIns="91425" tIns="91425" rIns="91425" bIns="91425" anchor="ctr" anchorCtr="0">
               <a:noAutofit/>
             </a:bodyPr>
             <a:lstStyle/>
             <a:p>
-              <a:pPr indent="0" lvl="0" marL="0" rtl="0" algn="l">
+              <a:pPr marL="0" lvl="0" indent="0" algn="l" rtl="0">
                 <a:spcBef>
                   <a:spcPts val="0"/>
                 </a:spcBef>
@@ -1711,9 +1757,6 @@
                 </a:spcAft>
                 <a:buNone/>
               </a:pPr>
-              <a:r>
-                <a:t/>
-              </a:r>
               <a:endParaRPr/>
             </a:p>
           </p:txBody>
@@ -1731,7 +1774,7 @@
             </a:xfrm>
             <a:prstGeom prst="diagStripe">
               <a:avLst>
-                <a:gd fmla="val 50000" name="adj"/>
+                <a:gd name="adj" fmla="val 50000"/>
               </a:avLst>
             </a:prstGeom>
             <a:solidFill>
@@ -1742,12 +1785,12 @@
             </a:ln>
           </p:spPr>
           <p:txBody>
-            <a:bodyPr anchorCtr="0" anchor="ctr" bIns="91425" lIns="91425" spcFirstLastPara="1" rIns="91425" wrap="square" tIns="91425">
+            <a:bodyPr spcFirstLastPara="1" wrap="square" lIns="91425" tIns="91425" rIns="91425" bIns="91425" anchor="ctr" anchorCtr="0">
               <a:noAutofit/>
             </a:bodyPr>
             <a:lstStyle/>
             <a:p>
-              <a:pPr indent="0" lvl="0" marL="0" rtl="0" algn="l">
+              <a:pPr marL="0" lvl="0" indent="0" algn="l" rtl="0">
                 <a:spcBef>
                   <a:spcPts val="0"/>
                 </a:spcBef>
@@ -1756,9 +1799,6 @@
                 </a:spcAft>
                 <a:buNone/>
               </a:pPr>
-              <a:r>
-                <a:t/>
-              </a:r>
               <a:endParaRPr/>
             </a:p>
           </p:txBody>
@@ -1767,7 +1807,9 @@
       <p:sp>
         <p:nvSpPr>
           <p:cNvPr id="16" name="Google Shape;16;p2"/>
-          <p:cNvSpPr txBox="1"/>
+          <p:cNvSpPr txBox="1">
+            <a:spLocks noGrp="1"/>
+          </p:cNvSpPr>
           <p:nvPr>
             <p:ph type="ctrTitle"/>
           </p:nvPr>
@@ -1782,7 +1824,7 @@
           </a:prstGeom>
         </p:spPr>
         <p:txBody>
-          <a:bodyPr anchorCtr="0" anchor="t" bIns="91425" lIns="91425" spcFirstLastPara="1" rIns="91425" wrap="square" tIns="91425">
+          <a:bodyPr spcFirstLastPara="1" wrap="square" lIns="91425" tIns="91425" rIns="91425" bIns="91425" anchor="t" anchorCtr="0">
             <a:normAutofit/>
           </a:bodyPr>
           <a:lstStyle>
@@ -1886,15 +1928,19 @@
               <a:defRPr sz="4000"/>
             </a:lvl9pPr>
           </a:lstStyle>
-          <a:p/>
+          <a:p>
+            <a:endParaRPr/>
+          </a:p>
         </p:txBody>
       </p:sp>
       <p:sp>
         <p:nvSpPr>
           <p:cNvPr id="17" name="Google Shape;17;p2"/>
-          <p:cNvSpPr txBox="1"/>
+          <p:cNvSpPr txBox="1">
+            <a:spLocks noGrp="1"/>
+          </p:cNvSpPr>
           <p:nvPr>
-            <p:ph idx="1" type="subTitle"/>
+            <p:ph type="subTitle" idx="1"/>
           </p:nvPr>
         </p:nvSpPr>
         <p:spPr>
@@ -1907,7 +1953,7 @@
           </a:prstGeom>
         </p:spPr>
         <p:txBody>
-          <a:bodyPr anchorCtr="0" anchor="t" bIns="91425" lIns="91425" spcFirstLastPara="1" rIns="91425" wrap="square" tIns="91425">
+          <a:bodyPr spcFirstLastPara="1" wrap="square" lIns="91425" tIns="91425" rIns="91425" bIns="91425" anchor="t" anchorCtr="0">
             <a:normAutofit/>
           </a:bodyPr>
           <a:lstStyle>
@@ -2038,15 +2084,19 @@
               <a:defRPr sz="1300"/>
             </a:lvl9pPr>
           </a:lstStyle>
-          <a:p/>
+          <a:p>
+            <a:endParaRPr/>
+          </a:p>
         </p:txBody>
       </p:sp>
       <p:sp>
         <p:nvSpPr>
           <p:cNvPr id="18" name="Google Shape;18;p2"/>
-          <p:cNvSpPr txBox="1"/>
+          <p:cNvSpPr txBox="1">
+            <a:spLocks noGrp="1"/>
+          </p:cNvSpPr>
           <p:nvPr>
-            <p:ph idx="12" type="sldNum"/>
+            <p:ph type="sldNum" idx="12"/>
           </p:nvPr>
         </p:nvSpPr>
         <p:spPr>
@@ -2059,7 +2109,7 @@
           </a:prstGeom>
         </p:spPr>
         <p:txBody>
-          <a:bodyPr anchorCtr="0" anchor="ctr" bIns="91425" lIns="91425" spcFirstLastPara="1" rIns="91425" wrap="square" tIns="91425">
+          <a:bodyPr spcFirstLastPara="1" wrap="square" lIns="91425" tIns="91425" rIns="91425" bIns="91425" anchor="ctr" anchorCtr="0">
             <a:normAutofit/>
           </a:bodyPr>
           <a:lstStyle>
@@ -2101,7 +2151,7 @@
             </a:lvl9pPr>
           </a:lstStyle>
           <a:p>
-            <a:pPr indent="0" lvl="0" marL="0" rtl="0" algn="r">
+            <a:pPr marL="0" lvl="0" indent="0" algn="r" rtl="0">
               <a:spcBef>
                 <a:spcPts val="0"/>
               </a:spcBef>
@@ -2127,11 +2177,11 @@
 </file>
 
 <file path=ppt/slideLayouts/slideLayout10.xml><?xml version="1.0" encoding="utf-8"?>
-<p:sldLayout xmlns:a="http://schemas.openxmlformats.org/drawingml/2006/main" xmlns:r="http://schemas.openxmlformats.org/officeDocument/2006/relationships" xmlns:mc="http://schemas.openxmlformats.org/markup-compatibility/2006" xmlns:mv="urn:schemas-microsoft-com:mac:vml" xmlns:p="http://schemas.openxmlformats.org/presentationml/2006/main" xmlns:c="http://schemas.openxmlformats.org/drawingml/2006/chart" xmlns:dgm="http://schemas.openxmlformats.org/drawingml/2006/diagram" xmlns:o="urn:schemas-microsoft-com:office:office" xmlns:v="urn:schemas-microsoft-com:vml" xmlns:pvml="urn:schemas-microsoft-com:office:powerpoint" xmlns:com="http://schemas.openxmlformats.org/drawingml/2006/compatibility" xmlns:p14="http://schemas.microsoft.com/office/powerpoint/2010/main" xmlns:p15="http://schemas.microsoft.com/office/powerpoint/2012/main" xmlns:ahyp="http://schemas.microsoft.com/office/drawing/2018/hyperlinkcolor" matchingName="Big number">
+<p:sldLayout xmlns:a="http://schemas.openxmlformats.org/drawingml/2006/main" xmlns:r="http://schemas.openxmlformats.org/officeDocument/2006/relationships" xmlns:p="http://schemas.openxmlformats.org/presentationml/2006/main" matchingName="Big number">
   <p:cSld name="BIG_NUMBER">
     <p:spTree>
       <p:nvGrpSpPr>
-        <p:cNvPr id="105" name="Shape 105"/>
+        <p:cNvPr id="1" name="Shape 105"/>
         <p:cNvGrpSpPr/>
         <p:nvPr/>
       </p:nvGrpSpPr>
@@ -2170,7 +2220,7 @@
             </a:xfrm>
             <a:prstGeom prst="diagStripe">
               <a:avLst>
-                <a:gd fmla="val 49469" name="adj"/>
+                <a:gd name="adj" fmla="val 49469"/>
               </a:avLst>
             </a:prstGeom>
             <a:solidFill>
@@ -2183,12 +2233,12 @@
             </a:ln>
           </p:spPr>
           <p:txBody>
-            <a:bodyPr anchorCtr="0" anchor="ctr" bIns="91425" lIns="91425" spcFirstLastPara="1" rIns="91425" wrap="square" tIns="91425">
+            <a:bodyPr spcFirstLastPara="1" wrap="square" lIns="91425" tIns="91425" rIns="91425" bIns="91425" anchor="ctr" anchorCtr="0">
               <a:noAutofit/>
             </a:bodyPr>
             <a:lstStyle/>
             <a:p>
-              <a:pPr indent="0" lvl="0" marL="0" rtl="0" algn="l">
+              <a:pPr marL="0" lvl="0" indent="0" algn="l" rtl="0">
                 <a:spcBef>
                   <a:spcPts val="0"/>
                 </a:spcBef>
@@ -2197,9 +2247,6 @@
                 </a:spcAft>
                 <a:buNone/>
               </a:pPr>
-              <a:r>
-                <a:t/>
-              </a:r>
               <a:endParaRPr/>
             </a:p>
           </p:txBody>
@@ -2217,7 +2264,7 @@
             </a:xfrm>
             <a:prstGeom prst="diagStripe">
               <a:avLst>
-                <a:gd fmla="val 0" name="adj"/>
+                <a:gd name="adj" fmla="val 0"/>
               </a:avLst>
             </a:prstGeom>
             <a:solidFill>
@@ -2230,12 +2277,12 @@
             </a:ln>
           </p:spPr>
           <p:txBody>
-            <a:bodyPr anchorCtr="0" anchor="ctr" bIns="91425" lIns="91425" spcFirstLastPara="1" rIns="91425" wrap="square" tIns="91425">
+            <a:bodyPr spcFirstLastPara="1" wrap="square" lIns="91425" tIns="91425" rIns="91425" bIns="91425" anchor="ctr" anchorCtr="0">
               <a:noAutofit/>
             </a:bodyPr>
             <a:lstStyle/>
             <a:p>
-              <a:pPr indent="0" lvl="0" marL="0" rtl="0" algn="l">
+              <a:pPr marL="0" lvl="0" indent="0" algn="l" rtl="0">
                 <a:spcBef>
                   <a:spcPts val="0"/>
                 </a:spcBef>
@@ -2244,9 +2291,6 @@
                 </a:spcAft>
                 <a:buNone/>
               </a:pPr>
-              <a:r>
-                <a:t/>
-              </a:r>
               <a:endParaRPr/>
             </a:p>
           </p:txBody>
@@ -2264,7 +2308,7 @@
             </a:xfrm>
             <a:prstGeom prst="diagStripe">
               <a:avLst>
-                <a:gd fmla="val 50000" name="adj"/>
+                <a:gd name="adj" fmla="val 50000"/>
               </a:avLst>
             </a:prstGeom>
             <a:solidFill>
@@ -2277,12 +2321,12 @@
             </a:ln>
           </p:spPr>
           <p:txBody>
-            <a:bodyPr anchorCtr="0" anchor="ctr" bIns="91425" lIns="91425" spcFirstLastPara="1" rIns="91425" wrap="square" tIns="91425">
+            <a:bodyPr spcFirstLastPara="1" wrap="square" lIns="91425" tIns="91425" rIns="91425" bIns="91425" anchor="ctr" anchorCtr="0">
               <a:noAutofit/>
             </a:bodyPr>
             <a:lstStyle/>
             <a:p>
-              <a:pPr indent="0" lvl="0" marL="0" rtl="0" algn="l">
+              <a:pPr marL="0" lvl="0" indent="0" algn="l" rtl="0">
                 <a:spcBef>
                   <a:spcPts val="0"/>
                 </a:spcBef>
@@ -2291,9 +2335,6 @@
                 </a:spcAft>
                 <a:buNone/>
               </a:pPr>
-              <a:r>
-                <a:t/>
-              </a:r>
               <a:endParaRPr/>
             </a:p>
           </p:txBody>
@@ -2311,7 +2352,7 @@
             </a:xfrm>
             <a:prstGeom prst="diagStripe">
               <a:avLst>
-                <a:gd fmla="val 50000" name="adj"/>
+                <a:gd name="adj" fmla="val 50000"/>
               </a:avLst>
             </a:prstGeom>
             <a:solidFill>
@@ -2324,12 +2365,12 @@
             </a:ln>
           </p:spPr>
           <p:txBody>
-            <a:bodyPr anchorCtr="0" anchor="ctr" bIns="91425" lIns="91425" spcFirstLastPara="1" rIns="91425" wrap="square" tIns="91425">
+            <a:bodyPr spcFirstLastPara="1" wrap="square" lIns="91425" tIns="91425" rIns="91425" bIns="91425" anchor="ctr" anchorCtr="0">
               <a:noAutofit/>
             </a:bodyPr>
             <a:lstStyle/>
             <a:p>
-              <a:pPr indent="0" lvl="0" marL="0" rtl="0" algn="l">
+              <a:pPr marL="0" lvl="0" indent="0" algn="l" rtl="0">
                 <a:spcBef>
                   <a:spcPts val="0"/>
                 </a:spcBef>
@@ -2338,9 +2379,6 @@
                 </a:spcAft>
                 <a:buNone/>
               </a:pPr>
-              <a:r>
-                <a:t/>
-              </a:r>
               <a:endParaRPr/>
             </a:p>
           </p:txBody>
@@ -2358,7 +2396,7 @@
             </a:xfrm>
             <a:prstGeom prst="diagStripe">
               <a:avLst>
-                <a:gd fmla="val 50000" name="adj"/>
+                <a:gd name="adj" fmla="val 50000"/>
               </a:avLst>
             </a:prstGeom>
             <a:solidFill>
@@ -2371,12 +2409,12 @@
             </a:ln>
           </p:spPr>
           <p:txBody>
-            <a:bodyPr anchorCtr="0" anchor="ctr" bIns="91425" lIns="91425" spcFirstLastPara="1" rIns="91425" wrap="square" tIns="91425">
+            <a:bodyPr spcFirstLastPara="1" wrap="square" lIns="91425" tIns="91425" rIns="91425" bIns="91425" anchor="ctr" anchorCtr="0">
               <a:noAutofit/>
             </a:bodyPr>
             <a:lstStyle/>
             <a:p>
-              <a:pPr indent="0" lvl="0" marL="0" rtl="0" algn="l">
+              <a:pPr marL="0" lvl="0" indent="0" algn="l" rtl="0">
                 <a:spcBef>
                   <a:spcPts val="0"/>
                 </a:spcBef>
@@ -2385,9 +2423,6 @@
                 </a:spcAft>
                 <a:buNone/>
               </a:pPr>
-              <a:r>
-                <a:t/>
-              </a:r>
               <a:endParaRPr/>
             </a:p>
           </p:txBody>
@@ -2405,7 +2440,7 @@
             </a:xfrm>
             <a:prstGeom prst="diagStripe">
               <a:avLst>
-                <a:gd fmla="val 50000" name="adj"/>
+                <a:gd name="adj" fmla="val 50000"/>
               </a:avLst>
             </a:prstGeom>
             <a:solidFill>
@@ -2418,12 +2453,12 @@
             </a:ln>
           </p:spPr>
           <p:txBody>
-            <a:bodyPr anchorCtr="0" anchor="ctr" bIns="91425" lIns="91425" spcFirstLastPara="1" rIns="91425" wrap="square" tIns="91425">
+            <a:bodyPr spcFirstLastPara="1" wrap="square" lIns="91425" tIns="91425" rIns="91425" bIns="91425" anchor="ctr" anchorCtr="0">
               <a:noAutofit/>
             </a:bodyPr>
             <a:lstStyle/>
             <a:p>
-              <a:pPr indent="0" lvl="0" marL="0" rtl="0" algn="l">
+              <a:pPr marL="0" lvl="0" indent="0" algn="l" rtl="0">
                 <a:spcBef>
                   <a:spcPts val="0"/>
                 </a:spcBef>
@@ -2432,9 +2467,6 @@
                 </a:spcAft>
                 <a:buNone/>
               </a:pPr>
-              <a:r>
-                <a:t/>
-              </a:r>
               <a:endParaRPr/>
             </a:p>
           </p:txBody>
@@ -2452,7 +2484,7 @@
             </a:xfrm>
             <a:prstGeom prst="diagStripe">
               <a:avLst>
-                <a:gd fmla="val 50000" name="adj"/>
+                <a:gd name="adj" fmla="val 50000"/>
               </a:avLst>
             </a:prstGeom>
             <a:solidFill>
@@ -2465,12 +2497,12 @@
             </a:ln>
           </p:spPr>
           <p:txBody>
-            <a:bodyPr anchorCtr="0" anchor="ctr" bIns="91425" lIns="91425" spcFirstLastPara="1" rIns="91425" wrap="square" tIns="91425">
+            <a:bodyPr spcFirstLastPara="1" wrap="square" lIns="91425" tIns="91425" rIns="91425" bIns="91425" anchor="ctr" anchorCtr="0">
               <a:noAutofit/>
             </a:bodyPr>
             <a:lstStyle/>
             <a:p>
-              <a:pPr indent="0" lvl="0" marL="0" rtl="0" algn="l">
+              <a:pPr marL="0" lvl="0" indent="0" algn="l" rtl="0">
                 <a:spcBef>
                   <a:spcPts val="0"/>
                 </a:spcBef>
@@ -2479,9 +2511,6 @@
                 </a:spcAft>
                 <a:buNone/>
               </a:pPr>
-              <a:r>
-                <a:t/>
-              </a:r>
               <a:endParaRPr/>
             </a:p>
           </p:txBody>
@@ -2499,7 +2528,7 @@
             </a:xfrm>
             <a:prstGeom prst="diagStripe">
               <a:avLst>
-                <a:gd fmla="val 50000" name="adj"/>
+                <a:gd name="adj" fmla="val 50000"/>
               </a:avLst>
             </a:prstGeom>
             <a:solidFill>
@@ -2510,12 +2539,12 @@
             </a:ln>
           </p:spPr>
           <p:txBody>
-            <a:bodyPr anchorCtr="0" anchor="ctr" bIns="91425" lIns="91425" spcFirstLastPara="1" rIns="91425" wrap="square" tIns="91425">
+            <a:bodyPr spcFirstLastPara="1" wrap="square" lIns="91425" tIns="91425" rIns="91425" bIns="91425" anchor="ctr" anchorCtr="0">
               <a:noAutofit/>
             </a:bodyPr>
             <a:lstStyle/>
             <a:p>
-              <a:pPr indent="0" lvl="0" marL="0" rtl="0" algn="l">
+              <a:pPr marL="0" lvl="0" indent="0" algn="l" rtl="0">
                 <a:spcBef>
                   <a:spcPts val="0"/>
                 </a:spcBef>
@@ -2524,9 +2553,6 @@
                 </a:spcAft>
                 <a:buNone/>
               </a:pPr>
-              <a:r>
-                <a:t/>
-              </a:r>
               <a:endParaRPr/>
             </a:p>
           </p:txBody>
@@ -2544,7 +2570,7 @@
             </a:xfrm>
             <a:prstGeom prst="diagStripe">
               <a:avLst>
-                <a:gd fmla="val 50000" name="adj"/>
+                <a:gd name="adj" fmla="val 50000"/>
               </a:avLst>
             </a:prstGeom>
             <a:solidFill>
@@ -2557,12 +2583,12 @@
             </a:ln>
           </p:spPr>
           <p:txBody>
-            <a:bodyPr anchorCtr="0" anchor="ctr" bIns="91425" lIns="91425" spcFirstLastPara="1" rIns="91425" wrap="square" tIns="91425">
+            <a:bodyPr spcFirstLastPara="1" wrap="square" lIns="91425" tIns="91425" rIns="91425" bIns="91425" anchor="ctr" anchorCtr="0">
               <a:noAutofit/>
             </a:bodyPr>
             <a:lstStyle/>
             <a:p>
-              <a:pPr indent="0" lvl="0" marL="0" rtl="0" algn="l">
+              <a:pPr marL="0" lvl="0" indent="0" algn="l" rtl="0">
                 <a:spcBef>
                   <a:spcPts val="0"/>
                 </a:spcBef>
@@ -2571,9 +2597,6 @@
                 </a:spcAft>
                 <a:buNone/>
               </a:pPr>
-              <a:r>
-                <a:t/>
-              </a:r>
               <a:endParaRPr/>
             </a:p>
           </p:txBody>
@@ -2591,7 +2614,7 @@
             </a:xfrm>
             <a:prstGeom prst="diagStripe">
               <a:avLst>
-                <a:gd fmla="val 50000" name="adj"/>
+                <a:gd name="adj" fmla="val 50000"/>
               </a:avLst>
             </a:prstGeom>
             <a:solidFill>
@@ -2604,12 +2627,12 @@
             </a:ln>
           </p:spPr>
           <p:txBody>
-            <a:bodyPr anchorCtr="0" anchor="ctr" bIns="91425" lIns="91425" spcFirstLastPara="1" rIns="91425" wrap="square" tIns="91425">
+            <a:bodyPr spcFirstLastPara="1" wrap="square" lIns="91425" tIns="91425" rIns="91425" bIns="91425" anchor="ctr" anchorCtr="0">
               <a:noAutofit/>
             </a:bodyPr>
             <a:lstStyle/>
             <a:p>
-              <a:pPr indent="0" lvl="0" marL="0" rtl="0" algn="l">
+              <a:pPr marL="0" lvl="0" indent="0" algn="l" rtl="0">
                 <a:spcBef>
                   <a:spcPts val="0"/>
                 </a:spcBef>
@@ -2618,9 +2641,6 @@
                 </a:spcAft>
                 <a:buNone/>
               </a:pPr>
-              <a:r>
-                <a:t/>
-              </a:r>
               <a:endParaRPr/>
             </a:p>
           </p:txBody>
@@ -2638,7 +2658,7 @@
             </a:xfrm>
             <a:prstGeom prst="diagStripe">
               <a:avLst>
-                <a:gd fmla="val 50000" name="adj"/>
+                <a:gd name="adj" fmla="val 50000"/>
               </a:avLst>
             </a:prstGeom>
             <a:solidFill>
@@ -2651,12 +2671,12 @@
             </a:ln>
           </p:spPr>
           <p:txBody>
-            <a:bodyPr anchorCtr="0" anchor="ctr" bIns="91425" lIns="91425" spcFirstLastPara="1" rIns="91425" wrap="square" tIns="91425">
+            <a:bodyPr spcFirstLastPara="1" wrap="square" lIns="91425" tIns="91425" rIns="91425" bIns="91425" anchor="ctr" anchorCtr="0">
               <a:noAutofit/>
             </a:bodyPr>
             <a:lstStyle/>
             <a:p>
-              <a:pPr indent="0" lvl="0" marL="0" rtl="0" algn="l">
+              <a:pPr marL="0" lvl="0" indent="0" algn="l" rtl="0">
                 <a:spcBef>
                   <a:spcPts val="0"/>
                 </a:spcBef>
@@ -2665,9 +2685,6 @@
                 </a:spcAft>
                 <a:buNone/>
               </a:pPr>
-              <a:r>
-                <a:t/>
-              </a:r>
               <a:endParaRPr/>
             </a:p>
           </p:txBody>
@@ -2685,7 +2702,7 @@
             </a:xfrm>
             <a:prstGeom prst="diagStripe">
               <a:avLst>
-                <a:gd fmla="val 50000" name="adj"/>
+                <a:gd name="adj" fmla="val 50000"/>
               </a:avLst>
             </a:prstGeom>
             <a:solidFill>
@@ -2698,12 +2715,12 @@
             </a:ln>
           </p:spPr>
           <p:txBody>
-            <a:bodyPr anchorCtr="0" anchor="ctr" bIns="91425" lIns="91425" spcFirstLastPara="1" rIns="91425" wrap="square" tIns="91425">
+            <a:bodyPr spcFirstLastPara="1" wrap="square" lIns="91425" tIns="91425" rIns="91425" bIns="91425" anchor="ctr" anchorCtr="0">
               <a:noAutofit/>
             </a:bodyPr>
             <a:lstStyle/>
             <a:p>
-              <a:pPr indent="0" lvl="0" marL="0" rtl="0" algn="l">
+              <a:pPr marL="0" lvl="0" indent="0" algn="l" rtl="0">
                 <a:spcBef>
                   <a:spcPts val="0"/>
                 </a:spcBef>
@@ -2712,9 +2729,6 @@
                 </a:spcAft>
                 <a:buNone/>
               </a:pPr>
-              <a:r>
-                <a:t/>
-              </a:r>
               <a:endParaRPr/>
             </a:p>
           </p:txBody>
@@ -2732,7 +2746,7 @@
             </a:xfrm>
             <a:prstGeom prst="diagStripe">
               <a:avLst>
-                <a:gd fmla="val 50000" name="adj"/>
+                <a:gd name="adj" fmla="val 50000"/>
               </a:avLst>
             </a:prstGeom>
             <a:solidFill>
@@ -2745,12 +2759,12 @@
             </a:ln>
           </p:spPr>
           <p:txBody>
-            <a:bodyPr anchorCtr="0" anchor="ctr" bIns="91425" lIns="91425" spcFirstLastPara="1" rIns="91425" wrap="square" tIns="91425">
+            <a:bodyPr spcFirstLastPara="1" wrap="square" lIns="91425" tIns="91425" rIns="91425" bIns="91425" anchor="ctr" anchorCtr="0">
               <a:noAutofit/>
             </a:bodyPr>
             <a:lstStyle/>
             <a:p>
-              <a:pPr indent="0" lvl="0" marL="0" rtl="0" algn="l">
+              <a:pPr marL="0" lvl="0" indent="0" algn="l" rtl="0">
                 <a:spcBef>
                   <a:spcPts val="0"/>
                 </a:spcBef>
@@ -2759,9 +2773,6 @@
                 </a:spcAft>
                 <a:buNone/>
               </a:pPr>
-              <a:r>
-                <a:t/>
-              </a:r>
               <a:endParaRPr/>
             </a:p>
           </p:txBody>
@@ -2779,7 +2790,7 @@
             </a:xfrm>
             <a:prstGeom prst="diagStripe">
               <a:avLst>
-                <a:gd fmla="val 50000" name="adj"/>
+                <a:gd name="adj" fmla="val 50000"/>
               </a:avLst>
             </a:prstGeom>
             <a:solidFill>
@@ -2790,12 +2801,12 @@
             </a:ln>
           </p:spPr>
           <p:txBody>
-            <a:bodyPr anchorCtr="0" anchor="ctr" bIns="91425" lIns="91425" spcFirstLastPara="1" rIns="91425" wrap="square" tIns="91425">
+            <a:bodyPr spcFirstLastPara="1" wrap="square" lIns="91425" tIns="91425" rIns="91425" bIns="91425" anchor="ctr" anchorCtr="0">
               <a:noAutofit/>
             </a:bodyPr>
             <a:lstStyle/>
             <a:p>
-              <a:pPr indent="0" lvl="0" marL="0" rtl="0" algn="l">
+              <a:pPr marL="0" lvl="0" indent="0" algn="l" rtl="0">
                 <a:spcBef>
                   <a:spcPts val="0"/>
                 </a:spcBef>
@@ -2804,9 +2815,6 @@
                 </a:spcAft>
                 <a:buNone/>
               </a:pPr>
-              <a:r>
-                <a:t/>
-              </a:r>
               <a:endParaRPr/>
             </a:p>
           </p:txBody>
@@ -2824,7 +2832,7 @@
             </a:xfrm>
             <a:prstGeom prst="diagStripe">
               <a:avLst>
-                <a:gd fmla="val 50000" name="adj"/>
+                <a:gd name="adj" fmla="val 50000"/>
               </a:avLst>
             </a:prstGeom>
             <a:solidFill>
@@ -2837,12 +2845,12 @@
             </a:ln>
           </p:spPr>
           <p:txBody>
-            <a:bodyPr anchorCtr="0" anchor="ctr" bIns="91425" lIns="91425" spcFirstLastPara="1" rIns="91425" wrap="square" tIns="91425">
+            <a:bodyPr spcFirstLastPara="1" wrap="square" lIns="91425" tIns="91425" rIns="91425" bIns="91425" anchor="ctr" anchorCtr="0">
               <a:noAutofit/>
             </a:bodyPr>
             <a:lstStyle/>
             <a:p>
-              <a:pPr indent="0" lvl="0" marL="0" rtl="0" algn="l">
+              <a:pPr marL="0" lvl="0" indent="0" algn="l" rtl="0">
                 <a:spcBef>
                   <a:spcPts val="0"/>
                 </a:spcBef>
@@ -2851,9 +2859,6 @@
                 </a:spcAft>
                 <a:buNone/>
               </a:pPr>
-              <a:r>
-                <a:t/>
-              </a:r>
               <a:endParaRPr/>
             </a:p>
           </p:txBody>
@@ -2871,7 +2876,7 @@
             </a:xfrm>
             <a:prstGeom prst="diagStripe">
               <a:avLst>
-                <a:gd fmla="val 50000" name="adj"/>
+                <a:gd name="adj" fmla="val 50000"/>
               </a:avLst>
             </a:prstGeom>
             <a:solidFill>
@@ -2884,12 +2889,12 @@
             </a:ln>
           </p:spPr>
           <p:txBody>
-            <a:bodyPr anchorCtr="0" anchor="ctr" bIns="91425" lIns="91425" spcFirstLastPara="1" rIns="91425" wrap="square" tIns="91425">
+            <a:bodyPr spcFirstLastPara="1" wrap="square" lIns="91425" tIns="91425" rIns="91425" bIns="91425" anchor="ctr" anchorCtr="0">
               <a:noAutofit/>
             </a:bodyPr>
             <a:lstStyle/>
             <a:p>
-              <a:pPr indent="0" lvl="0" marL="0" rtl="0" algn="l">
+              <a:pPr marL="0" lvl="0" indent="0" algn="l" rtl="0">
                 <a:spcBef>
                   <a:spcPts val="0"/>
                 </a:spcBef>
@@ -2898,9 +2903,6 @@
                 </a:spcAft>
                 <a:buNone/>
               </a:pPr>
-              <a:r>
-                <a:t/>
-              </a:r>
               <a:endParaRPr/>
             </a:p>
           </p:txBody>
@@ -2918,7 +2920,7 @@
             </a:xfrm>
             <a:prstGeom prst="diagStripe">
               <a:avLst>
-                <a:gd fmla="val 50000" name="adj"/>
+                <a:gd name="adj" fmla="val 50000"/>
               </a:avLst>
             </a:prstGeom>
             <a:solidFill>
@@ -2931,12 +2933,12 @@
             </a:ln>
           </p:spPr>
           <p:txBody>
-            <a:bodyPr anchorCtr="0" anchor="ctr" bIns="91425" lIns="91425" spcFirstLastPara="1" rIns="91425" wrap="square" tIns="91425">
+            <a:bodyPr spcFirstLastPara="1" wrap="square" lIns="91425" tIns="91425" rIns="91425" bIns="91425" anchor="ctr" anchorCtr="0">
               <a:noAutofit/>
             </a:bodyPr>
             <a:lstStyle/>
             <a:p>
-              <a:pPr indent="0" lvl="0" marL="0" rtl="0" algn="l">
+              <a:pPr marL="0" lvl="0" indent="0" algn="l" rtl="0">
                 <a:spcBef>
                   <a:spcPts val="0"/>
                 </a:spcBef>
@@ -2945,9 +2947,6 @@
                 </a:spcAft>
                 <a:buNone/>
               </a:pPr>
-              <a:r>
-                <a:t/>
-              </a:r>
               <a:endParaRPr/>
             </a:p>
           </p:txBody>
@@ -2965,7 +2964,7 @@
             </a:xfrm>
             <a:prstGeom prst="diagStripe">
               <a:avLst>
-                <a:gd fmla="val 50000" name="adj"/>
+                <a:gd name="adj" fmla="val 50000"/>
               </a:avLst>
             </a:prstGeom>
             <a:solidFill>
@@ -2978,12 +2977,12 @@
             </a:ln>
           </p:spPr>
           <p:txBody>
-            <a:bodyPr anchorCtr="0" anchor="ctr" bIns="91425" lIns="91425" spcFirstLastPara="1" rIns="91425" wrap="square" tIns="91425">
+            <a:bodyPr spcFirstLastPara="1" wrap="square" lIns="91425" tIns="91425" rIns="91425" bIns="91425" anchor="ctr" anchorCtr="0">
               <a:noAutofit/>
             </a:bodyPr>
             <a:lstStyle/>
             <a:p>
-              <a:pPr indent="0" lvl="0" marL="0" rtl="0" algn="l">
+              <a:pPr marL="0" lvl="0" indent="0" algn="l" rtl="0">
                 <a:spcBef>
                   <a:spcPts val="0"/>
                 </a:spcBef>
@@ -2992,9 +2991,6 @@
                 </a:spcAft>
                 <a:buNone/>
               </a:pPr>
-              <a:r>
-                <a:t/>
-              </a:r>
               <a:endParaRPr/>
             </a:p>
           </p:txBody>
@@ -3003,9 +2999,11 @@
       <p:sp>
         <p:nvSpPr>
           <p:cNvPr id="125" name="Google Shape;125;p11"/>
-          <p:cNvSpPr txBox="1"/>
+          <p:cNvSpPr txBox="1">
+            <a:spLocks noGrp="1"/>
+          </p:cNvSpPr>
           <p:nvPr>
-            <p:ph hasCustomPrompt="1" type="title"/>
+            <p:ph type="title" hasCustomPrompt="1"/>
           </p:nvPr>
         </p:nvSpPr>
         <p:spPr>
@@ -3018,7 +3016,7 @@
           </a:prstGeom>
         </p:spPr>
         <p:txBody>
-          <a:bodyPr anchorCtr="0" anchor="t" bIns="91425" lIns="91425" spcFirstLastPara="1" rIns="91425" wrap="square" tIns="91425">
+          <a:bodyPr spcFirstLastPara="1" wrap="square" lIns="91425" tIns="91425" rIns="91425" bIns="91425" anchor="t" anchorCtr="0">
             <a:normAutofit/>
           </a:bodyPr>
           <a:lstStyle>
@@ -3132,9 +3130,11 @@
       <p:sp>
         <p:nvSpPr>
           <p:cNvPr id="126" name="Google Shape;126;p11"/>
-          <p:cNvSpPr txBox="1"/>
+          <p:cNvSpPr txBox="1">
+            <a:spLocks noGrp="1"/>
+          </p:cNvSpPr>
           <p:nvPr>
-            <p:ph idx="1" type="body"/>
+            <p:ph type="body" idx="1"/>
           </p:nvPr>
         </p:nvSpPr>
         <p:spPr>
@@ -3147,11 +3147,11 @@
           </a:prstGeom>
         </p:spPr>
         <p:txBody>
-          <a:bodyPr anchorCtr="0" anchor="t" bIns="91425" lIns="91425" spcFirstLastPara="1" rIns="91425" wrap="square" tIns="91425">
+          <a:bodyPr spcFirstLastPara="1" wrap="square" lIns="91425" tIns="91425" rIns="91425" bIns="91425" anchor="t" anchorCtr="0">
             <a:normAutofit/>
           </a:bodyPr>
           <a:lstStyle>
-            <a:lvl1pPr indent="-311150" lvl="0" marL="457200">
+            <a:lvl1pPr marL="457200" lvl="0" indent="-311150">
               <a:spcBef>
                 <a:spcPts val="0"/>
               </a:spcBef>
@@ -3162,7 +3162,7 @@
               <a:buChar char="●"/>
               <a:defRPr/>
             </a:lvl1pPr>
-            <a:lvl2pPr indent="-298450" lvl="1" marL="914400">
+            <a:lvl2pPr marL="914400" lvl="1" indent="-298450">
               <a:spcBef>
                 <a:spcPts val="0"/>
               </a:spcBef>
@@ -3173,7 +3173,7 @@
               <a:buChar char="○"/>
               <a:defRPr/>
             </a:lvl2pPr>
-            <a:lvl3pPr indent="-298450" lvl="2" marL="1371600">
+            <a:lvl3pPr marL="1371600" lvl="2" indent="-298450">
               <a:spcBef>
                 <a:spcPts val="0"/>
               </a:spcBef>
@@ -3184,7 +3184,7 @@
               <a:buChar char="■"/>
               <a:defRPr/>
             </a:lvl3pPr>
-            <a:lvl4pPr indent="-298450" lvl="3" marL="1828800">
+            <a:lvl4pPr marL="1828800" lvl="3" indent="-298450">
               <a:spcBef>
                 <a:spcPts val="0"/>
               </a:spcBef>
@@ -3195,7 +3195,7 @@
               <a:buChar char="●"/>
               <a:defRPr/>
             </a:lvl4pPr>
-            <a:lvl5pPr indent="-298450" lvl="4" marL="2286000">
+            <a:lvl5pPr marL="2286000" lvl="4" indent="-298450">
               <a:spcBef>
                 <a:spcPts val="0"/>
               </a:spcBef>
@@ -3206,7 +3206,7 @@
               <a:buChar char="○"/>
               <a:defRPr/>
             </a:lvl5pPr>
-            <a:lvl6pPr indent="-298450" lvl="5" marL="2743200">
+            <a:lvl6pPr marL="2743200" lvl="5" indent="-298450">
               <a:spcBef>
                 <a:spcPts val="0"/>
               </a:spcBef>
@@ -3217,7 +3217,7 @@
               <a:buChar char="■"/>
               <a:defRPr/>
             </a:lvl6pPr>
-            <a:lvl7pPr indent="-298450" lvl="6" marL="3200400">
+            <a:lvl7pPr marL="3200400" lvl="6" indent="-298450">
               <a:spcBef>
                 <a:spcPts val="0"/>
               </a:spcBef>
@@ -3228,7 +3228,7 @@
               <a:buChar char="●"/>
               <a:defRPr/>
             </a:lvl7pPr>
-            <a:lvl8pPr indent="-298450" lvl="7" marL="3657600">
+            <a:lvl8pPr marL="3657600" lvl="7" indent="-298450">
               <a:spcBef>
                 <a:spcPts val="0"/>
               </a:spcBef>
@@ -3239,7 +3239,7 @@
               <a:buChar char="○"/>
               <a:defRPr/>
             </a:lvl8pPr>
-            <a:lvl9pPr indent="-298450" lvl="8" marL="4114800">
+            <a:lvl9pPr marL="4114800" lvl="8" indent="-298450">
               <a:spcBef>
                 <a:spcPts val="0"/>
               </a:spcBef>
@@ -3251,15 +3251,19 @@
               <a:defRPr/>
             </a:lvl9pPr>
           </a:lstStyle>
-          <a:p/>
+          <a:p>
+            <a:endParaRPr/>
+          </a:p>
         </p:txBody>
       </p:sp>
       <p:sp>
         <p:nvSpPr>
           <p:cNvPr id="127" name="Google Shape;127;p11"/>
-          <p:cNvSpPr txBox="1"/>
+          <p:cNvSpPr txBox="1">
+            <a:spLocks noGrp="1"/>
+          </p:cNvSpPr>
           <p:nvPr>
-            <p:ph idx="12" type="sldNum"/>
+            <p:ph type="sldNum" idx="12"/>
           </p:nvPr>
         </p:nvSpPr>
         <p:spPr>
@@ -3272,7 +3276,7 @@
           </a:prstGeom>
         </p:spPr>
         <p:txBody>
-          <a:bodyPr anchorCtr="0" anchor="ctr" bIns="91425" lIns="91425" spcFirstLastPara="1" rIns="91425" wrap="square" tIns="91425">
+          <a:bodyPr spcFirstLastPara="1" wrap="square" lIns="91425" tIns="91425" rIns="91425" bIns="91425" anchor="ctr" anchorCtr="0">
             <a:normAutofit/>
           </a:bodyPr>
           <a:lstStyle>
@@ -3314,7 +3318,7 @@
             </a:lvl9pPr>
           </a:lstStyle>
           <a:p>
-            <a:pPr indent="0" lvl="0" marL="0" rtl="0" algn="r">
+            <a:pPr marL="0" lvl="0" indent="0" algn="r" rtl="0">
               <a:spcBef>
                 <a:spcPts val="0"/>
               </a:spcBef>
@@ -3340,11 +3344,11 @@
 </file>
 
 <file path=ppt/slideLayouts/slideLayout11.xml><?xml version="1.0" encoding="utf-8"?>
-<p:sldLayout xmlns:a="http://schemas.openxmlformats.org/drawingml/2006/main" xmlns:r="http://schemas.openxmlformats.org/officeDocument/2006/relationships" xmlns:mc="http://schemas.openxmlformats.org/markup-compatibility/2006" xmlns:mv="urn:schemas-microsoft-com:mac:vml" xmlns:p="http://schemas.openxmlformats.org/presentationml/2006/main" xmlns:c="http://schemas.openxmlformats.org/drawingml/2006/chart" xmlns:dgm="http://schemas.openxmlformats.org/drawingml/2006/diagram" xmlns:o="urn:schemas-microsoft-com:office:office" xmlns:v="urn:schemas-microsoft-com:vml" xmlns:pvml="urn:schemas-microsoft-com:office:powerpoint" xmlns:com="http://schemas.openxmlformats.org/drawingml/2006/compatibility" xmlns:p14="http://schemas.microsoft.com/office/powerpoint/2010/main" xmlns:p15="http://schemas.microsoft.com/office/powerpoint/2012/main" xmlns:ahyp="http://schemas.microsoft.com/office/drawing/2018/hyperlinkcolor" matchingName="Blank" type="blank">
+<p:sldLayout xmlns:a="http://schemas.openxmlformats.org/drawingml/2006/main" xmlns:r="http://schemas.openxmlformats.org/officeDocument/2006/relationships" xmlns:p="http://schemas.openxmlformats.org/presentationml/2006/main" matchingName="Blank" type="blank">
   <p:cSld name="BLANK">
     <p:spTree>
       <p:nvGrpSpPr>
-        <p:cNvPr id="128" name="Shape 128"/>
+        <p:cNvPr id="1" name="Shape 128"/>
         <p:cNvGrpSpPr/>
         <p:nvPr/>
       </p:nvGrpSpPr>
@@ -3359,9 +3363,11 @@
       <p:sp>
         <p:nvSpPr>
           <p:cNvPr id="129" name="Google Shape;129;p12"/>
-          <p:cNvSpPr txBox="1"/>
+          <p:cNvSpPr txBox="1">
+            <a:spLocks noGrp="1"/>
+          </p:cNvSpPr>
           <p:nvPr>
-            <p:ph idx="12" type="sldNum"/>
+            <p:ph type="sldNum" idx="12"/>
           </p:nvPr>
         </p:nvSpPr>
         <p:spPr>
@@ -3374,7 +3380,7 @@
           </a:prstGeom>
         </p:spPr>
         <p:txBody>
-          <a:bodyPr anchorCtr="0" anchor="ctr" bIns="91425" lIns="91425" spcFirstLastPara="1" rIns="91425" wrap="square" tIns="91425">
+          <a:bodyPr spcFirstLastPara="1" wrap="square" lIns="91425" tIns="91425" rIns="91425" bIns="91425" anchor="ctr" anchorCtr="0">
             <a:normAutofit/>
           </a:bodyPr>
           <a:lstStyle>
@@ -3416,7 +3422,7 @@
             </a:lvl9pPr>
           </a:lstStyle>
           <a:p>
-            <a:pPr indent="0" lvl="0" marL="0" rtl="0" algn="r">
+            <a:pPr marL="0" lvl="0" indent="0" algn="r" rtl="0">
               <a:spcBef>
                 <a:spcPts val="0"/>
               </a:spcBef>
@@ -3442,11 +3448,11 @@
 </file>
 
 <file path=ppt/slideLayouts/slideLayout2.xml><?xml version="1.0" encoding="utf-8"?>
-<p:sldLayout xmlns:a="http://schemas.openxmlformats.org/drawingml/2006/main" xmlns:r="http://schemas.openxmlformats.org/officeDocument/2006/relationships" xmlns:mc="http://schemas.openxmlformats.org/markup-compatibility/2006" xmlns:mv="urn:schemas-microsoft-com:mac:vml" xmlns:p="http://schemas.openxmlformats.org/presentationml/2006/main" xmlns:c="http://schemas.openxmlformats.org/drawingml/2006/chart" xmlns:dgm="http://schemas.openxmlformats.org/drawingml/2006/diagram" xmlns:o="urn:schemas-microsoft-com:office:office" xmlns:v="urn:schemas-microsoft-com:vml" xmlns:pvml="urn:schemas-microsoft-com:office:powerpoint" xmlns:com="http://schemas.openxmlformats.org/drawingml/2006/compatibility" xmlns:p14="http://schemas.microsoft.com/office/powerpoint/2010/main" xmlns:p15="http://schemas.microsoft.com/office/powerpoint/2012/main" xmlns:ahyp="http://schemas.microsoft.com/office/drawing/2018/hyperlinkcolor" matchingName="Section header" type="secHead">
+<p:sldLayout xmlns:a="http://schemas.openxmlformats.org/drawingml/2006/main" xmlns:r="http://schemas.openxmlformats.org/officeDocument/2006/relationships" xmlns:p="http://schemas.openxmlformats.org/presentationml/2006/main" matchingName="Section header" type="secHead">
   <p:cSld name="SECTION_HEADER">
     <p:spTree>
       <p:nvGrpSpPr>
-        <p:cNvPr id="19" name="Shape 19"/>
+        <p:cNvPr id="1" name="Shape 19"/>
         <p:cNvGrpSpPr/>
         <p:nvPr/>
       </p:nvGrpSpPr>
@@ -3485,7 +3491,7 @@
             </a:xfrm>
             <a:prstGeom prst="diagStripe">
               <a:avLst>
-                <a:gd fmla="val 49469" name="adj"/>
+                <a:gd name="adj" fmla="val 49469"/>
               </a:avLst>
             </a:prstGeom>
             <a:solidFill>
@@ -3498,12 +3504,12 @@
             </a:ln>
           </p:spPr>
           <p:txBody>
-            <a:bodyPr anchorCtr="0" anchor="ctr" bIns="91425" lIns="91425" spcFirstLastPara="1" rIns="91425" wrap="square" tIns="91425">
+            <a:bodyPr spcFirstLastPara="1" wrap="square" lIns="91425" tIns="91425" rIns="91425" bIns="91425" anchor="ctr" anchorCtr="0">
               <a:noAutofit/>
             </a:bodyPr>
             <a:lstStyle/>
             <a:p>
-              <a:pPr indent="0" lvl="0" marL="0" rtl="0" algn="l">
+              <a:pPr marL="0" lvl="0" indent="0" algn="l" rtl="0">
                 <a:spcBef>
                   <a:spcPts val="0"/>
                 </a:spcBef>
@@ -3512,9 +3518,6 @@
                 </a:spcAft>
                 <a:buNone/>
               </a:pPr>
-              <a:r>
-                <a:t/>
-              </a:r>
               <a:endParaRPr/>
             </a:p>
           </p:txBody>
@@ -3532,7 +3535,7 @@
             </a:xfrm>
             <a:prstGeom prst="diagStripe">
               <a:avLst>
-                <a:gd fmla="val 0" name="adj"/>
+                <a:gd name="adj" fmla="val 0"/>
               </a:avLst>
             </a:prstGeom>
             <a:solidFill>
@@ -3545,12 +3548,12 @@
             </a:ln>
           </p:spPr>
           <p:txBody>
-            <a:bodyPr anchorCtr="0" anchor="ctr" bIns="91425" lIns="91425" spcFirstLastPara="1" rIns="91425" wrap="square" tIns="91425">
+            <a:bodyPr spcFirstLastPara="1" wrap="square" lIns="91425" tIns="91425" rIns="91425" bIns="91425" anchor="ctr" anchorCtr="0">
               <a:noAutofit/>
             </a:bodyPr>
             <a:lstStyle/>
             <a:p>
-              <a:pPr indent="0" lvl="0" marL="0" rtl="0" algn="l">
+              <a:pPr marL="0" lvl="0" indent="0" algn="l" rtl="0">
                 <a:spcBef>
                   <a:spcPts val="0"/>
                 </a:spcBef>
@@ -3559,9 +3562,6 @@
                 </a:spcAft>
                 <a:buNone/>
               </a:pPr>
-              <a:r>
-                <a:t/>
-              </a:r>
               <a:endParaRPr/>
             </a:p>
           </p:txBody>
@@ -3579,7 +3579,7 @@
             </a:xfrm>
             <a:prstGeom prst="diagStripe">
               <a:avLst>
-                <a:gd fmla="val 50000" name="adj"/>
+                <a:gd name="adj" fmla="val 50000"/>
               </a:avLst>
             </a:prstGeom>
             <a:solidFill>
@@ -3592,12 +3592,12 @@
             </a:ln>
           </p:spPr>
           <p:txBody>
-            <a:bodyPr anchorCtr="0" anchor="ctr" bIns="91425" lIns="91425" spcFirstLastPara="1" rIns="91425" wrap="square" tIns="91425">
+            <a:bodyPr spcFirstLastPara="1" wrap="square" lIns="91425" tIns="91425" rIns="91425" bIns="91425" anchor="ctr" anchorCtr="0">
               <a:noAutofit/>
             </a:bodyPr>
             <a:lstStyle/>
             <a:p>
-              <a:pPr indent="0" lvl="0" marL="0" rtl="0" algn="l">
+              <a:pPr marL="0" lvl="0" indent="0" algn="l" rtl="0">
                 <a:spcBef>
                   <a:spcPts val="0"/>
                 </a:spcBef>
@@ -3606,9 +3606,6 @@
                 </a:spcAft>
                 <a:buNone/>
               </a:pPr>
-              <a:r>
-                <a:t/>
-              </a:r>
               <a:endParaRPr/>
             </a:p>
           </p:txBody>
@@ -3626,7 +3623,7 @@
             </a:xfrm>
             <a:prstGeom prst="diagStripe">
               <a:avLst>
-                <a:gd fmla="val 50000" name="adj"/>
+                <a:gd name="adj" fmla="val 50000"/>
               </a:avLst>
             </a:prstGeom>
             <a:solidFill>
@@ -3639,12 +3636,12 @@
             </a:ln>
           </p:spPr>
           <p:txBody>
-            <a:bodyPr anchorCtr="0" anchor="ctr" bIns="91425" lIns="91425" spcFirstLastPara="1" rIns="91425" wrap="square" tIns="91425">
+            <a:bodyPr spcFirstLastPara="1" wrap="square" lIns="91425" tIns="91425" rIns="91425" bIns="91425" anchor="ctr" anchorCtr="0">
               <a:noAutofit/>
             </a:bodyPr>
             <a:lstStyle/>
             <a:p>
-              <a:pPr indent="0" lvl="0" marL="0" rtl="0" algn="l">
+              <a:pPr marL="0" lvl="0" indent="0" algn="l" rtl="0">
                 <a:spcBef>
                   <a:spcPts val="0"/>
                 </a:spcBef>
@@ -3653,9 +3650,6 @@
                 </a:spcAft>
                 <a:buNone/>
               </a:pPr>
-              <a:r>
-                <a:t/>
-              </a:r>
               <a:endParaRPr/>
             </a:p>
           </p:txBody>
@@ -3673,7 +3667,7 @@
             </a:xfrm>
             <a:prstGeom prst="diagStripe">
               <a:avLst>
-                <a:gd fmla="val 50000" name="adj"/>
+                <a:gd name="adj" fmla="val 50000"/>
               </a:avLst>
             </a:prstGeom>
             <a:solidFill>
@@ -3686,12 +3680,12 @@
             </a:ln>
           </p:spPr>
           <p:txBody>
-            <a:bodyPr anchorCtr="0" anchor="ctr" bIns="91425" lIns="91425" spcFirstLastPara="1" rIns="91425" wrap="square" tIns="91425">
+            <a:bodyPr spcFirstLastPara="1" wrap="square" lIns="91425" tIns="91425" rIns="91425" bIns="91425" anchor="ctr" anchorCtr="0">
               <a:noAutofit/>
             </a:bodyPr>
             <a:lstStyle/>
             <a:p>
-              <a:pPr indent="0" lvl="0" marL="0" rtl="0" algn="l">
+              <a:pPr marL="0" lvl="0" indent="0" algn="l" rtl="0">
                 <a:spcBef>
                   <a:spcPts val="0"/>
                 </a:spcBef>
@@ -3700,9 +3694,6 @@
                 </a:spcAft>
                 <a:buNone/>
               </a:pPr>
-              <a:r>
-                <a:t/>
-              </a:r>
               <a:endParaRPr/>
             </a:p>
           </p:txBody>
@@ -3720,7 +3711,7 @@
             </a:xfrm>
             <a:prstGeom prst="diagStripe">
               <a:avLst>
-                <a:gd fmla="val 50000" name="adj"/>
+                <a:gd name="adj" fmla="val 50000"/>
               </a:avLst>
             </a:prstGeom>
             <a:solidFill>
@@ -3733,12 +3724,12 @@
             </a:ln>
           </p:spPr>
           <p:txBody>
-            <a:bodyPr anchorCtr="0" anchor="ctr" bIns="91425" lIns="91425" spcFirstLastPara="1" rIns="91425" wrap="square" tIns="91425">
+            <a:bodyPr spcFirstLastPara="1" wrap="square" lIns="91425" tIns="91425" rIns="91425" bIns="91425" anchor="ctr" anchorCtr="0">
               <a:noAutofit/>
             </a:bodyPr>
             <a:lstStyle/>
             <a:p>
-              <a:pPr indent="0" lvl="0" marL="0" rtl="0" algn="l">
+              <a:pPr marL="0" lvl="0" indent="0" algn="l" rtl="0">
                 <a:spcBef>
                   <a:spcPts val="0"/>
                 </a:spcBef>
@@ -3747,9 +3738,6 @@
                 </a:spcAft>
                 <a:buNone/>
               </a:pPr>
-              <a:r>
-                <a:t/>
-              </a:r>
               <a:endParaRPr/>
             </a:p>
           </p:txBody>
@@ -3767,7 +3755,7 @@
             </a:xfrm>
             <a:prstGeom prst="diagStripe">
               <a:avLst>
-                <a:gd fmla="val 50000" name="adj"/>
+                <a:gd name="adj" fmla="val 50000"/>
               </a:avLst>
             </a:prstGeom>
             <a:solidFill>
@@ -3780,12 +3768,12 @@
             </a:ln>
           </p:spPr>
           <p:txBody>
-            <a:bodyPr anchorCtr="0" anchor="ctr" bIns="91425" lIns="91425" spcFirstLastPara="1" rIns="91425" wrap="square" tIns="91425">
+            <a:bodyPr spcFirstLastPara="1" wrap="square" lIns="91425" tIns="91425" rIns="91425" bIns="91425" anchor="ctr" anchorCtr="0">
               <a:noAutofit/>
             </a:bodyPr>
             <a:lstStyle/>
             <a:p>
-              <a:pPr indent="0" lvl="0" marL="0" rtl="0" algn="l">
+              <a:pPr marL="0" lvl="0" indent="0" algn="l" rtl="0">
                 <a:spcBef>
                   <a:spcPts val="0"/>
                 </a:spcBef>
@@ -3794,9 +3782,6 @@
                 </a:spcAft>
                 <a:buNone/>
               </a:pPr>
-              <a:r>
-                <a:t/>
-              </a:r>
               <a:endParaRPr/>
             </a:p>
           </p:txBody>
@@ -3814,7 +3799,7 @@
             </a:xfrm>
             <a:prstGeom prst="diagStripe">
               <a:avLst>
-                <a:gd fmla="val 50000" name="adj"/>
+                <a:gd name="adj" fmla="val 50000"/>
               </a:avLst>
             </a:prstGeom>
             <a:solidFill>
@@ -3825,12 +3810,12 @@
             </a:ln>
           </p:spPr>
           <p:txBody>
-            <a:bodyPr anchorCtr="0" anchor="ctr" bIns="91425" lIns="91425" spcFirstLastPara="1" rIns="91425" wrap="square" tIns="91425">
+            <a:bodyPr spcFirstLastPara="1" wrap="square" lIns="91425" tIns="91425" rIns="91425" bIns="91425" anchor="ctr" anchorCtr="0">
               <a:noAutofit/>
             </a:bodyPr>
             <a:lstStyle/>
             <a:p>
-              <a:pPr indent="0" lvl="0" marL="0" rtl="0" algn="l">
+              <a:pPr marL="0" lvl="0" indent="0" algn="l" rtl="0">
                 <a:spcBef>
                   <a:spcPts val="0"/>
                 </a:spcBef>
@@ -3839,9 +3824,6 @@
                 </a:spcAft>
                 <a:buNone/>
               </a:pPr>
-              <a:r>
-                <a:t/>
-              </a:r>
               <a:endParaRPr/>
             </a:p>
           </p:txBody>
@@ -3859,7 +3841,7 @@
             </a:xfrm>
             <a:prstGeom prst="diagStripe">
               <a:avLst>
-                <a:gd fmla="val 50000" name="adj"/>
+                <a:gd name="adj" fmla="val 50000"/>
               </a:avLst>
             </a:prstGeom>
             <a:solidFill>
@@ -3872,12 +3854,12 @@
             </a:ln>
           </p:spPr>
           <p:txBody>
-            <a:bodyPr anchorCtr="0" anchor="ctr" bIns="91425" lIns="91425" spcFirstLastPara="1" rIns="91425" wrap="square" tIns="91425">
+            <a:bodyPr spcFirstLastPara="1" wrap="square" lIns="91425" tIns="91425" rIns="91425" bIns="91425" anchor="ctr" anchorCtr="0">
               <a:noAutofit/>
             </a:bodyPr>
             <a:lstStyle/>
             <a:p>
-              <a:pPr indent="0" lvl="0" marL="0" rtl="0" algn="l">
+              <a:pPr marL="0" lvl="0" indent="0" algn="l" rtl="0">
                 <a:spcBef>
                   <a:spcPts val="0"/>
                 </a:spcBef>
@@ -3886,9 +3868,6 @@
                 </a:spcAft>
                 <a:buNone/>
               </a:pPr>
-              <a:r>
-                <a:t/>
-              </a:r>
               <a:endParaRPr/>
             </a:p>
           </p:txBody>
@@ -3906,7 +3885,7 @@
             </a:xfrm>
             <a:prstGeom prst="diagStripe">
               <a:avLst>
-                <a:gd fmla="val 50000" name="adj"/>
+                <a:gd name="adj" fmla="val 50000"/>
               </a:avLst>
             </a:prstGeom>
             <a:solidFill>
@@ -3919,12 +3898,12 @@
             </a:ln>
           </p:spPr>
           <p:txBody>
-            <a:bodyPr anchorCtr="0" anchor="ctr" bIns="91425" lIns="91425" spcFirstLastPara="1" rIns="91425" wrap="square" tIns="91425">
+            <a:bodyPr spcFirstLastPara="1" wrap="square" lIns="91425" tIns="91425" rIns="91425" bIns="91425" anchor="ctr" anchorCtr="0">
               <a:noAutofit/>
             </a:bodyPr>
             <a:lstStyle/>
             <a:p>
-              <a:pPr indent="0" lvl="0" marL="0" rtl="0" algn="l">
+              <a:pPr marL="0" lvl="0" indent="0" algn="l" rtl="0">
                 <a:spcBef>
                   <a:spcPts val="0"/>
                 </a:spcBef>
@@ -3933,9 +3912,6 @@
                 </a:spcAft>
                 <a:buNone/>
               </a:pPr>
-              <a:r>
-                <a:t/>
-              </a:r>
               <a:endParaRPr/>
             </a:p>
           </p:txBody>
@@ -3953,7 +3929,7 @@
             </a:xfrm>
             <a:prstGeom prst="diagStripe">
               <a:avLst>
-                <a:gd fmla="val 50000" name="adj"/>
+                <a:gd name="adj" fmla="val 50000"/>
               </a:avLst>
             </a:prstGeom>
             <a:solidFill>
@@ -3966,12 +3942,12 @@
             </a:ln>
           </p:spPr>
           <p:txBody>
-            <a:bodyPr anchorCtr="0" anchor="ctr" bIns="91425" lIns="91425" spcFirstLastPara="1" rIns="91425" wrap="square" tIns="91425">
+            <a:bodyPr spcFirstLastPara="1" wrap="square" lIns="91425" tIns="91425" rIns="91425" bIns="91425" anchor="ctr" anchorCtr="0">
               <a:noAutofit/>
             </a:bodyPr>
             <a:lstStyle/>
             <a:p>
-              <a:pPr indent="0" lvl="0" marL="0" rtl="0" algn="l">
+              <a:pPr marL="0" lvl="0" indent="0" algn="l" rtl="0">
                 <a:spcBef>
                   <a:spcPts val="0"/>
                 </a:spcBef>
@@ -3980,9 +3956,6 @@
                 </a:spcAft>
                 <a:buNone/>
               </a:pPr>
-              <a:r>
-                <a:t/>
-              </a:r>
               <a:endParaRPr/>
             </a:p>
           </p:txBody>
@@ -4000,7 +3973,7 @@
             </a:xfrm>
             <a:prstGeom prst="diagStripe">
               <a:avLst>
-                <a:gd fmla="val 50000" name="adj"/>
+                <a:gd name="adj" fmla="val 50000"/>
               </a:avLst>
             </a:prstGeom>
             <a:solidFill>
@@ -4013,12 +3986,12 @@
             </a:ln>
           </p:spPr>
           <p:txBody>
-            <a:bodyPr anchorCtr="0" anchor="ctr" bIns="91425" lIns="91425" spcFirstLastPara="1" rIns="91425" wrap="square" tIns="91425">
+            <a:bodyPr spcFirstLastPara="1" wrap="square" lIns="91425" tIns="91425" rIns="91425" bIns="91425" anchor="ctr" anchorCtr="0">
               <a:noAutofit/>
             </a:bodyPr>
             <a:lstStyle/>
             <a:p>
-              <a:pPr indent="0" lvl="0" marL="0" rtl="0" algn="l">
+              <a:pPr marL="0" lvl="0" indent="0" algn="l" rtl="0">
                 <a:spcBef>
                   <a:spcPts val="0"/>
                 </a:spcBef>
@@ -4027,9 +4000,6 @@
                 </a:spcAft>
                 <a:buNone/>
               </a:pPr>
-              <a:r>
-                <a:t/>
-              </a:r>
               <a:endParaRPr/>
             </a:p>
           </p:txBody>
@@ -4047,7 +4017,7 @@
             </a:xfrm>
             <a:prstGeom prst="diagStripe">
               <a:avLst>
-                <a:gd fmla="val 50000" name="adj"/>
+                <a:gd name="adj" fmla="val 50000"/>
               </a:avLst>
             </a:prstGeom>
             <a:solidFill>
@@ -4060,12 +4030,12 @@
             </a:ln>
           </p:spPr>
           <p:txBody>
-            <a:bodyPr anchorCtr="0" anchor="ctr" bIns="91425" lIns="91425" spcFirstLastPara="1" rIns="91425" wrap="square" tIns="91425">
+            <a:bodyPr spcFirstLastPara="1" wrap="square" lIns="91425" tIns="91425" rIns="91425" bIns="91425" anchor="ctr" anchorCtr="0">
               <a:noAutofit/>
             </a:bodyPr>
             <a:lstStyle/>
             <a:p>
-              <a:pPr indent="0" lvl="0" marL="0" rtl="0" algn="l">
+              <a:pPr marL="0" lvl="0" indent="0" algn="l" rtl="0">
                 <a:spcBef>
                   <a:spcPts val="0"/>
                 </a:spcBef>
@@ -4074,9 +4044,6 @@
                 </a:spcAft>
                 <a:buNone/>
               </a:pPr>
-              <a:r>
-                <a:t/>
-              </a:r>
               <a:endParaRPr/>
             </a:p>
           </p:txBody>
@@ -4094,7 +4061,7 @@
             </a:xfrm>
             <a:prstGeom prst="diagStripe">
               <a:avLst>
-                <a:gd fmla="val 50000" name="adj"/>
+                <a:gd name="adj" fmla="val 50000"/>
               </a:avLst>
             </a:prstGeom>
             <a:solidFill>
@@ -4105,12 +4072,12 @@
             </a:ln>
           </p:spPr>
           <p:txBody>
-            <a:bodyPr anchorCtr="0" anchor="ctr" bIns="91425" lIns="91425" spcFirstLastPara="1" rIns="91425" wrap="square" tIns="91425">
+            <a:bodyPr spcFirstLastPara="1" wrap="square" lIns="91425" tIns="91425" rIns="91425" bIns="91425" anchor="ctr" anchorCtr="0">
               <a:noAutofit/>
             </a:bodyPr>
             <a:lstStyle/>
             <a:p>
-              <a:pPr indent="0" lvl="0" marL="0" rtl="0" algn="l">
+              <a:pPr marL="0" lvl="0" indent="0" algn="l" rtl="0">
                 <a:spcBef>
                   <a:spcPts val="0"/>
                 </a:spcBef>
@@ -4119,9 +4086,6 @@
                 </a:spcAft>
                 <a:buNone/>
               </a:pPr>
-              <a:r>
-                <a:t/>
-              </a:r>
               <a:endParaRPr/>
             </a:p>
           </p:txBody>
@@ -4139,7 +4103,7 @@
             </a:xfrm>
             <a:prstGeom prst="diagStripe">
               <a:avLst>
-                <a:gd fmla="val 50000" name="adj"/>
+                <a:gd name="adj" fmla="val 50000"/>
               </a:avLst>
             </a:prstGeom>
             <a:solidFill>
@@ -4152,12 +4116,12 @@
             </a:ln>
           </p:spPr>
           <p:txBody>
-            <a:bodyPr anchorCtr="0" anchor="ctr" bIns="91425" lIns="91425" spcFirstLastPara="1" rIns="91425" wrap="square" tIns="91425">
+            <a:bodyPr spcFirstLastPara="1" wrap="square" lIns="91425" tIns="91425" rIns="91425" bIns="91425" anchor="ctr" anchorCtr="0">
               <a:noAutofit/>
             </a:bodyPr>
             <a:lstStyle/>
             <a:p>
-              <a:pPr indent="0" lvl="0" marL="0" rtl="0" algn="l">
+              <a:pPr marL="0" lvl="0" indent="0" algn="l" rtl="0">
                 <a:spcBef>
                   <a:spcPts val="0"/>
                 </a:spcBef>
@@ -4166,9 +4130,6 @@
                 </a:spcAft>
                 <a:buNone/>
               </a:pPr>
-              <a:r>
-                <a:t/>
-              </a:r>
               <a:endParaRPr/>
             </a:p>
           </p:txBody>
@@ -4186,7 +4147,7 @@
             </a:xfrm>
             <a:prstGeom prst="diagStripe">
               <a:avLst>
-                <a:gd fmla="val 50000" name="adj"/>
+                <a:gd name="adj" fmla="val 50000"/>
               </a:avLst>
             </a:prstGeom>
             <a:solidFill>
@@ -4199,12 +4160,12 @@
             </a:ln>
           </p:spPr>
           <p:txBody>
-            <a:bodyPr anchorCtr="0" anchor="ctr" bIns="91425" lIns="91425" spcFirstLastPara="1" rIns="91425" wrap="square" tIns="91425">
+            <a:bodyPr spcFirstLastPara="1" wrap="square" lIns="91425" tIns="91425" rIns="91425" bIns="91425" anchor="ctr" anchorCtr="0">
               <a:noAutofit/>
             </a:bodyPr>
             <a:lstStyle/>
             <a:p>
-              <a:pPr indent="0" lvl="0" marL="0" rtl="0" algn="l">
+              <a:pPr marL="0" lvl="0" indent="0" algn="l" rtl="0">
                 <a:spcBef>
                   <a:spcPts val="0"/>
                 </a:spcBef>
@@ -4213,9 +4174,6 @@
                 </a:spcAft>
                 <a:buNone/>
               </a:pPr>
-              <a:r>
-                <a:t/>
-              </a:r>
               <a:endParaRPr/>
             </a:p>
           </p:txBody>
@@ -4233,7 +4191,7 @@
             </a:xfrm>
             <a:prstGeom prst="diagStripe">
               <a:avLst>
-                <a:gd fmla="val 50000" name="adj"/>
+                <a:gd name="adj" fmla="val 50000"/>
               </a:avLst>
             </a:prstGeom>
             <a:solidFill>
@@ -4246,12 +4204,12 @@
             </a:ln>
           </p:spPr>
           <p:txBody>
-            <a:bodyPr anchorCtr="0" anchor="ctr" bIns="91425" lIns="91425" spcFirstLastPara="1" rIns="91425" wrap="square" tIns="91425">
+            <a:bodyPr spcFirstLastPara="1" wrap="square" lIns="91425" tIns="91425" rIns="91425" bIns="91425" anchor="ctr" anchorCtr="0">
               <a:noAutofit/>
             </a:bodyPr>
             <a:lstStyle/>
             <a:p>
-              <a:pPr indent="0" lvl="0" marL="0" rtl="0" algn="l">
+              <a:pPr marL="0" lvl="0" indent="0" algn="l" rtl="0">
                 <a:spcBef>
                   <a:spcPts val="0"/>
                 </a:spcBef>
@@ -4260,9 +4218,6 @@
                 </a:spcAft>
                 <a:buNone/>
               </a:pPr>
-              <a:r>
-                <a:t/>
-              </a:r>
               <a:endParaRPr/>
             </a:p>
           </p:txBody>
@@ -4280,7 +4235,7 @@
             </a:xfrm>
             <a:prstGeom prst="diagStripe">
               <a:avLst>
-                <a:gd fmla="val 50000" name="adj"/>
+                <a:gd name="adj" fmla="val 50000"/>
               </a:avLst>
             </a:prstGeom>
             <a:solidFill>
@@ -4293,12 +4248,12 @@
             </a:ln>
           </p:spPr>
           <p:txBody>
-            <a:bodyPr anchorCtr="0" anchor="ctr" bIns="91425" lIns="91425" spcFirstLastPara="1" rIns="91425" wrap="square" tIns="91425">
+            <a:bodyPr spcFirstLastPara="1" wrap="square" lIns="91425" tIns="91425" rIns="91425" bIns="91425" anchor="ctr" anchorCtr="0">
               <a:noAutofit/>
             </a:bodyPr>
             <a:lstStyle/>
             <a:p>
-              <a:pPr indent="0" lvl="0" marL="0" rtl="0" algn="l">
+              <a:pPr marL="0" lvl="0" indent="0" algn="l" rtl="0">
                 <a:spcBef>
                   <a:spcPts val="0"/>
                 </a:spcBef>
@@ -4307,9 +4262,6 @@
                 </a:spcAft>
                 <a:buNone/>
               </a:pPr>
-              <a:r>
-                <a:t/>
-              </a:r>
               <a:endParaRPr/>
             </a:p>
           </p:txBody>
@@ -4318,7 +4270,9 @@
       <p:sp>
         <p:nvSpPr>
           <p:cNvPr id="39" name="Google Shape;39;p3"/>
-          <p:cNvSpPr txBox="1"/>
+          <p:cNvSpPr txBox="1">
+            <a:spLocks noGrp="1"/>
+          </p:cNvSpPr>
           <p:nvPr>
             <p:ph type="title"/>
           </p:nvPr>
@@ -4333,7 +4287,7 @@
           </a:prstGeom>
         </p:spPr>
         <p:txBody>
-          <a:bodyPr anchorCtr="0" anchor="ctr" bIns="91425" lIns="91425" spcFirstLastPara="1" rIns="91425" wrap="square" tIns="91425">
+          <a:bodyPr spcFirstLastPara="1" wrap="square" lIns="91425" tIns="91425" rIns="91425" bIns="91425" anchor="ctr" anchorCtr="0">
             <a:normAutofit/>
           </a:bodyPr>
           <a:lstStyle>
@@ -4437,15 +4391,19 @@
               <a:defRPr/>
             </a:lvl9pPr>
           </a:lstStyle>
-          <a:p/>
+          <a:p>
+            <a:endParaRPr/>
+          </a:p>
         </p:txBody>
       </p:sp>
       <p:sp>
         <p:nvSpPr>
           <p:cNvPr id="40" name="Google Shape;40;p3"/>
-          <p:cNvSpPr txBox="1"/>
+          <p:cNvSpPr txBox="1">
+            <a:spLocks noGrp="1"/>
+          </p:cNvSpPr>
           <p:nvPr>
-            <p:ph idx="12" type="sldNum"/>
+            <p:ph type="sldNum" idx="12"/>
           </p:nvPr>
         </p:nvSpPr>
         <p:spPr>
@@ -4458,7 +4416,7 @@
           </a:prstGeom>
         </p:spPr>
         <p:txBody>
-          <a:bodyPr anchorCtr="0" anchor="ctr" bIns="91425" lIns="91425" spcFirstLastPara="1" rIns="91425" wrap="square" tIns="91425">
+          <a:bodyPr spcFirstLastPara="1" wrap="square" lIns="91425" tIns="91425" rIns="91425" bIns="91425" anchor="ctr" anchorCtr="0">
             <a:normAutofit/>
           </a:bodyPr>
           <a:lstStyle>
@@ -4500,7 +4458,7 @@
             </a:lvl9pPr>
           </a:lstStyle>
           <a:p>
-            <a:pPr indent="0" lvl="0" marL="0" rtl="0" algn="r">
+            <a:pPr marL="0" lvl="0" indent="0" algn="r" rtl="0">
               <a:spcBef>
                 <a:spcPts val="0"/>
               </a:spcBef>
@@ -4526,11 +4484,11 @@
 </file>
 
 <file path=ppt/slideLayouts/slideLayout3.xml><?xml version="1.0" encoding="utf-8"?>
-<p:sldLayout xmlns:a="http://schemas.openxmlformats.org/drawingml/2006/main" xmlns:r="http://schemas.openxmlformats.org/officeDocument/2006/relationships" xmlns:mc="http://schemas.openxmlformats.org/markup-compatibility/2006" xmlns:mv="urn:schemas-microsoft-com:mac:vml" xmlns:p="http://schemas.openxmlformats.org/presentationml/2006/main" xmlns:c="http://schemas.openxmlformats.org/drawingml/2006/chart" xmlns:dgm="http://schemas.openxmlformats.org/drawingml/2006/diagram" xmlns:o="urn:schemas-microsoft-com:office:office" xmlns:v="urn:schemas-microsoft-com:vml" xmlns:pvml="urn:schemas-microsoft-com:office:powerpoint" xmlns:com="http://schemas.openxmlformats.org/drawingml/2006/compatibility" xmlns:p14="http://schemas.microsoft.com/office/powerpoint/2010/main" xmlns:p15="http://schemas.microsoft.com/office/powerpoint/2012/main" xmlns:ahyp="http://schemas.microsoft.com/office/drawing/2018/hyperlinkcolor" matchingName="Title and body" type="tx">
+<p:sldLayout xmlns:a="http://schemas.openxmlformats.org/drawingml/2006/main" xmlns:r="http://schemas.openxmlformats.org/officeDocument/2006/relationships" xmlns:p="http://schemas.openxmlformats.org/presentationml/2006/main" matchingName="Title and body" type="tx">
   <p:cSld name="TITLE_AND_BODY">
     <p:spTree>
       <p:nvGrpSpPr>
-        <p:cNvPr id="41" name="Shape 41"/>
+        <p:cNvPr id="1" name="Shape 41"/>
         <p:cNvGrpSpPr/>
         <p:nvPr/>
       </p:nvGrpSpPr>
@@ -4569,7 +4527,7 @@
             </a:xfrm>
             <a:prstGeom prst="diagStripe">
               <a:avLst>
-                <a:gd fmla="val 50000" name="adj"/>
+                <a:gd name="adj" fmla="val 50000"/>
               </a:avLst>
             </a:prstGeom>
             <a:solidFill>
@@ -4580,12 +4538,12 @@
             </a:ln>
           </p:spPr>
           <p:txBody>
-            <a:bodyPr anchorCtr="0" anchor="ctr" bIns="91425" lIns="91425" spcFirstLastPara="1" rIns="91425" wrap="square" tIns="91425">
+            <a:bodyPr spcFirstLastPara="1" wrap="square" lIns="91425" tIns="91425" rIns="91425" bIns="91425" anchor="ctr" anchorCtr="0">
               <a:noAutofit/>
             </a:bodyPr>
             <a:lstStyle/>
             <a:p>
-              <a:pPr indent="0" lvl="0" marL="0" rtl="0" algn="l">
+              <a:pPr marL="0" lvl="0" indent="0" algn="l" rtl="0">
                 <a:spcBef>
                   <a:spcPts val="0"/>
                 </a:spcBef>
@@ -4594,9 +4552,6 @@
                 </a:spcAft>
                 <a:buNone/>
               </a:pPr>
-              <a:r>
-                <a:t/>
-              </a:r>
               <a:endParaRPr/>
             </a:p>
           </p:txBody>
@@ -4614,7 +4569,7 @@
             </a:xfrm>
             <a:prstGeom prst="diagStripe">
               <a:avLst>
-                <a:gd fmla="val 50000" name="adj"/>
+                <a:gd name="adj" fmla="val 50000"/>
               </a:avLst>
             </a:prstGeom>
             <a:solidFill>
@@ -4625,12 +4580,12 @@
             </a:ln>
           </p:spPr>
           <p:txBody>
-            <a:bodyPr anchorCtr="0" anchor="ctr" bIns="91425" lIns="91425" spcFirstLastPara="1" rIns="91425" wrap="square" tIns="91425">
+            <a:bodyPr spcFirstLastPara="1" wrap="square" lIns="91425" tIns="91425" rIns="91425" bIns="91425" anchor="ctr" anchorCtr="0">
               <a:noAutofit/>
             </a:bodyPr>
             <a:lstStyle/>
             <a:p>
-              <a:pPr indent="0" lvl="0" marL="0" rtl="0" algn="l">
+              <a:pPr marL="0" lvl="0" indent="0" algn="l" rtl="0">
                 <a:spcBef>
                   <a:spcPts val="0"/>
                 </a:spcBef>
@@ -4639,9 +4594,6 @@
                 </a:spcAft>
                 <a:buNone/>
               </a:pPr>
-              <a:r>
-                <a:t/>
-              </a:r>
               <a:endParaRPr/>
             </a:p>
           </p:txBody>
@@ -4650,7 +4602,9 @@
       <p:sp>
         <p:nvSpPr>
           <p:cNvPr id="45" name="Google Shape;45;p4"/>
-          <p:cNvSpPr txBox="1"/>
+          <p:cNvSpPr txBox="1">
+            <a:spLocks noGrp="1"/>
+          </p:cNvSpPr>
           <p:nvPr>
             <p:ph type="title"/>
           </p:nvPr>
@@ -4665,7 +4619,7 @@
           </a:prstGeom>
         </p:spPr>
         <p:txBody>
-          <a:bodyPr anchorCtr="0" anchor="t" bIns="91425" lIns="91425" spcFirstLastPara="1" rIns="91425" wrap="square" tIns="91425">
+          <a:bodyPr spcFirstLastPara="1" wrap="square" lIns="91425" tIns="91425" rIns="91425" bIns="91425" anchor="t" anchorCtr="0">
             <a:normAutofit/>
           </a:bodyPr>
           <a:lstStyle>
@@ -4769,15 +4723,19 @@
               <a:defRPr sz="2400"/>
             </a:lvl9pPr>
           </a:lstStyle>
-          <a:p/>
+          <a:p>
+            <a:endParaRPr/>
+          </a:p>
         </p:txBody>
       </p:sp>
       <p:sp>
         <p:nvSpPr>
           <p:cNvPr id="46" name="Google Shape;46;p4"/>
-          <p:cNvSpPr txBox="1"/>
+          <p:cNvSpPr txBox="1">
+            <a:spLocks noGrp="1"/>
+          </p:cNvSpPr>
           <p:nvPr>
-            <p:ph idx="1" type="body"/>
+            <p:ph type="body" idx="1"/>
           </p:nvPr>
         </p:nvSpPr>
         <p:spPr>
@@ -4790,11 +4748,11 @@
           </a:prstGeom>
         </p:spPr>
         <p:txBody>
-          <a:bodyPr anchorCtr="0" anchor="t" bIns="91425" lIns="91425" spcFirstLastPara="1" rIns="91425" wrap="square" tIns="91425">
+          <a:bodyPr spcFirstLastPara="1" wrap="square" lIns="91425" tIns="91425" rIns="91425" bIns="91425" anchor="t" anchorCtr="0">
             <a:normAutofit/>
           </a:bodyPr>
           <a:lstStyle>
-            <a:lvl1pPr indent="-311150" lvl="0" marL="457200">
+            <a:lvl1pPr marL="457200" lvl="0" indent="-311150">
               <a:spcBef>
                 <a:spcPts val="0"/>
               </a:spcBef>
@@ -4805,7 +4763,7 @@
               <a:buChar char="●"/>
               <a:defRPr/>
             </a:lvl1pPr>
-            <a:lvl2pPr indent="-298450" lvl="1" marL="914400">
+            <a:lvl2pPr marL="914400" lvl="1" indent="-298450">
               <a:spcBef>
                 <a:spcPts val="0"/>
               </a:spcBef>
@@ -4816,7 +4774,7 @@
               <a:buChar char="○"/>
               <a:defRPr/>
             </a:lvl2pPr>
-            <a:lvl3pPr indent="-298450" lvl="2" marL="1371600">
+            <a:lvl3pPr marL="1371600" lvl="2" indent="-298450">
               <a:spcBef>
                 <a:spcPts val="0"/>
               </a:spcBef>
@@ -4827,7 +4785,7 @@
               <a:buChar char="■"/>
               <a:defRPr/>
             </a:lvl3pPr>
-            <a:lvl4pPr indent="-298450" lvl="3" marL="1828800">
+            <a:lvl4pPr marL="1828800" lvl="3" indent="-298450">
               <a:spcBef>
                 <a:spcPts val="0"/>
               </a:spcBef>
@@ -4838,7 +4796,7 @@
               <a:buChar char="●"/>
               <a:defRPr/>
             </a:lvl4pPr>
-            <a:lvl5pPr indent="-298450" lvl="4" marL="2286000">
+            <a:lvl5pPr marL="2286000" lvl="4" indent="-298450">
               <a:spcBef>
                 <a:spcPts val="0"/>
               </a:spcBef>
@@ -4849,7 +4807,7 @@
               <a:buChar char="○"/>
               <a:defRPr/>
             </a:lvl5pPr>
-            <a:lvl6pPr indent="-298450" lvl="5" marL="2743200">
+            <a:lvl6pPr marL="2743200" lvl="5" indent="-298450">
               <a:spcBef>
                 <a:spcPts val="0"/>
               </a:spcBef>
@@ -4860,7 +4818,7 @@
               <a:buChar char="■"/>
               <a:defRPr/>
             </a:lvl6pPr>
-            <a:lvl7pPr indent="-298450" lvl="6" marL="3200400">
+            <a:lvl7pPr marL="3200400" lvl="6" indent="-298450">
               <a:spcBef>
                 <a:spcPts val="0"/>
               </a:spcBef>
@@ -4871,7 +4829,7 @@
               <a:buChar char="●"/>
               <a:defRPr/>
             </a:lvl7pPr>
-            <a:lvl8pPr indent="-298450" lvl="7" marL="3657600">
+            <a:lvl8pPr marL="3657600" lvl="7" indent="-298450">
               <a:spcBef>
                 <a:spcPts val="0"/>
               </a:spcBef>
@@ -4882,7 +4840,7 @@
               <a:buChar char="○"/>
               <a:defRPr/>
             </a:lvl8pPr>
-            <a:lvl9pPr indent="-298450" lvl="8" marL="4114800">
+            <a:lvl9pPr marL="4114800" lvl="8" indent="-298450">
               <a:spcBef>
                 <a:spcPts val="0"/>
               </a:spcBef>
@@ -4894,15 +4852,19 @@
               <a:defRPr/>
             </a:lvl9pPr>
           </a:lstStyle>
-          <a:p/>
+          <a:p>
+            <a:endParaRPr/>
+          </a:p>
         </p:txBody>
       </p:sp>
       <p:sp>
         <p:nvSpPr>
           <p:cNvPr id="47" name="Google Shape;47;p4"/>
-          <p:cNvSpPr txBox="1"/>
+          <p:cNvSpPr txBox="1">
+            <a:spLocks noGrp="1"/>
+          </p:cNvSpPr>
           <p:nvPr>
-            <p:ph idx="12" type="sldNum"/>
+            <p:ph type="sldNum" idx="12"/>
           </p:nvPr>
         </p:nvSpPr>
         <p:spPr>
@@ -4915,7 +4877,7 @@
           </a:prstGeom>
         </p:spPr>
         <p:txBody>
-          <a:bodyPr anchorCtr="0" anchor="ctr" bIns="91425" lIns="91425" spcFirstLastPara="1" rIns="91425" wrap="square" tIns="91425">
+          <a:bodyPr spcFirstLastPara="1" wrap="square" lIns="91425" tIns="91425" rIns="91425" bIns="91425" anchor="ctr" anchorCtr="0">
             <a:normAutofit/>
           </a:bodyPr>
           <a:lstStyle>
@@ -4957,7 +4919,7 @@
             </a:lvl9pPr>
           </a:lstStyle>
           <a:p>
-            <a:pPr indent="0" lvl="0" marL="0" rtl="0" algn="r">
+            <a:pPr marL="0" lvl="0" indent="0" algn="r" rtl="0">
               <a:spcBef>
                 <a:spcPts val="0"/>
               </a:spcBef>
@@ -4983,11 +4945,11 @@
 </file>
 
 <file path=ppt/slideLayouts/slideLayout4.xml><?xml version="1.0" encoding="utf-8"?>
-<p:sldLayout xmlns:a="http://schemas.openxmlformats.org/drawingml/2006/main" xmlns:r="http://schemas.openxmlformats.org/officeDocument/2006/relationships" xmlns:mc="http://schemas.openxmlformats.org/markup-compatibility/2006" xmlns:mv="urn:schemas-microsoft-com:mac:vml" xmlns:p="http://schemas.openxmlformats.org/presentationml/2006/main" xmlns:c="http://schemas.openxmlformats.org/drawingml/2006/chart" xmlns:dgm="http://schemas.openxmlformats.org/drawingml/2006/diagram" xmlns:o="urn:schemas-microsoft-com:office:office" xmlns:v="urn:schemas-microsoft-com:vml" xmlns:pvml="urn:schemas-microsoft-com:office:powerpoint" xmlns:com="http://schemas.openxmlformats.org/drawingml/2006/compatibility" xmlns:p14="http://schemas.microsoft.com/office/powerpoint/2010/main" xmlns:p15="http://schemas.microsoft.com/office/powerpoint/2012/main" xmlns:ahyp="http://schemas.microsoft.com/office/drawing/2018/hyperlinkcolor" matchingName="Title and two columns" type="twoColTx">
+<p:sldLayout xmlns:a="http://schemas.openxmlformats.org/drawingml/2006/main" xmlns:r="http://schemas.openxmlformats.org/officeDocument/2006/relationships" xmlns:p="http://schemas.openxmlformats.org/presentationml/2006/main" matchingName="Title and two columns" type="twoColTx">
   <p:cSld name="TITLE_AND_TWO_COLUMNS">
     <p:spTree>
       <p:nvGrpSpPr>
-        <p:cNvPr id="48" name="Shape 48"/>
+        <p:cNvPr id="1" name="Shape 48"/>
         <p:cNvGrpSpPr/>
         <p:nvPr/>
       </p:nvGrpSpPr>
@@ -5026,7 +4988,7 @@
             </a:xfrm>
             <a:prstGeom prst="diagStripe">
               <a:avLst>
-                <a:gd fmla="val 50000" name="adj"/>
+                <a:gd name="adj" fmla="val 50000"/>
               </a:avLst>
             </a:prstGeom>
             <a:solidFill>
@@ -5037,12 +4999,12 @@
             </a:ln>
           </p:spPr>
           <p:txBody>
-            <a:bodyPr anchorCtr="0" anchor="ctr" bIns="91425" lIns="91425" spcFirstLastPara="1" rIns="91425" wrap="square" tIns="91425">
+            <a:bodyPr spcFirstLastPara="1" wrap="square" lIns="91425" tIns="91425" rIns="91425" bIns="91425" anchor="ctr" anchorCtr="0">
               <a:noAutofit/>
             </a:bodyPr>
             <a:lstStyle/>
             <a:p>
-              <a:pPr indent="0" lvl="0" marL="0" rtl="0" algn="l">
+              <a:pPr marL="0" lvl="0" indent="0" algn="l" rtl="0">
                 <a:spcBef>
                   <a:spcPts val="0"/>
                 </a:spcBef>
@@ -5051,9 +5013,6 @@
                 </a:spcAft>
                 <a:buNone/>
               </a:pPr>
-              <a:r>
-                <a:t/>
-              </a:r>
               <a:endParaRPr/>
             </a:p>
           </p:txBody>
@@ -5071,7 +5030,7 @@
             </a:xfrm>
             <a:prstGeom prst="diagStripe">
               <a:avLst>
-                <a:gd fmla="val 50000" name="adj"/>
+                <a:gd name="adj" fmla="val 50000"/>
               </a:avLst>
             </a:prstGeom>
             <a:solidFill>
@@ -5082,12 +5041,12 @@
             </a:ln>
           </p:spPr>
           <p:txBody>
-            <a:bodyPr anchorCtr="0" anchor="ctr" bIns="91425" lIns="91425" spcFirstLastPara="1" rIns="91425" wrap="square" tIns="91425">
+            <a:bodyPr spcFirstLastPara="1" wrap="square" lIns="91425" tIns="91425" rIns="91425" bIns="91425" anchor="ctr" anchorCtr="0">
               <a:noAutofit/>
             </a:bodyPr>
             <a:lstStyle/>
             <a:p>
-              <a:pPr indent="0" lvl="0" marL="0" rtl="0" algn="l">
+              <a:pPr marL="0" lvl="0" indent="0" algn="l" rtl="0">
                 <a:spcBef>
                   <a:spcPts val="0"/>
                 </a:spcBef>
@@ -5096,9 +5055,6 @@
                 </a:spcAft>
                 <a:buNone/>
               </a:pPr>
-              <a:r>
-                <a:t/>
-              </a:r>
               <a:endParaRPr/>
             </a:p>
           </p:txBody>
@@ -5107,7 +5063,9 @@
       <p:sp>
         <p:nvSpPr>
           <p:cNvPr id="52" name="Google Shape;52;p5"/>
-          <p:cNvSpPr txBox="1"/>
+          <p:cNvSpPr txBox="1">
+            <a:spLocks noGrp="1"/>
+          </p:cNvSpPr>
           <p:nvPr>
             <p:ph type="title"/>
           </p:nvPr>
@@ -5122,7 +5080,7 @@
           </a:prstGeom>
         </p:spPr>
         <p:txBody>
-          <a:bodyPr anchorCtr="0" anchor="t" bIns="91425" lIns="91425" spcFirstLastPara="1" rIns="91425" wrap="square" tIns="91425">
+          <a:bodyPr spcFirstLastPara="1" wrap="square" lIns="91425" tIns="91425" rIns="91425" bIns="91425" anchor="t" anchorCtr="0">
             <a:normAutofit/>
           </a:bodyPr>
           <a:lstStyle>
@@ -5226,15 +5184,19 @@
               <a:defRPr sz="2400"/>
             </a:lvl9pPr>
           </a:lstStyle>
-          <a:p/>
+          <a:p>
+            <a:endParaRPr/>
+          </a:p>
         </p:txBody>
       </p:sp>
       <p:sp>
         <p:nvSpPr>
           <p:cNvPr id="53" name="Google Shape;53;p5"/>
-          <p:cNvSpPr txBox="1"/>
+          <p:cNvSpPr txBox="1">
+            <a:spLocks noGrp="1"/>
+          </p:cNvSpPr>
           <p:nvPr>
-            <p:ph idx="1" type="body"/>
+            <p:ph type="body" idx="1"/>
           </p:nvPr>
         </p:nvSpPr>
         <p:spPr>
@@ -5247,11 +5209,11 @@
           </a:prstGeom>
         </p:spPr>
         <p:txBody>
-          <a:bodyPr anchorCtr="0" anchor="t" bIns="91425" lIns="91425" spcFirstLastPara="1" rIns="91425" wrap="square" tIns="91425">
+          <a:bodyPr spcFirstLastPara="1" wrap="square" lIns="91425" tIns="91425" rIns="91425" bIns="91425" anchor="t" anchorCtr="0">
             <a:normAutofit/>
           </a:bodyPr>
           <a:lstStyle>
-            <a:lvl1pPr indent="-311150" lvl="0" marL="457200">
+            <a:lvl1pPr marL="457200" lvl="0" indent="-311150">
               <a:spcBef>
                 <a:spcPts val="0"/>
               </a:spcBef>
@@ -5262,7 +5224,7 @@
               <a:buChar char="●"/>
               <a:defRPr/>
             </a:lvl1pPr>
-            <a:lvl2pPr indent="-298450" lvl="1" marL="914400">
+            <a:lvl2pPr marL="914400" lvl="1" indent="-298450">
               <a:spcBef>
                 <a:spcPts val="0"/>
               </a:spcBef>
@@ -5273,7 +5235,7 @@
               <a:buChar char="○"/>
               <a:defRPr/>
             </a:lvl2pPr>
-            <a:lvl3pPr indent="-298450" lvl="2" marL="1371600">
+            <a:lvl3pPr marL="1371600" lvl="2" indent="-298450">
               <a:spcBef>
                 <a:spcPts val="0"/>
               </a:spcBef>
@@ -5284,7 +5246,7 @@
               <a:buChar char="■"/>
               <a:defRPr/>
             </a:lvl3pPr>
-            <a:lvl4pPr indent="-298450" lvl="3" marL="1828800">
+            <a:lvl4pPr marL="1828800" lvl="3" indent="-298450">
               <a:spcBef>
                 <a:spcPts val="0"/>
               </a:spcBef>
@@ -5295,7 +5257,7 @@
               <a:buChar char="●"/>
               <a:defRPr/>
             </a:lvl4pPr>
-            <a:lvl5pPr indent="-298450" lvl="4" marL="2286000">
+            <a:lvl5pPr marL="2286000" lvl="4" indent="-298450">
               <a:spcBef>
                 <a:spcPts val="0"/>
               </a:spcBef>
@@ -5306,7 +5268,7 @@
               <a:buChar char="○"/>
               <a:defRPr/>
             </a:lvl5pPr>
-            <a:lvl6pPr indent="-298450" lvl="5" marL="2743200">
+            <a:lvl6pPr marL="2743200" lvl="5" indent="-298450">
               <a:spcBef>
                 <a:spcPts val="0"/>
               </a:spcBef>
@@ -5317,7 +5279,7 @@
               <a:buChar char="■"/>
               <a:defRPr/>
             </a:lvl6pPr>
-            <a:lvl7pPr indent="-298450" lvl="6" marL="3200400">
+            <a:lvl7pPr marL="3200400" lvl="6" indent="-298450">
               <a:spcBef>
                 <a:spcPts val="0"/>
               </a:spcBef>
@@ -5328,7 +5290,7 @@
               <a:buChar char="●"/>
               <a:defRPr/>
             </a:lvl7pPr>
-            <a:lvl8pPr indent="-298450" lvl="7" marL="3657600">
+            <a:lvl8pPr marL="3657600" lvl="7" indent="-298450">
               <a:spcBef>
                 <a:spcPts val="0"/>
               </a:spcBef>
@@ -5339,7 +5301,7 @@
               <a:buChar char="○"/>
               <a:defRPr/>
             </a:lvl8pPr>
-            <a:lvl9pPr indent="-298450" lvl="8" marL="4114800">
+            <a:lvl9pPr marL="4114800" lvl="8" indent="-298450">
               <a:spcBef>
                 <a:spcPts val="0"/>
               </a:spcBef>
@@ -5351,15 +5313,19 @@
               <a:defRPr/>
             </a:lvl9pPr>
           </a:lstStyle>
-          <a:p/>
+          <a:p>
+            <a:endParaRPr/>
+          </a:p>
         </p:txBody>
       </p:sp>
       <p:sp>
         <p:nvSpPr>
           <p:cNvPr id="54" name="Google Shape;54;p5"/>
-          <p:cNvSpPr txBox="1"/>
+          <p:cNvSpPr txBox="1">
+            <a:spLocks noGrp="1"/>
+          </p:cNvSpPr>
           <p:nvPr>
-            <p:ph idx="2" type="body"/>
+            <p:ph type="body" idx="2"/>
           </p:nvPr>
         </p:nvSpPr>
         <p:spPr>
@@ -5372,11 +5338,11 @@
           </a:prstGeom>
         </p:spPr>
         <p:txBody>
-          <a:bodyPr anchorCtr="0" anchor="t" bIns="91425" lIns="91425" spcFirstLastPara="1" rIns="91425" wrap="square" tIns="91425">
+          <a:bodyPr spcFirstLastPara="1" wrap="square" lIns="91425" tIns="91425" rIns="91425" bIns="91425" anchor="t" anchorCtr="0">
             <a:normAutofit/>
           </a:bodyPr>
           <a:lstStyle>
-            <a:lvl1pPr indent="-311150" lvl="0" marL="457200">
+            <a:lvl1pPr marL="457200" lvl="0" indent="-311150">
               <a:spcBef>
                 <a:spcPts val="0"/>
               </a:spcBef>
@@ -5387,7 +5353,7 @@
               <a:buChar char="●"/>
               <a:defRPr/>
             </a:lvl1pPr>
-            <a:lvl2pPr indent="-298450" lvl="1" marL="914400">
+            <a:lvl2pPr marL="914400" lvl="1" indent="-298450">
               <a:spcBef>
                 <a:spcPts val="0"/>
               </a:spcBef>
@@ -5398,7 +5364,7 @@
               <a:buChar char="○"/>
               <a:defRPr/>
             </a:lvl2pPr>
-            <a:lvl3pPr indent="-298450" lvl="2" marL="1371600">
+            <a:lvl3pPr marL="1371600" lvl="2" indent="-298450">
               <a:spcBef>
                 <a:spcPts val="0"/>
               </a:spcBef>
@@ -5409,7 +5375,7 @@
               <a:buChar char="■"/>
               <a:defRPr/>
             </a:lvl3pPr>
-            <a:lvl4pPr indent="-298450" lvl="3" marL="1828800">
+            <a:lvl4pPr marL="1828800" lvl="3" indent="-298450">
               <a:spcBef>
                 <a:spcPts val="0"/>
               </a:spcBef>
@@ -5420,7 +5386,7 @@
               <a:buChar char="●"/>
               <a:defRPr/>
             </a:lvl4pPr>
-            <a:lvl5pPr indent="-298450" lvl="4" marL="2286000">
+            <a:lvl5pPr marL="2286000" lvl="4" indent="-298450">
               <a:spcBef>
                 <a:spcPts val="0"/>
               </a:spcBef>
@@ -5431,7 +5397,7 @@
               <a:buChar char="○"/>
               <a:defRPr/>
             </a:lvl5pPr>
-            <a:lvl6pPr indent="-298450" lvl="5" marL="2743200">
+            <a:lvl6pPr marL="2743200" lvl="5" indent="-298450">
               <a:spcBef>
                 <a:spcPts val="0"/>
               </a:spcBef>
@@ -5442,7 +5408,7 @@
               <a:buChar char="■"/>
               <a:defRPr/>
             </a:lvl6pPr>
-            <a:lvl7pPr indent="-298450" lvl="6" marL="3200400">
+            <a:lvl7pPr marL="3200400" lvl="6" indent="-298450">
               <a:spcBef>
                 <a:spcPts val="0"/>
               </a:spcBef>
@@ -5453,7 +5419,7 @@
               <a:buChar char="●"/>
               <a:defRPr/>
             </a:lvl7pPr>
-            <a:lvl8pPr indent="-298450" lvl="7" marL="3657600">
+            <a:lvl8pPr marL="3657600" lvl="7" indent="-298450">
               <a:spcBef>
                 <a:spcPts val="0"/>
               </a:spcBef>
@@ -5464,7 +5430,7 @@
               <a:buChar char="○"/>
               <a:defRPr/>
             </a:lvl8pPr>
-            <a:lvl9pPr indent="-298450" lvl="8" marL="4114800">
+            <a:lvl9pPr marL="4114800" lvl="8" indent="-298450">
               <a:spcBef>
                 <a:spcPts val="0"/>
               </a:spcBef>
@@ -5476,15 +5442,19 @@
               <a:defRPr/>
             </a:lvl9pPr>
           </a:lstStyle>
-          <a:p/>
+          <a:p>
+            <a:endParaRPr/>
+          </a:p>
         </p:txBody>
       </p:sp>
       <p:sp>
         <p:nvSpPr>
           <p:cNvPr id="55" name="Google Shape;55;p5"/>
-          <p:cNvSpPr txBox="1"/>
+          <p:cNvSpPr txBox="1">
+            <a:spLocks noGrp="1"/>
+          </p:cNvSpPr>
           <p:nvPr>
-            <p:ph idx="12" type="sldNum"/>
+            <p:ph type="sldNum" idx="12"/>
           </p:nvPr>
         </p:nvSpPr>
         <p:spPr>
@@ -5497,7 +5467,7 @@
           </a:prstGeom>
         </p:spPr>
         <p:txBody>
-          <a:bodyPr anchorCtr="0" anchor="ctr" bIns="91425" lIns="91425" spcFirstLastPara="1" rIns="91425" wrap="square" tIns="91425">
+          <a:bodyPr spcFirstLastPara="1" wrap="square" lIns="91425" tIns="91425" rIns="91425" bIns="91425" anchor="ctr" anchorCtr="0">
             <a:normAutofit/>
           </a:bodyPr>
           <a:lstStyle>
@@ -5539,7 +5509,7 @@
             </a:lvl9pPr>
           </a:lstStyle>
           <a:p>
-            <a:pPr indent="0" lvl="0" marL="0" rtl="0" algn="r">
+            <a:pPr marL="0" lvl="0" indent="0" algn="r" rtl="0">
               <a:spcBef>
                 <a:spcPts val="0"/>
               </a:spcBef>
@@ -5565,11 +5535,11 @@
 </file>
 
 <file path=ppt/slideLayouts/slideLayout5.xml><?xml version="1.0" encoding="utf-8"?>
-<p:sldLayout xmlns:a="http://schemas.openxmlformats.org/drawingml/2006/main" xmlns:r="http://schemas.openxmlformats.org/officeDocument/2006/relationships" xmlns:mc="http://schemas.openxmlformats.org/markup-compatibility/2006" xmlns:mv="urn:schemas-microsoft-com:mac:vml" xmlns:p="http://schemas.openxmlformats.org/presentationml/2006/main" xmlns:c="http://schemas.openxmlformats.org/drawingml/2006/chart" xmlns:dgm="http://schemas.openxmlformats.org/drawingml/2006/diagram" xmlns:o="urn:schemas-microsoft-com:office:office" xmlns:v="urn:schemas-microsoft-com:vml" xmlns:pvml="urn:schemas-microsoft-com:office:powerpoint" xmlns:com="http://schemas.openxmlformats.org/drawingml/2006/compatibility" xmlns:p14="http://schemas.microsoft.com/office/powerpoint/2010/main" xmlns:p15="http://schemas.microsoft.com/office/powerpoint/2012/main" xmlns:ahyp="http://schemas.microsoft.com/office/drawing/2018/hyperlinkcolor" matchingName="Title only" type="titleOnly">
+<p:sldLayout xmlns:a="http://schemas.openxmlformats.org/drawingml/2006/main" xmlns:r="http://schemas.openxmlformats.org/officeDocument/2006/relationships" xmlns:p="http://schemas.openxmlformats.org/presentationml/2006/main" matchingName="Title only" type="titleOnly">
   <p:cSld name="TITLE_ONLY">
     <p:spTree>
       <p:nvGrpSpPr>
-        <p:cNvPr id="56" name="Shape 56"/>
+        <p:cNvPr id="1" name="Shape 56"/>
         <p:cNvGrpSpPr/>
         <p:nvPr/>
       </p:nvGrpSpPr>
@@ -5608,7 +5578,7 @@
             </a:xfrm>
             <a:prstGeom prst="diagStripe">
               <a:avLst>
-                <a:gd fmla="val 50000" name="adj"/>
+                <a:gd name="adj" fmla="val 50000"/>
               </a:avLst>
             </a:prstGeom>
             <a:solidFill>
@@ -5619,12 +5589,12 @@
             </a:ln>
           </p:spPr>
           <p:txBody>
-            <a:bodyPr anchorCtr="0" anchor="ctr" bIns="91425" lIns="91425" spcFirstLastPara="1" rIns="91425" wrap="square" tIns="91425">
+            <a:bodyPr spcFirstLastPara="1" wrap="square" lIns="91425" tIns="91425" rIns="91425" bIns="91425" anchor="ctr" anchorCtr="0">
               <a:noAutofit/>
             </a:bodyPr>
             <a:lstStyle/>
             <a:p>
-              <a:pPr indent="0" lvl="0" marL="0" rtl="0" algn="l">
+              <a:pPr marL="0" lvl="0" indent="0" algn="l" rtl="0">
                 <a:spcBef>
                   <a:spcPts val="0"/>
                 </a:spcBef>
@@ -5633,9 +5603,6 @@
                 </a:spcAft>
                 <a:buNone/>
               </a:pPr>
-              <a:r>
-                <a:t/>
-              </a:r>
               <a:endParaRPr/>
             </a:p>
           </p:txBody>
@@ -5653,7 +5620,7 @@
             </a:xfrm>
             <a:prstGeom prst="diagStripe">
               <a:avLst>
-                <a:gd fmla="val 50000" name="adj"/>
+                <a:gd name="adj" fmla="val 50000"/>
               </a:avLst>
             </a:prstGeom>
             <a:solidFill>
@@ -5664,12 +5631,12 @@
             </a:ln>
           </p:spPr>
           <p:txBody>
-            <a:bodyPr anchorCtr="0" anchor="ctr" bIns="91425" lIns="91425" spcFirstLastPara="1" rIns="91425" wrap="square" tIns="91425">
+            <a:bodyPr spcFirstLastPara="1" wrap="square" lIns="91425" tIns="91425" rIns="91425" bIns="91425" anchor="ctr" anchorCtr="0">
               <a:noAutofit/>
             </a:bodyPr>
             <a:lstStyle/>
             <a:p>
-              <a:pPr indent="0" lvl="0" marL="0" rtl="0" algn="l">
+              <a:pPr marL="0" lvl="0" indent="0" algn="l" rtl="0">
                 <a:spcBef>
                   <a:spcPts val="0"/>
                 </a:spcBef>
@@ -5678,9 +5645,6 @@
                 </a:spcAft>
                 <a:buNone/>
               </a:pPr>
-              <a:r>
-                <a:t/>
-              </a:r>
               <a:endParaRPr/>
             </a:p>
           </p:txBody>
@@ -5689,7 +5653,9 @@
       <p:sp>
         <p:nvSpPr>
           <p:cNvPr id="60" name="Google Shape;60;p6"/>
-          <p:cNvSpPr txBox="1"/>
+          <p:cNvSpPr txBox="1">
+            <a:spLocks noGrp="1"/>
+          </p:cNvSpPr>
           <p:nvPr>
             <p:ph type="title"/>
           </p:nvPr>
@@ -5704,7 +5670,7 @@
           </a:prstGeom>
         </p:spPr>
         <p:txBody>
-          <a:bodyPr anchorCtr="0" anchor="t" bIns="91425" lIns="91425" spcFirstLastPara="1" rIns="91425" wrap="square" tIns="91425">
+          <a:bodyPr spcFirstLastPara="1" wrap="square" lIns="91425" tIns="91425" rIns="91425" bIns="91425" anchor="t" anchorCtr="0">
             <a:normAutofit/>
           </a:bodyPr>
           <a:lstStyle>
@@ -5808,15 +5774,19 @@
               <a:defRPr sz="2400"/>
             </a:lvl9pPr>
           </a:lstStyle>
-          <a:p/>
+          <a:p>
+            <a:endParaRPr/>
+          </a:p>
         </p:txBody>
       </p:sp>
       <p:sp>
         <p:nvSpPr>
           <p:cNvPr id="61" name="Google Shape;61;p6"/>
-          <p:cNvSpPr txBox="1"/>
+          <p:cNvSpPr txBox="1">
+            <a:spLocks noGrp="1"/>
+          </p:cNvSpPr>
           <p:nvPr>
-            <p:ph idx="12" type="sldNum"/>
+            <p:ph type="sldNum" idx="12"/>
           </p:nvPr>
         </p:nvSpPr>
         <p:spPr>
@@ -5829,7 +5799,7 @@
           </a:prstGeom>
         </p:spPr>
         <p:txBody>
-          <a:bodyPr anchorCtr="0" anchor="ctr" bIns="91425" lIns="91425" spcFirstLastPara="1" rIns="91425" wrap="square" tIns="91425">
+          <a:bodyPr spcFirstLastPara="1" wrap="square" lIns="91425" tIns="91425" rIns="91425" bIns="91425" anchor="ctr" anchorCtr="0">
             <a:normAutofit/>
           </a:bodyPr>
           <a:lstStyle>
@@ -5871,7 +5841,7 @@
             </a:lvl9pPr>
           </a:lstStyle>
           <a:p>
-            <a:pPr indent="0" lvl="0" marL="0" rtl="0" algn="r">
+            <a:pPr marL="0" lvl="0" indent="0" algn="r" rtl="0">
               <a:spcBef>
                 <a:spcPts val="0"/>
               </a:spcBef>
@@ -5897,11 +5867,11 @@
 </file>
 
 <file path=ppt/slideLayouts/slideLayout6.xml><?xml version="1.0" encoding="utf-8"?>
-<p:sldLayout xmlns:a="http://schemas.openxmlformats.org/drawingml/2006/main" xmlns:r="http://schemas.openxmlformats.org/officeDocument/2006/relationships" xmlns:mc="http://schemas.openxmlformats.org/markup-compatibility/2006" xmlns:mv="urn:schemas-microsoft-com:mac:vml" xmlns:p="http://schemas.openxmlformats.org/presentationml/2006/main" xmlns:c="http://schemas.openxmlformats.org/drawingml/2006/chart" xmlns:dgm="http://schemas.openxmlformats.org/drawingml/2006/diagram" xmlns:o="urn:schemas-microsoft-com:office:office" xmlns:v="urn:schemas-microsoft-com:vml" xmlns:pvml="urn:schemas-microsoft-com:office:powerpoint" xmlns:com="http://schemas.openxmlformats.org/drawingml/2006/compatibility" xmlns:p14="http://schemas.microsoft.com/office/powerpoint/2010/main" xmlns:p15="http://schemas.microsoft.com/office/powerpoint/2012/main" xmlns:ahyp="http://schemas.microsoft.com/office/drawing/2018/hyperlinkcolor" matchingName="One column text">
+<p:sldLayout xmlns:a="http://schemas.openxmlformats.org/drawingml/2006/main" xmlns:r="http://schemas.openxmlformats.org/officeDocument/2006/relationships" xmlns:p="http://schemas.openxmlformats.org/presentationml/2006/main" matchingName="One column text">
   <p:cSld name="ONE_COLUMN_TEXT">
     <p:spTree>
       <p:nvGrpSpPr>
-        <p:cNvPr id="62" name="Shape 62"/>
+        <p:cNvPr id="1" name="Shape 62"/>
         <p:cNvGrpSpPr/>
         <p:nvPr/>
       </p:nvGrpSpPr>
@@ -5940,7 +5910,7 @@
             </a:xfrm>
             <a:prstGeom prst="diagStripe">
               <a:avLst>
-                <a:gd fmla="val 50000" name="adj"/>
+                <a:gd name="adj" fmla="val 50000"/>
               </a:avLst>
             </a:prstGeom>
             <a:solidFill>
@@ -5951,12 +5921,12 @@
             </a:ln>
           </p:spPr>
           <p:txBody>
-            <a:bodyPr anchorCtr="0" anchor="ctr" bIns="91425" lIns="91425" spcFirstLastPara="1" rIns="91425" wrap="square" tIns="91425">
+            <a:bodyPr spcFirstLastPara="1" wrap="square" lIns="91425" tIns="91425" rIns="91425" bIns="91425" anchor="ctr" anchorCtr="0">
               <a:noAutofit/>
             </a:bodyPr>
             <a:lstStyle/>
             <a:p>
-              <a:pPr indent="0" lvl="0" marL="0" rtl="0" algn="l">
+              <a:pPr marL="0" lvl="0" indent="0" algn="l" rtl="0">
                 <a:spcBef>
                   <a:spcPts val="0"/>
                 </a:spcBef>
@@ -5965,9 +5935,6 @@
                 </a:spcAft>
                 <a:buNone/>
               </a:pPr>
-              <a:r>
-                <a:t/>
-              </a:r>
               <a:endParaRPr/>
             </a:p>
           </p:txBody>
@@ -5985,7 +5952,7 @@
             </a:xfrm>
             <a:prstGeom prst="diagStripe">
               <a:avLst>
-                <a:gd fmla="val 50000" name="adj"/>
+                <a:gd name="adj" fmla="val 50000"/>
               </a:avLst>
             </a:prstGeom>
             <a:solidFill>
@@ -5996,12 +5963,12 @@
             </a:ln>
           </p:spPr>
           <p:txBody>
-            <a:bodyPr anchorCtr="0" anchor="ctr" bIns="91425" lIns="91425" spcFirstLastPara="1" rIns="91425" wrap="square" tIns="91425">
+            <a:bodyPr spcFirstLastPara="1" wrap="square" lIns="91425" tIns="91425" rIns="91425" bIns="91425" anchor="ctr" anchorCtr="0">
               <a:noAutofit/>
             </a:bodyPr>
             <a:lstStyle/>
             <a:p>
-              <a:pPr indent="0" lvl="0" marL="0" rtl="0" algn="l">
+              <a:pPr marL="0" lvl="0" indent="0" algn="l" rtl="0">
                 <a:spcBef>
                   <a:spcPts val="0"/>
                 </a:spcBef>
@@ -6010,9 +5977,6 @@
                 </a:spcAft>
                 <a:buNone/>
               </a:pPr>
-              <a:r>
-                <a:t/>
-              </a:r>
               <a:endParaRPr/>
             </a:p>
           </p:txBody>
@@ -6021,7 +5985,9 @@
       <p:sp>
         <p:nvSpPr>
           <p:cNvPr id="66" name="Google Shape;66;p7"/>
-          <p:cNvSpPr txBox="1"/>
+          <p:cNvSpPr txBox="1">
+            <a:spLocks noGrp="1"/>
+          </p:cNvSpPr>
           <p:nvPr>
             <p:ph type="title"/>
           </p:nvPr>
@@ -6036,7 +6002,7 @@
           </a:prstGeom>
         </p:spPr>
         <p:txBody>
-          <a:bodyPr anchorCtr="0" anchor="t" bIns="91425" lIns="91425" spcFirstLastPara="1" rIns="91425" wrap="square" tIns="91425">
+          <a:bodyPr spcFirstLastPara="1" wrap="square" lIns="91425" tIns="91425" rIns="91425" bIns="91425" anchor="t" anchorCtr="0">
             <a:normAutofit/>
           </a:bodyPr>
           <a:lstStyle>
@@ -6140,15 +6106,19 @@
               <a:defRPr sz="2400"/>
             </a:lvl9pPr>
           </a:lstStyle>
-          <a:p/>
+          <a:p>
+            <a:endParaRPr/>
+          </a:p>
         </p:txBody>
       </p:sp>
       <p:sp>
         <p:nvSpPr>
           <p:cNvPr id="67" name="Google Shape;67;p7"/>
-          <p:cNvSpPr txBox="1"/>
+          <p:cNvSpPr txBox="1">
+            <a:spLocks noGrp="1"/>
+          </p:cNvSpPr>
           <p:nvPr>
-            <p:ph idx="1" type="body"/>
+            <p:ph type="body" idx="1"/>
           </p:nvPr>
         </p:nvSpPr>
         <p:spPr>
@@ -6161,11 +6131,11 @@
           </a:prstGeom>
         </p:spPr>
         <p:txBody>
-          <a:bodyPr anchorCtr="0" anchor="t" bIns="91425" lIns="91425" spcFirstLastPara="1" rIns="91425" wrap="square" tIns="91425">
+          <a:bodyPr spcFirstLastPara="1" wrap="square" lIns="91425" tIns="91425" rIns="91425" bIns="91425" anchor="t" anchorCtr="0">
             <a:normAutofit/>
           </a:bodyPr>
           <a:lstStyle>
-            <a:lvl1pPr indent="-311150" lvl="0" marL="457200">
+            <a:lvl1pPr marL="457200" lvl="0" indent="-311150">
               <a:spcBef>
                 <a:spcPts val="0"/>
               </a:spcBef>
@@ -6176,7 +6146,7 @@
               <a:buChar char="●"/>
               <a:defRPr/>
             </a:lvl1pPr>
-            <a:lvl2pPr indent="-298450" lvl="1" marL="914400">
+            <a:lvl2pPr marL="914400" lvl="1" indent="-298450">
               <a:spcBef>
                 <a:spcPts val="0"/>
               </a:spcBef>
@@ -6187,7 +6157,7 @@
               <a:buChar char="○"/>
               <a:defRPr/>
             </a:lvl2pPr>
-            <a:lvl3pPr indent="-298450" lvl="2" marL="1371600">
+            <a:lvl3pPr marL="1371600" lvl="2" indent="-298450">
               <a:spcBef>
                 <a:spcPts val="0"/>
               </a:spcBef>
@@ -6198,7 +6168,7 @@
               <a:buChar char="■"/>
               <a:defRPr/>
             </a:lvl3pPr>
-            <a:lvl4pPr indent="-298450" lvl="3" marL="1828800">
+            <a:lvl4pPr marL="1828800" lvl="3" indent="-298450">
               <a:spcBef>
                 <a:spcPts val="0"/>
               </a:spcBef>
@@ -6209,7 +6179,7 @@
               <a:buChar char="●"/>
               <a:defRPr/>
             </a:lvl4pPr>
-            <a:lvl5pPr indent="-298450" lvl="4" marL="2286000">
+            <a:lvl5pPr marL="2286000" lvl="4" indent="-298450">
               <a:spcBef>
                 <a:spcPts val="0"/>
               </a:spcBef>
@@ -6220,7 +6190,7 @@
               <a:buChar char="○"/>
               <a:defRPr/>
             </a:lvl5pPr>
-            <a:lvl6pPr indent="-298450" lvl="5" marL="2743200">
+            <a:lvl6pPr marL="2743200" lvl="5" indent="-298450">
               <a:spcBef>
                 <a:spcPts val="0"/>
               </a:spcBef>
@@ -6231,7 +6201,7 @@
               <a:buChar char="■"/>
               <a:defRPr/>
             </a:lvl6pPr>
-            <a:lvl7pPr indent="-298450" lvl="6" marL="3200400">
+            <a:lvl7pPr marL="3200400" lvl="6" indent="-298450">
               <a:spcBef>
                 <a:spcPts val="0"/>
               </a:spcBef>
@@ -6242,7 +6212,7 @@
               <a:buChar char="●"/>
               <a:defRPr/>
             </a:lvl7pPr>
-            <a:lvl8pPr indent="-298450" lvl="7" marL="3657600">
+            <a:lvl8pPr marL="3657600" lvl="7" indent="-298450">
               <a:spcBef>
                 <a:spcPts val="0"/>
               </a:spcBef>
@@ -6253,7 +6223,7 @@
               <a:buChar char="○"/>
               <a:defRPr/>
             </a:lvl8pPr>
-            <a:lvl9pPr indent="-298450" lvl="8" marL="4114800">
+            <a:lvl9pPr marL="4114800" lvl="8" indent="-298450">
               <a:spcBef>
                 <a:spcPts val="0"/>
               </a:spcBef>
@@ -6265,15 +6235,19 @@
               <a:defRPr/>
             </a:lvl9pPr>
           </a:lstStyle>
-          <a:p/>
+          <a:p>
+            <a:endParaRPr/>
+          </a:p>
         </p:txBody>
       </p:sp>
       <p:sp>
         <p:nvSpPr>
           <p:cNvPr id="68" name="Google Shape;68;p7"/>
-          <p:cNvSpPr txBox="1"/>
+          <p:cNvSpPr txBox="1">
+            <a:spLocks noGrp="1"/>
+          </p:cNvSpPr>
           <p:nvPr>
-            <p:ph idx="12" type="sldNum"/>
+            <p:ph type="sldNum" idx="12"/>
           </p:nvPr>
         </p:nvSpPr>
         <p:spPr>
@@ -6286,7 +6260,7 @@
           </a:prstGeom>
         </p:spPr>
         <p:txBody>
-          <a:bodyPr anchorCtr="0" anchor="ctr" bIns="91425" lIns="91425" spcFirstLastPara="1" rIns="91425" wrap="square" tIns="91425">
+          <a:bodyPr spcFirstLastPara="1" wrap="square" lIns="91425" tIns="91425" rIns="91425" bIns="91425" anchor="ctr" anchorCtr="0">
             <a:normAutofit/>
           </a:bodyPr>
           <a:lstStyle>
@@ -6328,7 +6302,7 @@
             </a:lvl9pPr>
           </a:lstStyle>
           <a:p>
-            <a:pPr indent="0" lvl="0" marL="0" rtl="0" algn="r">
+            <a:pPr marL="0" lvl="0" indent="0" algn="r" rtl="0">
               <a:spcBef>
                 <a:spcPts val="0"/>
               </a:spcBef>
@@ -6354,11 +6328,11 @@
 </file>
 
 <file path=ppt/slideLayouts/slideLayout7.xml><?xml version="1.0" encoding="utf-8"?>
-<p:sldLayout xmlns:a="http://schemas.openxmlformats.org/drawingml/2006/main" xmlns:r="http://schemas.openxmlformats.org/officeDocument/2006/relationships" xmlns:mc="http://schemas.openxmlformats.org/markup-compatibility/2006" xmlns:mv="urn:schemas-microsoft-com:mac:vml" xmlns:p="http://schemas.openxmlformats.org/presentationml/2006/main" xmlns:c="http://schemas.openxmlformats.org/drawingml/2006/chart" xmlns:dgm="http://schemas.openxmlformats.org/drawingml/2006/diagram" xmlns:o="urn:schemas-microsoft-com:office:office" xmlns:v="urn:schemas-microsoft-com:vml" xmlns:pvml="urn:schemas-microsoft-com:office:powerpoint" xmlns:com="http://schemas.openxmlformats.org/drawingml/2006/compatibility" xmlns:p14="http://schemas.microsoft.com/office/powerpoint/2010/main" xmlns:p15="http://schemas.microsoft.com/office/powerpoint/2012/main" xmlns:ahyp="http://schemas.microsoft.com/office/drawing/2018/hyperlinkcolor" matchingName="Main point">
+<p:sldLayout xmlns:a="http://schemas.openxmlformats.org/drawingml/2006/main" xmlns:r="http://schemas.openxmlformats.org/officeDocument/2006/relationships" xmlns:p="http://schemas.openxmlformats.org/presentationml/2006/main" matchingName="Main point">
   <p:cSld name="MAIN_POINT">
     <p:spTree>
       <p:nvGrpSpPr>
-        <p:cNvPr id="69" name="Shape 69"/>
+        <p:cNvPr id="1" name="Shape 69"/>
         <p:cNvGrpSpPr/>
         <p:nvPr/>
       </p:nvGrpSpPr>
@@ -6397,7 +6371,7 @@
             </a:xfrm>
             <a:prstGeom prst="diagStripe">
               <a:avLst>
-                <a:gd fmla="val 49469" name="adj"/>
+                <a:gd name="adj" fmla="val 49469"/>
               </a:avLst>
             </a:prstGeom>
             <a:solidFill>
@@ -6410,12 +6384,12 @@
             </a:ln>
           </p:spPr>
           <p:txBody>
-            <a:bodyPr anchorCtr="0" anchor="ctr" bIns="91425" lIns="91425" spcFirstLastPara="1" rIns="91425" wrap="square" tIns="91425">
+            <a:bodyPr spcFirstLastPara="1" wrap="square" lIns="91425" tIns="91425" rIns="91425" bIns="91425" anchor="ctr" anchorCtr="0">
               <a:noAutofit/>
             </a:bodyPr>
             <a:lstStyle/>
             <a:p>
-              <a:pPr indent="0" lvl="0" marL="0" rtl="0" algn="l">
+              <a:pPr marL="0" lvl="0" indent="0" algn="l" rtl="0">
                 <a:spcBef>
                   <a:spcPts val="0"/>
                 </a:spcBef>
@@ -6424,9 +6398,6 @@
                 </a:spcAft>
                 <a:buNone/>
               </a:pPr>
-              <a:r>
-                <a:t/>
-              </a:r>
               <a:endParaRPr/>
             </a:p>
           </p:txBody>
@@ -6444,7 +6415,7 @@
             </a:xfrm>
             <a:prstGeom prst="diagStripe">
               <a:avLst>
-                <a:gd fmla="val 0" name="adj"/>
+                <a:gd name="adj" fmla="val 0"/>
               </a:avLst>
             </a:prstGeom>
             <a:solidFill>
@@ -6457,12 +6428,12 @@
             </a:ln>
           </p:spPr>
           <p:txBody>
-            <a:bodyPr anchorCtr="0" anchor="ctr" bIns="91425" lIns="91425" spcFirstLastPara="1" rIns="91425" wrap="square" tIns="91425">
+            <a:bodyPr spcFirstLastPara="1" wrap="square" lIns="91425" tIns="91425" rIns="91425" bIns="91425" anchor="ctr" anchorCtr="0">
               <a:noAutofit/>
             </a:bodyPr>
             <a:lstStyle/>
             <a:p>
-              <a:pPr indent="0" lvl="0" marL="0" rtl="0" algn="l">
+              <a:pPr marL="0" lvl="0" indent="0" algn="l" rtl="0">
                 <a:spcBef>
                   <a:spcPts val="0"/>
                 </a:spcBef>
@@ -6471,9 +6442,6 @@
                 </a:spcAft>
                 <a:buNone/>
               </a:pPr>
-              <a:r>
-                <a:t/>
-              </a:r>
               <a:endParaRPr/>
             </a:p>
           </p:txBody>
@@ -6491,7 +6459,7 @@
             </a:xfrm>
             <a:prstGeom prst="diagStripe">
               <a:avLst>
-                <a:gd fmla="val 50000" name="adj"/>
+                <a:gd name="adj" fmla="val 50000"/>
               </a:avLst>
             </a:prstGeom>
             <a:solidFill>
@@ -6504,12 +6472,12 @@
             </a:ln>
           </p:spPr>
           <p:txBody>
-            <a:bodyPr anchorCtr="0" anchor="ctr" bIns="91425" lIns="91425" spcFirstLastPara="1" rIns="91425" wrap="square" tIns="91425">
+            <a:bodyPr spcFirstLastPara="1" wrap="square" lIns="91425" tIns="91425" rIns="91425" bIns="91425" anchor="ctr" anchorCtr="0">
               <a:noAutofit/>
             </a:bodyPr>
             <a:lstStyle/>
             <a:p>
-              <a:pPr indent="0" lvl="0" marL="0" rtl="0" algn="l">
+              <a:pPr marL="0" lvl="0" indent="0" algn="l" rtl="0">
                 <a:spcBef>
                   <a:spcPts val="0"/>
                 </a:spcBef>
@@ -6518,9 +6486,6 @@
                 </a:spcAft>
                 <a:buNone/>
               </a:pPr>
-              <a:r>
-                <a:t/>
-              </a:r>
               <a:endParaRPr/>
             </a:p>
           </p:txBody>
@@ -6538,7 +6503,7 @@
             </a:xfrm>
             <a:prstGeom prst="diagStripe">
               <a:avLst>
-                <a:gd fmla="val 50000" name="adj"/>
+                <a:gd name="adj" fmla="val 50000"/>
               </a:avLst>
             </a:prstGeom>
             <a:solidFill>
@@ -6551,12 +6516,12 @@
             </a:ln>
           </p:spPr>
           <p:txBody>
-            <a:bodyPr anchorCtr="0" anchor="ctr" bIns="91425" lIns="91425" spcFirstLastPara="1" rIns="91425" wrap="square" tIns="91425">
+            <a:bodyPr spcFirstLastPara="1" wrap="square" lIns="91425" tIns="91425" rIns="91425" bIns="91425" anchor="ctr" anchorCtr="0">
               <a:noAutofit/>
             </a:bodyPr>
             <a:lstStyle/>
             <a:p>
-              <a:pPr indent="0" lvl="0" marL="0" rtl="0" algn="l">
+              <a:pPr marL="0" lvl="0" indent="0" algn="l" rtl="0">
                 <a:spcBef>
                   <a:spcPts val="0"/>
                 </a:spcBef>
@@ -6565,9 +6530,6 @@
                 </a:spcAft>
                 <a:buNone/>
               </a:pPr>
-              <a:r>
-                <a:t/>
-              </a:r>
               <a:endParaRPr/>
             </a:p>
           </p:txBody>
@@ -6585,7 +6547,7 @@
             </a:xfrm>
             <a:prstGeom prst="diagStripe">
               <a:avLst>
-                <a:gd fmla="val 50000" name="adj"/>
+                <a:gd name="adj" fmla="val 50000"/>
               </a:avLst>
             </a:prstGeom>
             <a:solidFill>
@@ -6598,12 +6560,12 @@
             </a:ln>
           </p:spPr>
           <p:txBody>
-            <a:bodyPr anchorCtr="0" anchor="ctr" bIns="91425" lIns="91425" spcFirstLastPara="1" rIns="91425" wrap="square" tIns="91425">
+            <a:bodyPr spcFirstLastPara="1" wrap="square" lIns="91425" tIns="91425" rIns="91425" bIns="91425" anchor="ctr" anchorCtr="0">
               <a:noAutofit/>
             </a:bodyPr>
             <a:lstStyle/>
             <a:p>
-              <a:pPr indent="0" lvl="0" marL="0" rtl="0" algn="l">
+              <a:pPr marL="0" lvl="0" indent="0" algn="l" rtl="0">
                 <a:spcBef>
                   <a:spcPts val="0"/>
                 </a:spcBef>
@@ -6612,9 +6574,6 @@
                 </a:spcAft>
                 <a:buNone/>
               </a:pPr>
-              <a:r>
-                <a:t/>
-              </a:r>
               <a:endParaRPr/>
             </a:p>
           </p:txBody>
@@ -6632,7 +6591,7 @@
             </a:xfrm>
             <a:prstGeom prst="diagStripe">
               <a:avLst>
-                <a:gd fmla="val 50000" name="adj"/>
+                <a:gd name="adj" fmla="val 50000"/>
               </a:avLst>
             </a:prstGeom>
             <a:solidFill>
@@ -6645,12 +6604,12 @@
             </a:ln>
           </p:spPr>
           <p:txBody>
-            <a:bodyPr anchorCtr="0" anchor="ctr" bIns="91425" lIns="91425" spcFirstLastPara="1" rIns="91425" wrap="square" tIns="91425">
+            <a:bodyPr spcFirstLastPara="1" wrap="square" lIns="91425" tIns="91425" rIns="91425" bIns="91425" anchor="ctr" anchorCtr="0">
               <a:noAutofit/>
             </a:bodyPr>
             <a:lstStyle/>
             <a:p>
-              <a:pPr indent="0" lvl="0" marL="0" rtl="0" algn="l">
+              <a:pPr marL="0" lvl="0" indent="0" algn="l" rtl="0">
                 <a:spcBef>
                   <a:spcPts val="0"/>
                 </a:spcBef>
@@ -6659,9 +6618,6 @@
                 </a:spcAft>
                 <a:buNone/>
               </a:pPr>
-              <a:r>
-                <a:t/>
-              </a:r>
               <a:endParaRPr/>
             </a:p>
           </p:txBody>
@@ -6679,7 +6635,7 @@
             </a:xfrm>
             <a:prstGeom prst="diagStripe">
               <a:avLst>
-                <a:gd fmla="val 50000" name="adj"/>
+                <a:gd name="adj" fmla="val 50000"/>
               </a:avLst>
             </a:prstGeom>
             <a:solidFill>
@@ -6692,12 +6648,12 @@
             </a:ln>
           </p:spPr>
           <p:txBody>
-            <a:bodyPr anchorCtr="0" anchor="ctr" bIns="91425" lIns="91425" spcFirstLastPara="1" rIns="91425" wrap="square" tIns="91425">
+            <a:bodyPr spcFirstLastPara="1" wrap="square" lIns="91425" tIns="91425" rIns="91425" bIns="91425" anchor="ctr" anchorCtr="0">
               <a:noAutofit/>
             </a:bodyPr>
             <a:lstStyle/>
             <a:p>
-              <a:pPr indent="0" lvl="0" marL="0" rtl="0" algn="l">
+              <a:pPr marL="0" lvl="0" indent="0" algn="l" rtl="0">
                 <a:spcBef>
                   <a:spcPts val="0"/>
                 </a:spcBef>
@@ -6706,9 +6662,6 @@
                 </a:spcAft>
                 <a:buNone/>
               </a:pPr>
-              <a:r>
-                <a:t/>
-              </a:r>
               <a:endParaRPr/>
             </a:p>
           </p:txBody>
@@ -6726,7 +6679,7 @@
             </a:xfrm>
             <a:prstGeom prst="diagStripe">
               <a:avLst>
-                <a:gd fmla="val 50000" name="adj"/>
+                <a:gd name="adj" fmla="val 50000"/>
               </a:avLst>
             </a:prstGeom>
             <a:solidFill>
@@ -6737,12 +6690,12 @@
             </a:ln>
           </p:spPr>
           <p:txBody>
-            <a:bodyPr anchorCtr="0" anchor="ctr" bIns="91425" lIns="91425" spcFirstLastPara="1" rIns="91425" wrap="square" tIns="91425">
+            <a:bodyPr spcFirstLastPara="1" wrap="square" lIns="91425" tIns="91425" rIns="91425" bIns="91425" anchor="ctr" anchorCtr="0">
               <a:noAutofit/>
             </a:bodyPr>
             <a:lstStyle/>
             <a:p>
-              <a:pPr indent="0" lvl="0" marL="0" rtl="0" algn="l">
+              <a:pPr marL="0" lvl="0" indent="0" algn="l" rtl="0">
                 <a:spcBef>
                   <a:spcPts val="0"/>
                 </a:spcBef>
@@ -6751,9 +6704,6 @@
                 </a:spcAft>
                 <a:buNone/>
               </a:pPr>
-              <a:r>
-                <a:t/>
-              </a:r>
               <a:endParaRPr/>
             </a:p>
           </p:txBody>
@@ -6771,7 +6721,7 @@
             </a:xfrm>
             <a:prstGeom prst="diagStripe">
               <a:avLst>
-                <a:gd fmla="val 50000" name="adj"/>
+                <a:gd name="adj" fmla="val 50000"/>
               </a:avLst>
             </a:prstGeom>
             <a:solidFill>
@@ -6784,12 +6734,12 @@
             </a:ln>
           </p:spPr>
           <p:txBody>
-            <a:bodyPr anchorCtr="0" anchor="ctr" bIns="91425" lIns="91425" spcFirstLastPara="1" rIns="91425" wrap="square" tIns="91425">
+            <a:bodyPr spcFirstLastPara="1" wrap="square" lIns="91425" tIns="91425" rIns="91425" bIns="91425" anchor="ctr" anchorCtr="0">
               <a:noAutofit/>
             </a:bodyPr>
             <a:lstStyle/>
             <a:p>
-              <a:pPr indent="0" lvl="0" marL="0" rtl="0" algn="l">
+              <a:pPr marL="0" lvl="0" indent="0" algn="l" rtl="0">
                 <a:spcBef>
                   <a:spcPts val="0"/>
                 </a:spcBef>
@@ -6798,9 +6748,6 @@
                 </a:spcAft>
                 <a:buNone/>
               </a:pPr>
-              <a:r>
-                <a:t/>
-              </a:r>
               <a:endParaRPr/>
             </a:p>
           </p:txBody>
@@ -6818,7 +6765,7 @@
             </a:xfrm>
             <a:prstGeom prst="diagStripe">
               <a:avLst>
-                <a:gd fmla="val 50000" name="adj"/>
+                <a:gd name="adj" fmla="val 50000"/>
               </a:avLst>
             </a:prstGeom>
             <a:solidFill>
@@ -6831,12 +6778,12 @@
             </a:ln>
           </p:spPr>
           <p:txBody>
-            <a:bodyPr anchorCtr="0" anchor="ctr" bIns="91425" lIns="91425" spcFirstLastPara="1" rIns="91425" wrap="square" tIns="91425">
+            <a:bodyPr spcFirstLastPara="1" wrap="square" lIns="91425" tIns="91425" rIns="91425" bIns="91425" anchor="ctr" anchorCtr="0">
               <a:noAutofit/>
             </a:bodyPr>
             <a:lstStyle/>
             <a:p>
-              <a:pPr indent="0" lvl="0" marL="0" rtl="0" algn="l">
+              <a:pPr marL="0" lvl="0" indent="0" algn="l" rtl="0">
                 <a:spcBef>
                   <a:spcPts val="0"/>
                 </a:spcBef>
@@ -6845,9 +6792,6 @@
                 </a:spcAft>
                 <a:buNone/>
               </a:pPr>
-              <a:r>
-                <a:t/>
-              </a:r>
               <a:endParaRPr/>
             </a:p>
           </p:txBody>
@@ -6865,7 +6809,7 @@
             </a:xfrm>
             <a:prstGeom prst="diagStripe">
               <a:avLst>
-                <a:gd fmla="val 50000" name="adj"/>
+                <a:gd name="adj" fmla="val 50000"/>
               </a:avLst>
             </a:prstGeom>
             <a:solidFill>
@@ -6878,12 +6822,12 @@
             </a:ln>
           </p:spPr>
           <p:txBody>
-            <a:bodyPr anchorCtr="0" anchor="ctr" bIns="91425" lIns="91425" spcFirstLastPara="1" rIns="91425" wrap="square" tIns="91425">
+            <a:bodyPr spcFirstLastPara="1" wrap="square" lIns="91425" tIns="91425" rIns="91425" bIns="91425" anchor="ctr" anchorCtr="0">
               <a:noAutofit/>
             </a:bodyPr>
             <a:lstStyle/>
             <a:p>
-              <a:pPr indent="0" lvl="0" marL="0" rtl="0" algn="l">
+              <a:pPr marL="0" lvl="0" indent="0" algn="l" rtl="0">
                 <a:spcBef>
                   <a:spcPts val="0"/>
                 </a:spcBef>
@@ -6892,9 +6836,6 @@
                 </a:spcAft>
                 <a:buNone/>
               </a:pPr>
-              <a:r>
-                <a:t/>
-              </a:r>
               <a:endParaRPr/>
             </a:p>
           </p:txBody>
@@ -6912,7 +6853,7 @@
             </a:xfrm>
             <a:prstGeom prst="diagStripe">
               <a:avLst>
-                <a:gd fmla="val 50000" name="adj"/>
+                <a:gd name="adj" fmla="val 50000"/>
               </a:avLst>
             </a:prstGeom>
             <a:solidFill>
@@ -6925,12 +6866,12 @@
             </a:ln>
           </p:spPr>
           <p:txBody>
-            <a:bodyPr anchorCtr="0" anchor="ctr" bIns="91425" lIns="91425" spcFirstLastPara="1" rIns="91425" wrap="square" tIns="91425">
+            <a:bodyPr spcFirstLastPara="1" wrap="square" lIns="91425" tIns="91425" rIns="91425" bIns="91425" anchor="ctr" anchorCtr="0">
               <a:noAutofit/>
             </a:bodyPr>
             <a:lstStyle/>
             <a:p>
-              <a:pPr indent="0" lvl="0" marL="0" rtl="0" algn="l">
+              <a:pPr marL="0" lvl="0" indent="0" algn="l" rtl="0">
                 <a:spcBef>
                   <a:spcPts val="0"/>
                 </a:spcBef>
@@ -6939,9 +6880,6 @@
                 </a:spcAft>
                 <a:buNone/>
               </a:pPr>
-              <a:r>
-                <a:t/>
-              </a:r>
               <a:endParaRPr/>
             </a:p>
           </p:txBody>
@@ -6959,7 +6897,7 @@
             </a:xfrm>
             <a:prstGeom prst="diagStripe">
               <a:avLst>
-                <a:gd fmla="val 50000" name="adj"/>
+                <a:gd name="adj" fmla="val 50000"/>
               </a:avLst>
             </a:prstGeom>
             <a:solidFill>
@@ -6972,12 +6910,12 @@
             </a:ln>
           </p:spPr>
           <p:txBody>
-            <a:bodyPr anchorCtr="0" anchor="ctr" bIns="91425" lIns="91425" spcFirstLastPara="1" rIns="91425" wrap="square" tIns="91425">
+            <a:bodyPr spcFirstLastPara="1" wrap="square" lIns="91425" tIns="91425" rIns="91425" bIns="91425" anchor="ctr" anchorCtr="0">
               <a:noAutofit/>
             </a:bodyPr>
             <a:lstStyle/>
             <a:p>
-              <a:pPr indent="0" lvl="0" marL="0" rtl="0" algn="l">
+              <a:pPr marL="0" lvl="0" indent="0" algn="l" rtl="0">
                 <a:spcBef>
                   <a:spcPts val="0"/>
                 </a:spcBef>
@@ -6986,9 +6924,6 @@
                 </a:spcAft>
                 <a:buNone/>
               </a:pPr>
-              <a:r>
-                <a:t/>
-              </a:r>
               <a:endParaRPr/>
             </a:p>
           </p:txBody>
@@ -7006,7 +6941,7 @@
             </a:xfrm>
             <a:prstGeom prst="diagStripe">
               <a:avLst>
-                <a:gd fmla="val 50000" name="adj"/>
+                <a:gd name="adj" fmla="val 50000"/>
               </a:avLst>
             </a:prstGeom>
             <a:solidFill>
@@ -7017,12 +6952,12 @@
             </a:ln>
           </p:spPr>
           <p:txBody>
-            <a:bodyPr anchorCtr="0" anchor="ctr" bIns="91425" lIns="91425" spcFirstLastPara="1" rIns="91425" wrap="square" tIns="91425">
+            <a:bodyPr spcFirstLastPara="1" wrap="square" lIns="91425" tIns="91425" rIns="91425" bIns="91425" anchor="ctr" anchorCtr="0">
               <a:noAutofit/>
             </a:bodyPr>
             <a:lstStyle/>
             <a:p>
-              <a:pPr indent="0" lvl="0" marL="0" rtl="0" algn="l">
+              <a:pPr marL="0" lvl="0" indent="0" algn="l" rtl="0">
                 <a:spcBef>
                   <a:spcPts val="0"/>
                 </a:spcBef>
@@ -7031,9 +6966,6 @@
                 </a:spcAft>
                 <a:buNone/>
               </a:pPr>
-              <a:r>
-                <a:t/>
-              </a:r>
               <a:endParaRPr/>
             </a:p>
           </p:txBody>
@@ -7051,7 +6983,7 @@
             </a:xfrm>
             <a:prstGeom prst="diagStripe">
               <a:avLst>
-                <a:gd fmla="val 50000" name="adj"/>
+                <a:gd name="adj" fmla="val 50000"/>
               </a:avLst>
             </a:prstGeom>
             <a:solidFill>
@@ -7064,12 +6996,12 @@
             </a:ln>
           </p:spPr>
           <p:txBody>
-            <a:bodyPr anchorCtr="0" anchor="ctr" bIns="91425" lIns="91425" spcFirstLastPara="1" rIns="91425" wrap="square" tIns="91425">
+            <a:bodyPr spcFirstLastPara="1" wrap="square" lIns="91425" tIns="91425" rIns="91425" bIns="91425" anchor="ctr" anchorCtr="0">
               <a:noAutofit/>
             </a:bodyPr>
             <a:lstStyle/>
             <a:p>
-              <a:pPr indent="0" lvl="0" marL="0" rtl="0" algn="l">
+              <a:pPr marL="0" lvl="0" indent="0" algn="l" rtl="0">
                 <a:spcBef>
                   <a:spcPts val="0"/>
                 </a:spcBef>
@@ -7078,9 +7010,6 @@
                 </a:spcAft>
                 <a:buNone/>
               </a:pPr>
-              <a:r>
-                <a:t/>
-              </a:r>
               <a:endParaRPr/>
             </a:p>
           </p:txBody>
@@ -7098,7 +7027,7 @@
             </a:xfrm>
             <a:prstGeom prst="diagStripe">
               <a:avLst>
-                <a:gd fmla="val 50000" name="adj"/>
+                <a:gd name="adj" fmla="val 50000"/>
               </a:avLst>
             </a:prstGeom>
             <a:solidFill>
@@ -7111,12 +7040,12 @@
             </a:ln>
           </p:spPr>
           <p:txBody>
-            <a:bodyPr anchorCtr="0" anchor="ctr" bIns="91425" lIns="91425" spcFirstLastPara="1" rIns="91425" wrap="square" tIns="91425">
+            <a:bodyPr spcFirstLastPara="1" wrap="square" lIns="91425" tIns="91425" rIns="91425" bIns="91425" anchor="ctr" anchorCtr="0">
               <a:noAutofit/>
             </a:bodyPr>
             <a:lstStyle/>
             <a:p>
-              <a:pPr indent="0" lvl="0" marL="0" rtl="0" algn="l">
+              <a:pPr marL="0" lvl="0" indent="0" algn="l" rtl="0">
                 <a:spcBef>
                   <a:spcPts val="0"/>
                 </a:spcBef>
@@ -7125,9 +7054,6 @@
                 </a:spcAft>
                 <a:buNone/>
               </a:pPr>
-              <a:r>
-                <a:t/>
-              </a:r>
               <a:endParaRPr/>
             </a:p>
           </p:txBody>
@@ -7145,7 +7071,7 @@
             </a:xfrm>
             <a:prstGeom prst="diagStripe">
               <a:avLst>
-                <a:gd fmla="val 50000" name="adj"/>
+                <a:gd name="adj" fmla="val 50000"/>
               </a:avLst>
             </a:prstGeom>
             <a:solidFill>
@@ -7158,12 +7084,12 @@
             </a:ln>
           </p:spPr>
           <p:txBody>
-            <a:bodyPr anchorCtr="0" anchor="ctr" bIns="91425" lIns="91425" spcFirstLastPara="1" rIns="91425" wrap="square" tIns="91425">
+            <a:bodyPr spcFirstLastPara="1" wrap="square" lIns="91425" tIns="91425" rIns="91425" bIns="91425" anchor="ctr" anchorCtr="0">
               <a:noAutofit/>
             </a:bodyPr>
             <a:lstStyle/>
             <a:p>
-              <a:pPr indent="0" lvl="0" marL="0" rtl="0" algn="l">
+              <a:pPr marL="0" lvl="0" indent="0" algn="l" rtl="0">
                 <a:spcBef>
                   <a:spcPts val="0"/>
                 </a:spcBef>
@@ -7172,9 +7098,6 @@
                 </a:spcAft>
                 <a:buNone/>
               </a:pPr>
-              <a:r>
-                <a:t/>
-              </a:r>
               <a:endParaRPr/>
             </a:p>
           </p:txBody>
@@ -7192,7 +7115,7 @@
             </a:xfrm>
             <a:prstGeom prst="diagStripe">
               <a:avLst>
-                <a:gd fmla="val 50000" name="adj"/>
+                <a:gd name="adj" fmla="val 50000"/>
               </a:avLst>
             </a:prstGeom>
             <a:solidFill>
@@ -7205,12 +7128,12 @@
             </a:ln>
           </p:spPr>
           <p:txBody>
-            <a:bodyPr anchorCtr="0" anchor="ctr" bIns="91425" lIns="91425" spcFirstLastPara="1" rIns="91425" wrap="square" tIns="91425">
+            <a:bodyPr spcFirstLastPara="1" wrap="square" lIns="91425" tIns="91425" rIns="91425" bIns="91425" anchor="ctr" anchorCtr="0">
               <a:noAutofit/>
             </a:bodyPr>
             <a:lstStyle/>
             <a:p>
-              <a:pPr indent="0" lvl="0" marL="0" rtl="0" algn="l">
+              <a:pPr marL="0" lvl="0" indent="0" algn="l" rtl="0">
                 <a:spcBef>
                   <a:spcPts val="0"/>
                 </a:spcBef>
@@ -7219,9 +7142,6 @@
                 </a:spcAft>
                 <a:buNone/>
               </a:pPr>
-              <a:r>
-                <a:t/>
-              </a:r>
               <a:endParaRPr/>
             </a:p>
           </p:txBody>
@@ -7230,7 +7150,9 @@
       <p:sp>
         <p:nvSpPr>
           <p:cNvPr id="89" name="Google Shape;89;p8"/>
-          <p:cNvSpPr txBox="1"/>
+          <p:cNvSpPr txBox="1">
+            <a:spLocks noGrp="1"/>
+          </p:cNvSpPr>
           <p:nvPr>
             <p:ph type="title"/>
           </p:nvPr>
@@ -7245,7 +7167,7 @@
           </a:prstGeom>
         </p:spPr>
         <p:txBody>
-          <a:bodyPr anchorCtr="0" anchor="ctr" bIns="91425" lIns="91425" spcFirstLastPara="1" rIns="91425" wrap="square" tIns="91425">
+          <a:bodyPr spcFirstLastPara="1" wrap="square" lIns="91425" tIns="91425" rIns="91425" bIns="91425" anchor="ctr" anchorCtr="0">
             <a:normAutofit/>
           </a:bodyPr>
           <a:lstStyle>
@@ -7349,15 +7271,19 @@
               <a:defRPr/>
             </a:lvl9pPr>
           </a:lstStyle>
-          <a:p/>
+          <a:p>
+            <a:endParaRPr/>
+          </a:p>
         </p:txBody>
       </p:sp>
       <p:sp>
         <p:nvSpPr>
           <p:cNvPr id="90" name="Google Shape;90;p8"/>
-          <p:cNvSpPr txBox="1"/>
+          <p:cNvSpPr txBox="1">
+            <a:spLocks noGrp="1"/>
+          </p:cNvSpPr>
           <p:nvPr>
-            <p:ph idx="12" type="sldNum"/>
+            <p:ph type="sldNum" idx="12"/>
           </p:nvPr>
         </p:nvSpPr>
         <p:spPr>
@@ -7370,7 +7296,7 @@
           </a:prstGeom>
         </p:spPr>
         <p:txBody>
-          <a:bodyPr anchorCtr="0" anchor="ctr" bIns="91425" lIns="91425" spcFirstLastPara="1" rIns="91425" wrap="square" tIns="91425">
+          <a:bodyPr spcFirstLastPara="1" wrap="square" lIns="91425" tIns="91425" rIns="91425" bIns="91425" anchor="ctr" anchorCtr="0">
             <a:normAutofit/>
           </a:bodyPr>
           <a:lstStyle>
@@ -7412,7 +7338,7 @@
             </a:lvl9pPr>
           </a:lstStyle>
           <a:p>
-            <a:pPr indent="0" lvl="0" marL="0" rtl="0" algn="r">
+            <a:pPr marL="0" lvl="0" indent="0" algn="r" rtl="0">
               <a:spcBef>
                 <a:spcPts val="0"/>
               </a:spcBef>
@@ -7438,11 +7364,11 @@
 </file>
 
 <file path=ppt/slideLayouts/slideLayout8.xml><?xml version="1.0" encoding="utf-8"?>
-<p:sldLayout xmlns:a="http://schemas.openxmlformats.org/drawingml/2006/main" xmlns:r="http://schemas.openxmlformats.org/officeDocument/2006/relationships" xmlns:mc="http://schemas.openxmlformats.org/markup-compatibility/2006" xmlns:mv="urn:schemas-microsoft-com:mac:vml" xmlns:p="http://schemas.openxmlformats.org/presentationml/2006/main" xmlns:c="http://schemas.openxmlformats.org/drawingml/2006/chart" xmlns:dgm="http://schemas.openxmlformats.org/drawingml/2006/diagram" xmlns:o="urn:schemas-microsoft-com:office:office" xmlns:v="urn:schemas-microsoft-com:vml" xmlns:pvml="urn:schemas-microsoft-com:office:powerpoint" xmlns:com="http://schemas.openxmlformats.org/drawingml/2006/compatibility" xmlns:p14="http://schemas.microsoft.com/office/powerpoint/2010/main" xmlns:p15="http://schemas.microsoft.com/office/powerpoint/2012/main" xmlns:ahyp="http://schemas.microsoft.com/office/drawing/2018/hyperlinkcolor" matchingName="Section title and description">
+<p:sldLayout xmlns:a="http://schemas.openxmlformats.org/drawingml/2006/main" xmlns:r="http://schemas.openxmlformats.org/officeDocument/2006/relationships" xmlns:p="http://schemas.openxmlformats.org/presentationml/2006/main" matchingName="Section title and description">
   <p:cSld name="SECTION_TITLE_AND_DESCRIPTION">
     <p:spTree>
       <p:nvGrpSpPr>
-        <p:cNvPr id="91" name="Shape 91"/>
+        <p:cNvPr id="1" name="Shape 91"/>
         <p:cNvGrpSpPr/>
         <p:nvPr/>
       </p:nvGrpSpPr>
@@ -7481,7 +7407,7 @@
             </a:xfrm>
             <a:prstGeom prst="diagStripe">
               <a:avLst>
-                <a:gd fmla="val 50000" name="adj"/>
+                <a:gd name="adj" fmla="val 50000"/>
               </a:avLst>
             </a:prstGeom>
             <a:solidFill>
@@ -7492,12 +7418,12 @@
             </a:ln>
           </p:spPr>
           <p:txBody>
-            <a:bodyPr anchorCtr="0" anchor="ctr" bIns="91425" lIns="91425" spcFirstLastPara="1" rIns="91425" wrap="square" tIns="91425">
+            <a:bodyPr spcFirstLastPara="1" wrap="square" lIns="91425" tIns="91425" rIns="91425" bIns="91425" anchor="ctr" anchorCtr="0">
               <a:noAutofit/>
             </a:bodyPr>
             <a:lstStyle/>
             <a:p>
-              <a:pPr indent="0" lvl="0" marL="0" rtl="0" algn="l">
+              <a:pPr marL="0" lvl="0" indent="0" algn="l" rtl="0">
                 <a:spcBef>
                   <a:spcPts val="0"/>
                 </a:spcBef>
@@ -7506,9 +7432,6 @@
                 </a:spcAft>
                 <a:buNone/>
               </a:pPr>
-              <a:r>
-                <a:t/>
-              </a:r>
               <a:endParaRPr/>
             </a:p>
           </p:txBody>
@@ -7526,7 +7449,7 @@
             </a:xfrm>
             <a:prstGeom prst="diagStripe">
               <a:avLst>
-                <a:gd fmla="val 50000" name="adj"/>
+                <a:gd name="adj" fmla="val 50000"/>
               </a:avLst>
             </a:prstGeom>
             <a:solidFill>
@@ -7537,12 +7460,12 @@
             </a:ln>
           </p:spPr>
           <p:txBody>
-            <a:bodyPr anchorCtr="0" anchor="ctr" bIns="91425" lIns="91425" spcFirstLastPara="1" rIns="91425" wrap="square" tIns="91425">
+            <a:bodyPr spcFirstLastPara="1" wrap="square" lIns="91425" tIns="91425" rIns="91425" bIns="91425" anchor="ctr" anchorCtr="0">
               <a:noAutofit/>
             </a:bodyPr>
             <a:lstStyle/>
             <a:p>
-              <a:pPr indent="0" lvl="0" marL="0" rtl="0" algn="l">
+              <a:pPr marL="0" lvl="0" indent="0" algn="l" rtl="0">
                 <a:spcBef>
                   <a:spcPts val="0"/>
                 </a:spcBef>
@@ -7551,9 +7474,6 @@
                 </a:spcAft>
                 <a:buNone/>
               </a:pPr>
-              <a:r>
-                <a:t/>
-              </a:r>
               <a:endParaRPr/>
             </a:p>
           </p:txBody>
@@ -7562,7 +7482,9 @@
       <p:sp>
         <p:nvSpPr>
           <p:cNvPr id="95" name="Google Shape;95;p9"/>
-          <p:cNvSpPr txBox="1"/>
+          <p:cNvSpPr txBox="1">
+            <a:spLocks noGrp="1"/>
+          </p:cNvSpPr>
           <p:nvPr>
             <p:ph type="title"/>
           </p:nvPr>
@@ -7577,7 +7499,7 @@
           </a:prstGeom>
         </p:spPr>
         <p:txBody>
-          <a:bodyPr anchorCtr="0" anchor="t" bIns="91425" lIns="91425" spcFirstLastPara="1" rIns="91425" wrap="square" tIns="91425">
+          <a:bodyPr spcFirstLastPara="1" wrap="square" lIns="91425" tIns="91425" rIns="91425" bIns="91425" anchor="t" anchorCtr="0">
             <a:normAutofit/>
           </a:bodyPr>
           <a:lstStyle>
@@ -7681,15 +7603,19 @@
               <a:defRPr sz="2400"/>
             </a:lvl9pPr>
           </a:lstStyle>
-          <a:p/>
+          <a:p>
+            <a:endParaRPr/>
+          </a:p>
         </p:txBody>
       </p:sp>
       <p:sp>
         <p:nvSpPr>
           <p:cNvPr id="96" name="Google Shape;96;p9"/>
-          <p:cNvSpPr txBox="1"/>
+          <p:cNvSpPr txBox="1">
+            <a:spLocks noGrp="1"/>
+          </p:cNvSpPr>
           <p:nvPr>
-            <p:ph idx="1" type="subTitle"/>
+            <p:ph type="subTitle" idx="1"/>
           </p:nvPr>
         </p:nvSpPr>
         <p:spPr>
@@ -7702,7 +7628,7 @@
           </a:prstGeom>
         </p:spPr>
         <p:txBody>
-          <a:bodyPr anchorCtr="0" anchor="t" bIns="91425" lIns="91425" spcFirstLastPara="1" rIns="91425" wrap="square" tIns="91425">
+          <a:bodyPr spcFirstLastPara="1" wrap="square" lIns="91425" tIns="91425" rIns="91425" bIns="91425" anchor="t" anchorCtr="0">
             <a:normAutofit/>
           </a:bodyPr>
           <a:lstStyle>
@@ -7833,15 +7759,19 @@
               <a:defRPr sz="1300"/>
             </a:lvl9pPr>
           </a:lstStyle>
-          <a:p/>
+          <a:p>
+            <a:endParaRPr/>
+          </a:p>
         </p:txBody>
       </p:sp>
       <p:sp>
         <p:nvSpPr>
           <p:cNvPr id="97" name="Google Shape;97;p9"/>
-          <p:cNvSpPr txBox="1"/>
+          <p:cNvSpPr txBox="1">
+            <a:spLocks noGrp="1"/>
+          </p:cNvSpPr>
           <p:nvPr>
-            <p:ph idx="2" type="body"/>
+            <p:ph type="body" idx="2"/>
           </p:nvPr>
         </p:nvSpPr>
         <p:spPr>
@@ -7854,11 +7784,11 @@
           </a:prstGeom>
         </p:spPr>
         <p:txBody>
-          <a:bodyPr anchorCtr="0" anchor="t" bIns="91425" lIns="91425" spcFirstLastPara="1" rIns="91425" wrap="square" tIns="91425">
+          <a:bodyPr spcFirstLastPara="1" wrap="square" lIns="91425" tIns="91425" rIns="91425" bIns="91425" anchor="t" anchorCtr="0">
             <a:normAutofit/>
           </a:bodyPr>
           <a:lstStyle>
-            <a:lvl1pPr indent="-311150" lvl="0" marL="457200">
+            <a:lvl1pPr marL="457200" lvl="0" indent="-311150">
               <a:spcBef>
                 <a:spcPts val="0"/>
               </a:spcBef>
@@ -7869,7 +7799,7 @@
               <a:buChar char="●"/>
               <a:defRPr/>
             </a:lvl1pPr>
-            <a:lvl2pPr indent="-298450" lvl="1" marL="914400">
+            <a:lvl2pPr marL="914400" lvl="1" indent="-298450">
               <a:spcBef>
                 <a:spcPts val="0"/>
               </a:spcBef>
@@ -7880,7 +7810,7 @@
               <a:buChar char="○"/>
               <a:defRPr/>
             </a:lvl2pPr>
-            <a:lvl3pPr indent="-298450" lvl="2" marL="1371600">
+            <a:lvl3pPr marL="1371600" lvl="2" indent="-298450">
               <a:spcBef>
                 <a:spcPts val="0"/>
               </a:spcBef>
@@ -7891,7 +7821,7 @@
               <a:buChar char="■"/>
               <a:defRPr/>
             </a:lvl3pPr>
-            <a:lvl4pPr indent="-298450" lvl="3" marL="1828800">
+            <a:lvl4pPr marL="1828800" lvl="3" indent="-298450">
               <a:spcBef>
                 <a:spcPts val="0"/>
               </a:spcBef>
@@ -7902,7 +7832,7 @@
               <a:buChar char="●"/>
               <a:defRPr/>
             </a:lvl4pPr>
-            <a:lvl5pPr indent="-298450" lvl="4" marL="2286000">
+            <a:lvl5pPr marL="2286000" lvl="4" indent="-298450">
               <a:spcBef>
                 <a:spcPts val="0"/>
               </a:spcBef>
@@ -7913,7 +7843,7 @@
               <a:buChar char="○"/>
               <a:defRPr/>
             </a:lvl5pPr>
-            <a:lvl6pPr indent="-298450" lvl="5" marL="2743200">
+            <a:lvl6pPr marL="2743200" lvl="5" indent="-298450">
               <a:spcBef>
                 <a:spcPts val="0"/>
               </a:spcBef>
@@ -7924,7 +7854,7 @@
               <a:buChar char="■"/>
               <a:defRPr/>
             </a:lvl6pPr>
-            <a:lvl7pPr indent="-298450" lvl="6" marL="3200400">
+            <a:lvl7pPr marL="3200400" lvl="6" indent="-298450">
               <a:spcBef>
                 <a:spcPts val="0"/>
               </a:spcBef>
@@ -7935,7 +7865,7 @@
               <a:buChar char="●"/>
               <a:defRPr/>
             </a:lvl7pPr>
-            <a:lvl8pPr indent="-298450" lvl="7" marL="3657600">
+            <a:lvl8pPr marL="3657600" lvl="7" indent="-298450">
               <a:spcBef>
                 <a:spcPts val="0"/>
               </a:spcBef>
@@ -7946,7 +7876,7 @@
               <a:buChar char="○"/>
               <a:defRPr/>
             </a:lvl8pPr>
-            <a:lvl9pPr indent="-298450" lvl="8" marL="4114800">
+            <a:lvl9pPr marL="4114800" lvl="8" indent="-298450">
               <a:spcBef>
                 <a:spcPts val="0"/>
               </a:spcBef>
@@ -7958,15 +7888,19 @@
               <a:defRPr/>
             </a:lvl9pPr>
           </a:lstStyle>
-          <a:p/>
+          <a:p>
+            <a:endParaRPr/>
+          </a:p>
         </p:txBody>
       </p:sp>
       <p:sp>
         <p:nvSpPr>
           <p:cNvPr id="98" name="Google Shape;98;p9"/>
-          <p:cNvSpPr txBox="1"/>
+          <p:cNvSpPr txBox="1">
+            <a:spLocks noGrp="1"/>
+          </p:cNvSpPr>
           <p:nvPr>
-            <p:ph idx="12" type="sldNum"/>
+            <p:ph type="sldNum" idx="12"/>
           </p:nvPr>
         </p:nvSpPr>
         <p:spPr>
@@ -7979,7 +7913,7 @@
           </a:prstGeom>
         </p:spPr>
         <p:txBody>
-          <a:bodyPr anchorCtr="0" anchor="ctr" bIns="91425" lIns="91425" spcFirstLastPara="1" rIns="91425" wrap="square" tIns="91425">
+          <a:bodyPr spcFirstLastPara="1" wrap="square" lIns="91425" tIns="91425" rIns="91425" bIns="91425" anchor="ctr" anchorCtr="0">
             <a:normAutofit/>
           </a:bodyPr>
           <a:lstStyle>
@@ -8021,7 +7955,7 @@
             </a:lvl9pPr>
           </a:lstStyle>
           <a:p>
-            <a:pPr indent="0" lvl="0" marL="0" rtl="0" algn="r">
+            <a:pPr marL="0" lvl="0" indent="0" algn="r" rtl="0">
               <a:spcBef>
                 <a:spcPts val="0"/>
               </a:spcBef>
@@ -8047,11 +7981,11 @@
 </file>
 
 <file path=ppt/slideLayouts/slideLayout9.xml><?xml version="1.0" encoding="utf-8"?>
-<p:sldLayout xmlns:a="http://schemas.openxmlformats.org/drawingml/2006/main" xmlns:r="http://schemas.openxmlformats.org/officeDocument/2006/relationships" xmlns:mc="http://schemas.openxmlformats.org/markup-compatibility/2006" xmlns:mv="urn:schemas-microsoft-com:mac:vml" xmlns:p="http://schemas.openxmlformats.org/presentationml/2006/main" xmlns:c="http://schemas.openxmlformats.org/drawingml/2006/chart" xmlns:dgm="http://schemas.openxmlformats.org/drawingml/2006/diagram" xmlns:o="urn:schemas-microsoft-com:office:office" xmlns:v="urn:schemas-microsoft-com:vml" xmlns:pvml="urn:schemas-microsoft-com:office:powerpoint" xmlns:com="http://schemas.openxmlformats.org/drawingml/2006/compatibility" xmlns:p14="http://schemas.microsoft.com/office/powerpoint/2010/main" xmlns:p15="http://schemas.microsoft.com/office/powerpoint/2012/main" xmlns:ahyp="http://schemas.microsoft.com/office/drawing/2018/hyperlinkcolor" matchingName="Caption">
+<p:sldLayout xmlns:a="http://schemas.openxmlformats.org/drawingml/2006/main" xmlns:r="http://schemas.openxmlformats.org/officeDocument/2006/relationships" xmlns:p="http://schemas.openxmlformats.org/presentationml/2006/main" matchingName="Caption">
   <p:cSld name="CAPTION_ONLY">
     <p:spTree>
       <p:nvGrpSpPr>
-        <p:cNvPr id="99" name="Shape 99"/>
+        <p:cNvPr id="1" name="Shape 99"/>
         <p:cNvGrpSpPr/>
         <p:nvPr/>
       </p:nvGrpSpPr>
@@ -8090,7 +8024,7 @@
             </a:xfrm>
             <a:prstGeom prst="diagStripe">
               <a:avLst>
-                <a:gd fmla="val 50000" name="adj"/>
+                <a:gd name="adj" fmla="val 50000"/>
               </a:avLst>
             </a:prstGeom>
             <a:solidFill>
@@ -8103,12 +8037,12 @@
             </a:ln>
           </p:spPr>
           <p:txBody>
-            <a:bodyPr anchorCtr="0" anchor="ctr" bIns="91425" lIns="91425" spcFirstLastPara="1" rIns="91425" wrap="square" tIns="91425">
+            <a:bodyPr spcFirstLastPara="1" wrap="square" lIns="91425" tIns="91425" rIns="91425" bIns="91425" anchor="ctr" anchorCtr="0">
               <a:noAutofit/>
             </a:bodyPr>
             <a:lstStyle/>
             <a:p>
-              <a:pPr indent="0" lvl="0" marL="0" rtl="0" algn="l">
+              <a:pPr marL="0" lvl="0" indent="0" algn="l" rtl="0">
                 <a:spcBef>
                   <a:spcPts val="0"/>
                 </a:spcBef>
@@ -8117,9 +8051,6 @@
                 </a:spcAft>
                 <a:buNone/>
               </a:pPr>
-              <a:r>
-                <a:t/>
-              </a:r>
               <a:endParaRPr/>
             </a:p>
           </p:txBody>
@@ -8137,7 +8068,7 @@
             </a:xfrm>
             <a:prstGeom prst="diagStripe">
               <a:avLst>
-                <a:gd fmla="val 50000" name="adj"/>
+                <a:gd name="adj" fmla="val 50000"/>
               </a:avLst>
             </a:prstGeom>
             <a:solidFill>
@@ -8150,12 +8081,12 @@
             </a:ln>
           </p:spPr>
           <p:txBody>
-            <a:bodyPr anchorCtr="0" anchor="ctr" bIns="91425" lIns="91425" spcFirstLastPara="1" rIns="91425" wrap="square" tIns="91425">
+            <a:bodyPr spcFirstLastPara="1" wrap="square" lIns="91425" tIns="91425" rIns="91425" bIns="91425" anchor="ctr" anchorCtr="0">
               <a:noAutofit/>
             </a:bodyPr>
             <a:lstStyle/>
             <a:p>
-              <a:pPr indent="0" lvl="0" marL="0" rtl="0" algn="l">
+              <a:pPr marL="0" lvl="0" indent="0" algn="l" rtl="0">
                 <a:spcBef>
                   <a:spcPts val="0"/>
                 </a:spcBef>
@@ -8164,9 +8095,6 @@
                 </a:spcAft>
                 <a:buNone/>
               </a:pPr>
-              <a:r>
-                <a:t/>
-              </a:r>
               <a:endParaRPr/>
             </a:p>
           </p:txBody>
@@ -8175,9 +8103,11 @@
       <p:sp>
         <p:nvSpPr>
           <p:cNvPr id="103" name="Google Shape;103;p10"/>
-          <p:cNvSpPr txBox="1"/>
+          <p:cNvSpPr txBox="1">
+            <a:spLocks noGrp="1"/>
+          </p:cNvSpPr>
           <p:nvPr>
-            <p:ph idx="1" type="body"/>
+            <p:ph type="body" idx="1"/>
           </p:nvPr>
         </p:nvSpPr>
         <p:spPr>
@@ -8190,11 +8120,11 @@
           </a:prstGeom>
         </p:spPr>
         <p:txBody>
-          <a:bodyPr anchorCtr="0" anchor="ctr" bIns="91425" lIns="91425" spcFirstLastPara="1" rIns="91425" wrap="square" tIns="91425">
+          <a:bodyPr spcFirstLastPara="1" wrap="square" lIns="91425" tIns="91425" rIns="91425" bIns="91425" anchor="ctr" anchorCtr="0">
             <a:normAutofit/>
           </a:bodyPr>
           <a:lstStyle>
-            <a:lvl1pPr indent="-228600" lvl="0" marL="457200">
+            <a:lvl1pPr marL="457200" lvl="0" indent="-228600">
               <a:lnSpc>
                 <a:spcPct val="100000"/>
               </a:lnSpc>
@@ -8209,15 +8139,19 @@
               <a:defRPr/>
             </a:lvl1pPr>
           </a:lstStyle>
-          <a:p/>
+          <a:p>
+            <a:endParaRPr/>
+          </a:p>
         </p:txBody>
       </p:sp>
       <p:sp>
         <p:nvSpPr>
           <p:cNvPr id="104" name="Google Shape;104;p10"/>
-          <p:cNvSpPr txBox="1"/>
+          <p:cNvSpPr txBox="1">
+            <a:spLocks noGrp="1"/>
+          </p:cNvSpPr>
           <p:nvPr>
-            <p:ph idx="12" type="sldNum"/>
+            <p:ph type="sldNum" idx="12"/>
           </p:nvPr>
         </p:nvSpPr>
         <p:spPr>
@@ -8230,7 +8164,7 @@
           </a:prstGeom>
         </p:spPr>
         <p:txBody>
-          <a:bodyPr anchorCtr="0" anchor="ctr" bIns="91425" lIns="91425" spcFirstLastPara="1" rIns="91425" wrap="square" tIns="91425">
+          <a:bodyPr spcFirstLastPara="1" wrap="square" lIns="91425" tIns="91425" rIns="91425" bIns="91425" anchor="ctr" anchorCtr="0">
             <a:normAutofit/>
           </a:bodyPr>
           <a:lstStyle>
@@ -8272,7 +8206,7 @@
             </a:lvl9pPr>
           </a:lstStyle>
           <a:p>
-            <a:pPr indent="0" lvl="0" marL="0" rtl="0" algn="r">
+            <a:pPr marL="0" lvl="0" indent="0" algn="r" rtl="0">
               <a:spcBef>
                 <a:spcPts val="0"/>
               </a:spcBef>
@@ -8298,18 +8232,19 @@
 </file>
 
 <file path=ppt/slideMasters/slideMaster1.xml><?xml version="1.0" encoding="utf-8"?>
-<p:sldMaster xmlns:a="http://schemas.openxmlformats.org/drawingml/2006/main" xmlns:r="http://schemas.openxmlformats.org/officeDocument/2006/relationships" xmlns:mc="http://schemas.openxmlformats.org/markup-compatibility/2006" xmlns:mv="urn:schemas-microsoft-com:mac:vml" xmlns:p="http://schemas.openxmlformats.org/presentationml/2006/main" xmlns:c="http://schemas.openxmlformats.org/drawingml/2006/chart" xmlns:dgm="http://schemas.openxmlformats.org/drawingml/2006/diagram" xmlns:o="urn:schemas-microsoft-com:office:office" xmlns:v="urn:schemas-microsoft-com:vml" xmlns:pvml="urn:schemas-microsoft-com:office:powerpoint" xmlns:com="http://schemas.openxmlformats.org/drawingml/2006/compatibility" xmlns:p14="http://schemas.microsoft.com/office/powerpoint/2010/main" xmlns:p15="http://schemas.microsoft.com/office/powerpoint/2012/main" xmlns:ahyp="http://schemas.microsoft.com/office/drawing/2018/hyperlinkcolor">
+<p:sldMaster xmlns:a="http://schemas.openxmlformats.org/drawingml/2006/main" xmlns:r="http://schemas.openxmlformats.org/officeDocument/2006/relationships" xmlns:p="http://schemas.openxmlformats.org/presentationml/2006/main">
   <p:cSld name="focus">
     <p:bg>
       <p:bgPr>
         <a:solidFill>
           <a:schemeClr val="dk1"/>
         </a:solidFill>
+        <a:effectLst/>
       </p:bgPr>
     </p:bg>
     <p:spTree>
       <p:nvGrpSpPr>
-        <p:cNvPr id="5" name="Shape 5"/>
+        <p:cNvPr id="1" name="Shape 5"/>
         <p:cNvGrpSpPr/>
         <p:nvPr/>
       </p:nvGrpSpPr>
@@ -8324,7 +8259,9 @@
       <p:sp>
         <p:nvSpPr>
           <p:cNvPr id="6" name="Google Shape;6;p1"/>
-          <p:cNvSpPr txBox="1"/>
+          <p:cNvSpPr txBox="1">
+            <a:spLocks noGrp="1"/>
+          </p:cNvSpPr>
           <p:nvPr>
             <p:ph type="title"/>
           </p:nvPr>
@@ -8343,7 +8280,7 @@
           </a:ln>
         </p:spPr>
         <p:txBody>
-          <a:bodyPr anchorCtr="0" anchor="t" bIns="91425" lIns="91425" spcFirstLastPara="1" rIns="91425" wrap="square" tIns="91425">
+          <a:bodyPr spcFirstLastPara="1" wrap="square" lIns="91425" tIns="91425" rIns="91425" bIns="91425" anchor="t" anchorCtr="0">
             <a:normAutofit/>
           </a:bodyPr>
           <a:lstStyle>
@@ -8555,15 +8492,19 @@
               </a:defRPr>
             </a:lvl9pPr>
           </a:lstStyle>
-          <a:p/>
+          <a:p>
+            <a:endParaRPr/>
+          </a:p>
         </p:txBody>
       </p:sp>
       <p:sp>
         <p:nvSpPr>
           <p:cNvPr id="7" name="Google Shape;7;p1"/>
-          <p:cNvSpPr txBox="1"/>
+          <p:cNvSpPr txBox="1">
+            <a:spLocks noGrp="1"/>
+          </p:cNvSpPr>
           <p:nvPr>
-            <p:ph idx="1" type="body"/>
+            <p:ph type="body" idx="1"/>
           </p:nvPr>
         </p:nvSpPr>
         <p:spPr>
@@ -8580,11 +8521,11 @@
           </a:ln>
         </p:spPr>
         <p:txBody>
-          <a:bodyPr anchorCtr="0" anchor="t" bIns="91425" lIns="91425" spcFirstLastPara="1" rIns="91425" wrap="square" tIns="91425">
+          <a:bodyPr spcFirstLastPara="1" wrap="square" lIns="91425" tIns="91425" rIns="91425" bIns="91425" anchor="t" anchorCtr="0">
             <a:normAutofit/>
           </a:bodyPr>
           <a:lstStyle>
-            <a:lvl1pPr indent="-311150" lvl="0" marL="457200">
+            <a:lvl1pPr marL="457200" lvl="0" indent="-311150">
               <a:lnSpc>
                 <a:spcPct val="115000"/>
               </a:lnSpc>
@@ -8610,7 +8551,7 @@
                 <a:sym typeface="Lato"/>
               </a:defRPr>
             </a:lvl1pPr>
-            <a:lvl2pPr indent="-298450" lvl="1" marL="914400">
+            <a:lvl2pPr marL="914400" lvl="1" indent="-298450">
               <a:lnSpc>
                 <a:spcPct val="115000"/>
               </a:lnSpc>
@@ -8636,7 +8577,7 @@
                 <a:sym typeface="Lato"/>
               </a:defRPr>
             </a:lvl2pPr>
-            <a:lvl3pPr indent="-298450" lvl="2" marL="1371600">
+            <a:lvl3pPr marL="1371600" lvl="2" indent="-298450">
               <a:lnSpc>
                 <a:spcPct val="115000"/>
               </a:lnSpc>
@@ -8662,7 +8603,7 @@
                 <a:sym typeface="Lato"/>
               </a:defRPr>
             </a:lvl3pPr>
-            <a:lvl4pPr indent="-298450" lvl="3" marL="1828800">
+            <a:lvl4pPr marL="1828800" lvl="3" indent="-298450">
               <a:lnSpc>
                 <a:spcPct val="115000"/>
               </a:lnSpc>
@@ -8688,7 +8629,7 @@
                 <a:sym typeface="Lato"/>
               </a:defRPr>
             </a:lvl4pPr>
-            <a:lvl5pPr indent="-298450" lvl="4" marL="2286000">
+            <a:lvl5pPr marL="2286000" lvl="4" indent="-298450">
               <a:lnSpc>
                 <a:spcPct val="115000"/>
               </a:lnSpc>
@@ -8714,7 +8655,7 @@
                 <a:sym typeface="Lato"/>
               </a:defRPr>
             </a:lvl5pPr>
-            <a:lvl6pPr indent="-298450" lvl="5" marL="2743200">
+            <a:lvl6pPr marL="2743200" lvl="5" indent="-298450">
               <a:lnSpc>
                 <a:spcPct val="115000"/>
               </a:lnSpc>
@@ -8740,7 +8681,7 @@
                 <a:sym typeface="Lato"/>
               </a:defRPr>
             </a:lvl6pPr>
-            <a:lvl7pPr indent="-298450" lvl="6" marL="3200400">
+            <a:lvl7pPr marL="3200400" lvl="6" indent="-298450">
               <a:lnSpc>
                 <a:spcPct val="115000"/>
               </a:lnSpc>
@@ -8766,7 +8707,7 @@
                 <a:sym typeface="Lato"/>
               </a:defRPr>
             </a:lvl7pPr>
-            <a:lvl8pPr indent="-298450" lvl="7" marL="3657600">
+            <a:lvl8pPr marL="3657600" lvl="7" indent="-298450">
               <a:lnSpc>
                 <a:spcPct val="115000"/>
               </a:lnSpc>
@@ -8792,7 +8733,7 @@
                 <a:sym typeface="Lato"/>
               </a:defRPr>
             </a:lvl8pPr>
-            <a:lvl9pPr indent="-298450" lvl="8" marL="4114800">
+            <a:lvl9pPr marL="4114800" lvl="8" indent="-298450">
               <a:lnSpc>
                 <a:spcPct val="115000"/>
               </a:lnSpc>
@@ -8819,15 +8760,19 @@
               </a:defRPr>
             </a:lvl9pPr>
           </a:lstStyle>
-          <a:p/>
+          <a:p>
+            <a:endParaRPr/>
+          </a:p>
         </p:txBody>
       </p:sp>
       <p:sp>
         <p:nvSpPr>
           <p:cNvPr id="8" name="Google Shape;8;p1"/>
-          <p:cNvSpPr txBox="1"/>
+          <p:cNvSpPr txBox="1">
+            <a:spLocks noGrp="1"/>
+          </p:cNvSpPr>
           <p:nvPr>
-            <p:ph idx="12" type="sldNum"/>
+            <p:ph type="sldNum" idx="12"/>
           </p:nvPr>
         </p:nvSpPr>
         <p:spPr>
@@ -8844,7 +8789,7 @@
           </a:ln>
         </p:spPr>
         <p:txBody>
-          <a:bodyPr anchorCtr="0" anchor="ctr" bIns="91425" lIns="91425" spcFirstLastPara="1" rIns="91425" wrap="square" tIns="91425">
+          <a:bodyPr spcFirstLastPara="1" wrap="square" lIns="91425" tIns="91425" rIns="91425" bIns="91425" anchor="ctr" anchorCtr="0">
             <a:normAutofit/>
           </a:bodyPr>
           <a:lstStyle>
@@ -8958,7 +8903,7 @@
             </a:lvl9pPr>
           </a:lstStyle>
           <a:p>
-            <a:pPr indent="0" lvl="0" marL="0" rtl="0" algn="r">
+            <a:pPr marL="0" lvl="0" indent="0" algn="r" rtl="0">
               <a:spcBef>
                 <a:spcPts val="0"/>
               </a:spcBef>
@@ -8977,7 +8922,7 @@
       </p:sp>
     </p:spTree>
   </p:cSld>
-  <p:clrMap accent1="accent1" accent2="accent2" accent3="accent3" accent4="accent4" accent5="accent5" accent6="accent6" bg1="lt1" bg2="dk2" tx1="dk1" tx2="lt2" folHlink="folHlink" hlink="hlink"/>
+  <p:clrMap bg1="lt1" tx1="dk1" bg2="dk2" tx2="lt2" accent1="accent1" accent2="accent2" accent3="accent3" accent4="accent4" accent5="accent5" accent6="accent6" hlink="hlink" folHlink="folHlink"/>
   <p:sldLayoutIdLst>
     <p:sldLayoutId id="2147483648" r:id="rId1"/>
     <p:sldLayoutId id="2147483649" r:id="rId2"/>
@@ -8991,10 +8936,10 @@
     <p:sldLayoutId id="2147483657" r:id="rId10"/>
     <p:sldLayoutId id="2147483658" r:id="rId11"/>
   </p:sldLayoutIdLst>
-  <p:hf dt="0" ftr="0" hdr="0" sldNum="0"/>
+  <p:hf sldNum="0" hdr="0" ftr="0" dt="0"/>
   <p:txStyles>
     <p:titleStyle>
-      <a:defPPr lvl="0" marR="0" rtl="0" algn="l">
+      <a:defPPr marR="0" lvl="0" algn="l" rtl="0">
         <a:lnSpc>
           <a:spcPct val="100000"/>
         </a:lnSpc>
@@ -9005,7 +8950,7 @@
           <a:spcPts val="0"/>
         </a:spcAft>
       </a:defPPr>
-      <a:lvl1pPr lvl="0" marR="0" rtl="0" algn="l">
+      <a:lvl1pPr marR="0" lvl="0" algn="l" rtl="0">
         <a:lnSpc>
           <a:spcPct val="100000"/>
         </a:lnSpc>
@@ -9019,7 +8964,7 @@
           <a:srgbClr val="000000"/>
         </a:buClr>
         <a:buFont typeface="Arial"/>
-        <a:defRPr b="0" i="0" sz="1400" u="none" cap="none" strike="noStrike">
+        <a:defRPr sz="1400" b="0" i="0" u="none" strike="noStrike" cap="none">
           <a:solidFill>
             <a:srgbClr val="000000"/>
           </a:solidFill>
@@ -9029,7 +8974,7 @@
           <a:sym typeface="Arial"/>
         </a:defRPr>
       </a:lvl1pPr>
-      <a:lvl2pPr lvl="1" marR="0" rtl="0" algn="l">
+      <a:lvl2pPr marR="0" lvl="1" algn="l" rtl="0">
         <a:lnSpc>
           <a:spcPct val="100000"/>
         </a:lnSpc>
@@ -9043,7 +8988,7 @@
           <a:srgbClr val="000000"/>
         </a:buClr>
         <a:buFont typeface="Arial"/>
-        <a:defRPr b="0" i="0" sz="1400" u="none" cap="none" strike="noStrike">
+        <a:defRPr sz="1400" b="0" i="0" u="none" strike="noStrike" cap="none">
           <a:solidFill>
             <a:srgbClr val="000000"/>
           </a:solidFill>
@@ -9053,7 +8998,7 @@
           <a:sym typeface="Arial"/>
         </a:defRPr>
       </a:lvl2pPr>
-      <a:lvl3pPr lvl="2" marR="0" rtl="0" algn="l">
+      <a:lvl3pPr marR="0" lvl="2" algn="l" rtl="0">
         <a:lnSpc>
           <a:spcPct val="100000"/>
         </a:lnSpc>
@@ -9067,7 +9012,7 @@
           <a:srgbClr val="000000"/>
         </a:buClr>
         <a:buFont typeface="Arial"/>
-        <a:defRPr b="0" i="0" sz="1400" u="none" cap="none" strike="noStrike">
+        <a:defRPr sz="1400" b="0" i="0" u="none" strike="noStrike" cap="none">
           <a:solidFill>
             <a:srgbClr val="000000"/>
           </a:solidFill>
@@ -9077,7 +9022,7 @@
           <a:sym typeface="Arial"/>
         </a:defRPr>
       </a:lvl3pPr>
-      <a:lvl4pPr lvl="3" marR="0" rtl="0" algn="l">
+      <a:lvl4pPr marR="0" lvl="3" algn="l" rtl="0">
         <a:lnSpc>
           <a:spcPct val="100000"/>
         </a:lnSpc>
@@ -9091,7 +9036,7 @@
           <a:srgbClr val="000000"/>
         </a:buClr>
         <a:buFont typeface="Arial"/>
-        <a:defRPr b="0" i="0" sz="1400" u="none" cap="none" strike="noStrike">
+        <a:defRPr sz="1400" b="0" i="0" u="none" strike="noStrike" cap="none">
           <a:solidFill>
             <a:srgbClr val="000000"/>
           </a:solidFill>
@@ -9101,7 +9046,7 @@
           <a:sym typeface="Arial"/>
         </a:defRPr>
       </a:lvl4pPr>
-      <a:lvl5pPr lvl="4" marR="0" rtl="0" algn="l">
+      <a:lvl5pPr marR="0" lvl="4" algn="l" rtl="0">
         <a:lnSpc>
           <a:spcPct val="100000"/>
         </a:lnSpc>
@@ -9115,7 +9060,7 @@
           <a:srgbClr val="000000"/>
         </a:buClr>
         <a:buFont typeface="Arial"/>
-        <a:defRPr b="0" i="0" sz="1400" u="none" cap="none" strike="noStrike">
+        <a:defRPr sz="1400" b="0" i="0" u="none" strike="noStrike" cap="none">
           <a:solidFill>
             <a:srgbClr val="000000"/>
           </a:solidFill>
@@ -9125,7 +9070,7 @@
           <a:sym typeface="Arial"/>
         </a:defRPr>
       </a:lvl5pPr>
-      <a:lvl6pPr lvl="5" marR="0" rtl="0" algn="l">
+      <a:lvl6pPr marR="0" lvl="5" algn="l" rtl="0">
         <a:lnSpc>
           <a:spcPct val="100000"/>
         </a:lnSpc>
@@ -9139,7 +9084,7 @@
           <a:srgbClr val="000000"/>
         </a:buClr>
         <a:buFont typeface="Arial"/>
-        <a:defRPr b="0" i="0" sz="1400" u="none" cap="none" strike="noStrike">
+        <a:defRPr sz="1400" b="0" i="0" u="none" strike="noStrike" cap="none">
           <a:solidFill>
             <a:srgbClr val="000000"/>
           </a:solidFill>
@@ -9149,7 +9094,7 @@
           <a:sym typeface="Arial"/>
         </a:defRPr>
       </a:lvl6pPr>
-      <a:lvl7pPr lvl="6" marR="0" rtl="0" algn="l">
+      <a:lvl7pPr marR="0" lvl="6" algn="l" rtl="0">
         <a:lnSpc>
           <a:spcPct val="100000"/>
         </a:lnSpc>
@@ -9163,7 +9108,7 @@
           <a:srgbClr val="000000"/>
         </a:buClr>
         <a:buFont typeface="Arial"/>
-        <a:defRPr b="0" i="0" sz="1400" u="none" cap="none" strike="noStrike">
+        <a:defRPr sz="1400" b="0" i="0" u="none" strike="noStrike" cap="none">
           <a:solidFill>
             <a:srgbClr val="000000"/>
           </a:solidFill>
@@ -9173,7 +9118,7 @@
           <a:sym typeface="Arial"/>
         </a:defRPr>
       </a:lvl7pPr>
-      <a:lvl8pPr lvl="7" marR="0" rtl="0" algn="l">
+      <a:lvl8pPr marR="0" lvl="7" algn="l" rtl="0">
         <a:lnSpc>
           <a:spcPct val="100000"/>
         </a:lnSpc>
@@ -9187,7 +9132,7 @@
           <a:srgbClr val="000000"/>
         </a:buClr>
         <a:buFont typeface="Arial"/>
-        <a:defRPr b="0" i="0" sz="1400" u="none" cap="none" strike="noStrike">
+        <a:defRPr sz="1400" b="0" i="0" u="none" strike="noStrike" cap="none">
           <a:solidFill>
             <a:srgbClr val="000000"/>
           </a:solidFill>
@@ -9197,7 +9142,7 @@
           <a:sym typeface="Arial"/>
         </a:defRPr>
       </a:lvl8pPr>
-      <a:lvl9pPr lvl="8" marR="0" rtl="0" algn="l">
+      <a:lvl9pPr marR="0" lvl="8" algn="l" rtl="0">
         <a:lnSpc>
           <a:spcPct val="100000"/>
         </a:lnSpc>
@@ -9211,7 +9156,7 @@
           <a:srgbClr val="000000"/>
         </a:buClr>
         <a:buFont typeface="Arial"/>
-        <a:defRPr b="0" i="0" sz="1400" u="none" cap="none" strike="noStrike">
+        <a:defRPr sz="1400" b="0" i="0" u="none" strike="noStrike" cap="none">
           <a:solidFill>
             <a:srgbClr val="000000"/>
           </a:solidFill>
@@ -9223,7 +9168,7 @@
       </a:lvl9pPr>
     </p:titleStyle>
     <p:bodyStyle>
-      <a:defPPr lvl="0" marR="0" rtl="0" algn="l">
+      <a:defPPr marR="0" lvl="0" algn="l" rtl="0">
         <a:lnSpc>
           <a:spcPct val="100000"/>
         </a:lnSpc>
@@ -9234,7 +9179,7 @@
           <a:spcPts val="0"/>
         </a:spcAft>
       </a:defPPr>
-      <a:lvl1pPr lvl="0" marR="0" rtl="0" algn="l">
+      <a:lvl1pPr marR="0" lvl="0" algn="l" rtl="0">
         <a:lnSpc>
           <a:spcPct val="100000"/>
         </a:lnSpc>
@@ -9248,7 +9193,7 @@
           <a:srgbClr val="000000"/>
         </a:buClr>
         <a:buFont typeface="Arial"/>
-        <a:defRPr b="0" i="0" sz="1400" u="none" cap="none" strike="noStrike">
+        <a:defRPr sz="1400" b="0" i="0" u="none" strike="noStrike" cap="none">
           <a:solidFill>
             <a:srgbClr val="000000"/>
           </a:solidFill>
@@ -9258,7 +9203,7 @@
           <a:sym typeface="Arial"/>
         </a:defRPr>
       </a:lvl1pPr>
-      <a:lvl2pPr lvl="1" marR="0" rtl="0" algn="l">
+      <a:lvl2pPr marR="0" lvl="1" algn="l" rtl="0">
         <a:lnSpc>
           <a:spcPct val="100000"/>
         </a:lnSpc>
@@ -9272,7 +9217,7 @@
           <a:srgbClr val="000000"/>
         </a:buClr>
         <a:buFont typeface="Arial"/>
-        <a:defRPr b="0" i="0" sz="1400" u="none" cap="none" strike="noStrike">
+        <a:defRPr sz="1400" b="0" i="0" u="none" strike="noStrike" cap="none">
           <a:solidFill>
             <a:srgbClr val="000000"/>
           </a:solidFill>
@@ -9282,7 +9227,7 @@
           <a:sym typeface="Arial"/>
         </a:defRPr>
       </a:lvl2pPr>
-      <a:lvl3pPr lvl="2" marR="0" rtl="0" algn="l">
+      <a:lvl3pPr marR="0" lvl="2" algn="l" rtl="0">
         <a:lnSpc>
           <a:spcPct val="100000"/>
         </a:lnSpc>
@@ -9296,7 +9241,7 @@
           <a:srgbClr val="000000"/>
         </a:buClr>
         <a:buFont typeface="Arial"/>
-        <a:defRPr b="0" i="0" sz="1400" u="none" cap="none" strike="noStrike">
+        <a:defRPr sz="1400" b="0" i="0" u="none" strike="noStrike" cap="none">
           <a:solidFill>
             <a:srgbClr val="000000"/>
           </a:solidFill>
@@ -9306,7 +9251,7 @@
           <a:sym typeface="Arial"/>
         </a:defRPr>
       </a:lvl3pPr>
-      <a:lvl4pPr lvl="3" marR="0" rtl="0" algn="l">
+      <a:lvl4pPr marR="0" lvl="3" algn="l" rtl="0">
         <a:lnSpc>
           <a:spcPct val="100000"/>
         </a:lnSpc>
@@ -9320,7 +9265,7 @@
           <a:srgbClr val="000000"/>
         </a:buClr>
         <a:buFont typeface="Arial"/>
-        <a:defRPr b="0" i="0" sz="1400" u="none" cap="none" strike="noStrike">
+        <a:defRPr sz="1400" b="0" i="0" u="none" strike="noStrike" cap="none">
           <a:solidFill>
             <a:srgbClr val="000000"/>
           </a:solidFill>
@@ -9330,7 +9275,7 @@
           <a:sym typeface="Arial"/>
         </a:defRPr>
       </a:lvl4pPr>
-      <a:lvl5pPr lvl="4" marR="0" rtl="0" algn="l">
+      <a:lvl5pPr marR="0" lvl="4" algn="l" rtl="0">
         <a:lnSpc>
           <a:spcPct val="100000"/>
         </a:lnSpc>
@@ -9344,7 +9289,7 @@
           <a:srgbClr val="000000"/>
         </a:buClr>
         <a:buFont typeface="Arial"/>
-        <a:defRPr b="0" i="0" sz="1400" u="none" cap="none" strike="noStrike">
+        <a:defRPr sz="1400" b="0" i="0" u="none" strike="noStrike" cap="none">
           <a:solidFill>
             <a:srgbClr val="000000"/>
           </a:solidFill>
@@ -9354,7 +9299,7 @@
           <a:sym typeface="Arial"/>
         </a:defRPr>
       </a:lvl5pPr>
-      <a:lvl6pPr lvl="5" marR="0" rtl="0" algn="l">
+      <a:lvl6pPr marR="0" lvl="5" algn="l" rtl="0">
         <a:lnSpc>
           <a:spcPct val="100000"/>
         </a:lnSpc>
@@ -9368,7 +9313,7 @@
           <a:srgbClr val="000000"/>
         </a:buClr>
         <a:buFont typeface="Arial"/>
-        <a:defRPr b="0" i="0" sz="1400" u="none" cap="none" strike="noStrike">
+        <a:defRPr sz="1400" b="0" i="0" u="none" strike="noStrike" cap="none">
           <a:solidFill>
             <a:srgbClr val="000000"/>
           </a:solidFill>
@@ -9378,7 +9323,7 @@
           <a:sym typeface="Arial"/>
         </a:defRPr>
       </a:lvl6pPr>
-      <a:lvl7pPr lvl="6" marR="0" rtl="0" algn="l">
+      <a:lvl7pPr marR="0" lvl="6" algn="l" rtl="0">
         <a:lnSpc>
           <a:spcPct val="100000"/>
         </a:lnSpc>
@@ -9392,7 +9337,7 @@
           <a:srgbClr val="000000"/>
         </a:buClr>
         <a:buFont typeface="Arial"/>
-        <a:defRPr b="0" i="0" sz="1400" u="none" cap="none" strike="noStrike">
+        <a:defRPr sz="1400" b="0" i="0" u="none" strike="noStrike" cap="none">
           <a:solidFill>
             <a:srgbClr val="000000"/>
           </a:solidFill>
@@ -9402,7 +9347,7 @@
           <a:sym typeface="Arial"/>
         </a:defRPr>
       </a:lvl7pPr>
-      <a:lvl8pPr lvl="7" marR="0" rtl="0" algn="l">
+      <a:lvl8pPr marR="0" lvl="7" algn="l" rtl="0">
         <a:lnSpc>
           <a:spcPct val="100000"/>
         </a:lnSpc>
@@ -9416,7 +9361,7 @@
           <a:srgbClr val="000000"/>
         </a:buClr>
         <a:buFont typeface="Arial"/>
-        <a:defRPr b="0" i="0" sz="1400" u="none" cap="none" strike="noStrike">
+        <a:defRPr sz="1400" b="0" i="0" u="none" strike="noStrike" cap="none">
           <a:solidFill>
             <a:srgbClr val="000000"/>
           </a:solidFill>
@@ -9426,7 +9371,7 @@
           <a:sym typeface="Arial"/>
         </a:defRPr>
       </a:lvl8pPr>
-      <a:lvl9pPr lvl="8" marR="0" rtl="0" algn="l">
+      <a:lvl9pPr marR="0" lvl="8" algn="l" rtl="0">
         <a:lnSpc>
           <a:spcPct val="100000"/>
         </a:lnSpc>
@@ -9440,7 +9385,7 @@
           <a:srgbClr val="000000"/>
         </a:buClr>
         <a:buFont typeface="Arial"/>
-        <a:defRPr b="0" i="0" sz="1400" u="none" cap="none" strike="noStrike">
+        <a:defRPr sz="1400" b="0" i="0" u="none" strike="noStrike" cap="none">
           <a:solidFill>
             <a:srgbClr val="000000"/>
           </a:solidFill>
@@ -9452,7 +9397,7 @@
       </a:lvl9pPr>
     </p:bodyStyle>
     <p:otherStyle>
-      <a:defPPr lvl="0" marR="0" rtl="0" algn="l">
+      <a:defPPr marR="0" lvl="0" algn="l" rtl="0">
         <a:lnSpc>
           <a:spcPct val="100000"/>
         </a:lnSpc>
@@ -9463,7 +9408,7 @@
           <a:spcPts val="0"/>
         </a:spcAft>
       </a:defPPr>
-      <a:lvl1pPr lvl="0" marR="0" rtl="0" algn="l">
+      <a:lvl1pPr marR="0" lvl="0" algn="l" rtl="0">
         <a:lnSpc>
           <a:spcPct val="100000"/>
         </a:lnSpc>
@@ -9477,7 +9422,7 @@
           <a:srgbClr val="000000"/>
         </a:buClr>
         <a:buFont typeface="Arial"/>
-        <a:defRPr b="0" i="0" sz="1400" u="none" cap="none" strike="noStrike">
+        <a:defRPr sz="1400" b="0" i="0" u="none" strike="noStrike" cap="none">
           <a:solidFill>
             <a:srgbClr val="000000"/>
           </a:solidFill>
@@ -9487,7 +9432,7 @@
           <a:sym typeface="Arial"/>
         </a:defRPr>
       </a:lvl1pPr>
-      <a:lvl2pPr lvl="1" marR="0" rtl="0" algn="l">
+      <a:lvl2pPr marR="0" lvl="1" algn="l" rtl="0">
         <a:lnSpc>
           <a:spcPct val="100000"/>
         </a:lnSpc>
@@ -9501,7 +9446,7 @@
           <a:srgbClr val="000000"/>
         </a:buClr>
         <a:buFont typeface="Arial"/>
-        <a:defRPr b="0" i="0" sz="1400" u="none" cap="none" strike="noStrike">
+        <a:defRPr sz="1400" b="0" i="0" u="none" strike="noStrike" cap="none">
           <a:solidFill>
             <a:srgbClr val="000000"/>
           </a:solidFill>
@@ -9511,7 +9456,7 @@
           <a:sym typeface="Arial"/>
         </a:defRPr>
       </a:lvl2pPr>
-      <a:lvl3pPr lvl="2" marR="0" rtl="0" algn="l">
+      <a:lvl3pPr marR="0" lvl="2" algn="l" rtl="0">
         <a:lnSpc>
           <a:spcPct val="100000"/>
         </a:lnSpc>
@@ -9525,7 +9470,7 @@
           <a:srgbClr val="000000"/>
         </a:buClr>
         <a:buFont typeface="Arial"/>
-        <a:defRPr b="0" i="0" sz="1400" u="none" cap="none" strike="noStrike">
+        <a:defRPr sz="1400" b="0" i="0" u="none" strike="noStrike" cap="none">
           <a:solidFill>
             <a:srgbClr val="000000"/>
           </a:solidFill>
@@ -9535,7 +9480,7 @@
           <a:sym typeface="Arial"/>
         </a:defRPr>
       </a:lvl3pPr>
-      <a:lvl4pPr lvl="3" marR="0" rtl="0" algn="l">
+      <a:lvl4pPr marR="0" lvl="3" algn="l" rtl="0">
         <a:lnSpc>
           <a:spcPct val="100000"/>
         </a:lnSpc>
@@ -9549,7 +9494,7 @@
           <a:srgbClr val="000000"/>
         </a:buClr>
         <a:buFont typeface="Arial"/>
-        <a:defRPr b="0" i="0" sz="1400" u="none" cap="none" strike="noStrike">
+        <a:defRPr sz="1400" b="0" i="0" u="none" strike="noStrike" cap="none">
           <a:solidFill>
             <a:srgbClr val="000000"/>
           </a:solidFill>
@@ -9559,7 +9504,7 @@
           <a:sym typeface="Arial"/>
         </a:defRPr>
       </a:lvl4pPr>
-      <a:lvl5pPr lvl="4" marR="0" rtl="0" algn="l">
+      <a:lvl5pPr marR="0" lvl="4" algn="l" rtl="0">
         <a:lnSpc>
           <a:spcPct val="100000"/>
         </a:lnSpc>
@@ -9573,7 +9518,7 @@
           <a:srgbClr val="000000"/>
         </a:buClr>
         <a:buFont typeface="Arial"/>
-        <a:defRPr b="0" i="0" sz="1400" u="none" cap="none" strike="noStrike">
+        <a:defRPr sz="1400" b="0" i="0" u="none" strike="noStrike" cap="none">
           <a:solidFill>
             <a:srgbClr val="000000"/>
           </a:solidFill>
@@ -9583,7 +9528,7 @@
           <a:sym typeface="Arial"/>
         </a:defRPr>
       </a:lvl5pPr>
-      <a:lvl6pPr lvl="5" marR="0" rtl="0" algn="l">
+      <a:lvl6pPr marR="0" lvl="5" algn="l" rtl="0">
         <a:lnSpc>
           <a:spcPct val="100000"/>
         </a:lnSpc>
@@ -9597,7 +9542,7 @@
           <a:srgbClr val="000000"/>
         </a:buClr>
         <a:buFont typeface="Arial"/>
-        <a:defRPr b="0" i="0" sz="1400" u="none" cap="none" strike="noStrike">
+        <a:defRPr sz="1400" b="0" i="0" u="none" strike="noStrike" cap="none">
           <a:solidFill>
             <a:srgbClr val="000000"/>
           </a:solidFill>
@@ -9607,7 +9552,7 @@
           <a:sym typeface="Arial"/>
         </a:defRPr>
       </a:lvl6pPr>
-      <a:lvl7pPr lvl="6" marR="0" rtl="0" algn="l">
+      <a:lvl7pPr marR="0" lvl="6" algn="l" rtl="0">
         <a:lnSpc>
           <a:spcPct val="100000"/>
         </a:lnSpc>
@@ -9621,7 +9566,7 @@
           <a:srgbClr val="000000"/>
         </a:buClr>
         <a:buFont typeface="Arial"/>
-        <a:defRPr b="0" i="0" sz="1400" u="none" cap="none" strike="noStrike">
+        <a:defRPr sz="1400" b="0" i="0" u="none" strike="noStrike" cap="none">
           <a:solidFill>
             <a:srgbClr val="000000"/>
           </a:solidFill>
@@ -9631,7 +9576,7 @@
           <a:sym typeface="Arial"/>
         </a:defRPr>
       </a:lvl7pPr>
-      <a:lvl8pPr lvl="7" marR="0" rtl="0" algn="l">
+      <a:lvl8pPr marR="0" lvl="7" algn="l" rtl="0">
         <a:lnSpc>
           <a:spcPct val="100000"/>
         </a:lnSpc>
@@ -9645,7 +9590,7 @@
           <a:srgbClr val="000000"/>
         </a:buClr>
         <a:buFont typeface="Arial"/>
-        <a:defRPr b="0" i="0" sz="1400" u="none" cap="none" strike="noStrike">
+        <a:defRPr sz="1400" b="0" i="0" u="none" strike="noStrike" cap="none">
           <a:solidFill>
             <a:srgbClr val="000000"/>
           </a:solidFill>
@@ -9655,7 +9600,7 @@
           <a:sym typeface="Arial"/>
         </a:defRPr>
       </a:lvl8pPr>
-      <a:lvl9pPr lvl="8" marR="0" rtl="0" algn="l">
+      <a:lvl9pPr marR="0" lvl="8" algn="l" rtl="0">
         <a:lnSpc>
           <a:spcPct val="100000"/>
         </a:lnSpc>
@@ -9669,7 +9614,7 @@
           <a:srgbClr val="000000"/>
         </a:buClr>
         <a:buFont typeface="Arial"/>
-        <a:defRPr b="0" i="0" sz="1400" u="none" cap="none" strike="noStrike">
+        <a:defRPr sz="1400" b="0" i="0" u="none" strike="noStrike" cap="none">
           <a:solidFill>
             <a:srgbClr val="000000"/>
           </a:solidFill>
@@ -9685,11 +9630,11 @@
 </file>
 
 <file path=ppt/slides/slide1.xml><?xml version="1.0" encoding="utf-8"?>
-<p:sld xmlns:a="http://schemas.openxmlformats.org/drawingml/2006/main" xmlns:r="http://schemas.openxmlformats.org/officeDocument/2006/relationships" xmlns:mc="http://schemas.openxmlformats.org/markup-compatibility/2006" xmlns:mv="urn:schemas-microsoft-com:mac:vml" xmlns:p="http://schemas.openxmlformats.org/presentationml/2006/main" xmlns:c="http://schemas.openxmlformats.org/drawingml/2006/chart" xmlns:dgm="http://schemas.openxmlformats.org/drawingml/2006/diagram" xmlns:o="urn:schemas-microsoft-com:office:office" xmlns:v="urn:schemas-microsoft-com:vml" xmlns:pvml="urn:schemas-microsoft-com:office:powerpoint" xmlns:com="http://schemas.openxmlformats.org/drawingml/2006/compatibility" xmlns:p14="http://schemas.microsoft.com/office/powerpoint/2010/main" xmlns:p15="http://schemas.microsoft.com/office/powerpoint/2012/main" xmlns:ahyp="http://schemas.microsoft.com/office/drawing/2018/hyperlinkcolor">
+<p:sld xmlns:a="http://schemas.openxmlformats.org/drawingml/2006/main" xmlns:r="http://schemas.openxmlformats.org/officeDocument/2006/relationships" xmlns:p="http://schemas.openxmlformats.org/presentationml/2006/main">
   <p:cSld>
     <p:spTree>
       <p:nvGrpSpPr>
-        <p:cNvPr id="133" name="Shape 133"/>
+        <p:cNvPr id="1" name="Shape 133"/>
         <p:cNvGrpSpPr/>
         <p:nvPr/>
       </p:nvGrpSpPr>
@@ -9704,7 +9649,9 @@
       <p:sp>
         <p:nvSpPr>
           <p:cNvPr id="134" name="Google Shape;134;p13"/>
-          <p:cNvSpPr txBox="1"/>
+          <p:cNvSpPr txBox="1">
+            <a:spLocks noGrp="1"/>
+          </p:cNvSpPr>
           <p:nvPr>
             <p:ph type="ctrTitle"/>
           </p:nvPr>
@@ -9719,12 +9666,12 @@
           </a:prstGeom>
         </p:spPr>
         <p:txBody>
-          <a:bodyPr anchorCtr="0" anchor="t" bIns="91425" lIns="91425" spcFirstLastPara="1" rIns="91425" wrap="square" tIns="91425">
+          <a:bodyPr spcFirstLastPara="1" wrap="square" lIns="91425" tIns="91425" rIns="91425" bIns="91425" anchor="t" anchorCtr="0">
             <a:normAutofit/>
           </a:bodyPr>
           <a:lstStyle/>
           <a:p>
-            <a:pPr indent="0" lvl="0" marL="0" rtl="0" algn="l">
+            <a:pPr marL="0" lvl="0" indent="0" algn="l" rtl="0">
               <a:spcBef>
                 <a:spcPts val="0"/>
               </a:spcBef>
@@ -9734,19 +9681,21 @@
               <a:buNone/>
             </a:pPr>
             <a:r>
-              <a:rPr lang="ru" sz="3600"/>
+              <a:rPr lang="ru" sz="3200" dirty="0"/>
               <a:t>Кроссплатформенность .NET 6+.</a:t>
             </a:r>
-            <a:endParaRPr sz="3600"/>
+            <a:endParaRPr sz="3200" dirty="0"/>
           </a:p>
         </p:txBody>
       </p:sp>
       <p:sp>
         <p:nvSpPr>
           <p:cNvPr id="135" name="Google Shape;135;p13"/>
-          <p:cNvSpPr txBox="1"/>
+          <p:cNvSpPr txBox="1">
+            <a:spLocks noGrp="1"/>
+          </p:cNvSpPr>
           <p:nvPr>
-            <p:ph idx="1" type="subTitle"/>
+            <p:ph type="subTitle" idx="1"/>
           </p:nvPr>
         </p:nvSpPr>
         <p:spPr>
@@ -9759,12 +9708,12 @@
           </a:prstGeom>
         </p:spPr>
         <p:txBody>
-          <a:bodyPr anchorCtr="0" anchor="t" bIns="91425" lIns="91425" spcFirstLastPara="1" rIns="91425" wrap="square" tIns="91425">
+          <a:bodyPr spcFirstLastPara="1" wrap="square" lIns="91425" tIns="91425" rIns="91425" bIns="91425" anchor="t" anchorCtr="0">
             <a:normAutofit/>
           </a:bodyPr>
           <a:lstStyle/>
           <a:p>
-            <a:pPr indent="0" lvl="0" marL="0" rtl="0" algn="l">
+            <a:pPr marL="0" lvl="0" indent="0" algn="l" rtl="0">
               <a:spcBef>
                 <a:spcPts val="0"/>
               </a:spcBef>
@@ -9790,11 +9739,11 @@
 </file>
 
 <file path=ppt/slides/slide2.xml><?xml version="1.0" encoding="utf-8"?>
-<p:sld xmlns:a="http://schemas.openxmlformats.org/drawingml/2006/main" xmlns:r="http://schemas.openxmlformats.org/officeDocument/2006/relationships" xmlns:mc="http://schemas.openxmlformats.org/markup-compatibility/2006" xmlns:mv="urn:schemas-microsoft-com:mac:vml" xmlns:p="http://schemas.openxmlformats.org/presentationml/2006/main" xmlns:c="http://schemas.openxmlformats.org/drawingml/2006/chart" xmlns:dgm="http://schemas.openxmlformats.org/drawingml/2006/diagram" xmlns:o="urn:schemas-microsoft-com:office:office" xmlns:v="urn:schemas-microsoft-com:vml" xmlns:pvml="urn:schemas-microsoft-com:office:powerpoint" xmlns:com="http://schemas.openxmlformats.org/drawingml/2006/compatibility" xmlns:p14="http://schemas.microsoft.com/office/powerpoint/2010/main" xmlns:p15="http://schemas.microsoft.com/office/powerpoint/2012/main" xmlns:ahyp="http://schemas.microsoft.com/office/drawing/2018/hyperlinkcolor">
+<p:sld xmlns:a="http://schemas.openxmlformats.org/drawingml/2006/main" xmlns:r="http://schemas.openxmlformats.org/officeDocument/2006/relationships" xmlns:p="http://schemas.openxmlformats.org/presentationml/2006/main">
   <p:cSld>
     <p:spTree>
       <p:nvGrpSpPr>
-        <p:cNvPr id="139" name="Shape 139"/>
+        <p:cNvPr id="1" name="Shape 139"/>
         <p:cNvGrpSpPr/>
         <p:nvPr/>
       </p:nvGrpSpPr>
@@ -9809,7 +9758,9 @@
       <p:sp>
         <p:nvSpPr>
           <p:cNvPr id="140" name="Google Shape;140;p14"/>
-          <p:cNvSpPr txBox="1"/>
+          <p:cNvSpPr txBox="1">
+            <a:spLocks noGrp="1"/>
+          </p:cNvSpPr>
           <p:nvPr>
             <p:ph type="title"/>
           </p:nvPr>
@@ -9824,12 +9775,12 @@
           </a:prstGeom>
         </p:spPr>
         <p:txBody>
-          <a:bodyPr anchorCtr="0" anchor="t" bIns="91425" lIns="91425" spcFirstLastPara="1" rIns="91425" wrap="square" tIns="91425">
+          <a:bodyPr spcFirstLastPara="1" wrap="square" lIns="91425" tIns="91425" rIns="91425" bIns="91425" anchor="t" anchorCtr="0">
             <a:normAutofit/>
           </a:bodyPr>
           <a:lstStyle/>
           <a:p>
-            <a:pPr indent="0" lvl="0" marL="0" rtl="0" algn="l">
+            <a:pPr marL="0" lvl="0" indent="0" algn="l" rtl="0">
               <a:spcBef>
                 <a:spcPts val="0"/>
               </a:spcBef>
@@ -9849,9 +9800,11 @@
       <p:sp>
         <p:nvSpPr>
           <p:cNvPr id="141" name="Google Shape;141;p14"/>
-          <p:cNvSpPr txBox="1"/>
+          <p:cNvSpPr txBox="1">
+            <a:spLocks noGrp="1"/>
+          </p:cNvSpPr>
           <p:nvPr>
-            <p:ph idx="1" type="body"/>
+            <p:ph type="body" idx="1"/>
           </p:nvPr>
         </p:nvSpPr>
         <p:spPr>
@@ -9864,12 +9817,12 @@
           </a:prstGeom>
         </p:spPr>
         <p:txBody>
-          <a:bodyPr anchorCtr="0" anchor="t" bIns="91425" lIns="91425" spcFirstLastPara="1" rIns="91425" wrap="square" tIns="91425">
+          <a:bodyPr spcFirstLastPara="1" wrap="square" lIns="91425" tIns="91425" rIns="91425" bIns="91425" anchor="t" anchorCtr="0">
             <a:noAutofit/>
           </a:bodyPr>
           <a:lstStyle/>
           <a:p>
-            <a:pPr indent="0" lvl="0" marL="0" rtl="0" algn="l">
+            <a:pPr marL="0" lvl="0" indent="0" algn="l" rtl="0">
               <a:spcBef>
                 <a:spcPts val="0"/>
               </a:spcBef>
@@ -9885,7 +9838,7 @@
             <a:endParaRPr sz="1800"/>
           </a:p>
           <a:p>
-            <a:pPr indent="0" lvl="0" marL="0" rtl="0" algn="l">
+            <a:pPr marL="0" lvl="0" indent="0" algn="l" rtl="0">
               <a:spcBef>
                 <a:spcPts val="1200"/>
               </a:spcBef>
@@ -9901,7 +9854,7 @@
             <a:endParaRPr sz="1800"/>
           </a:p>
           <a:p>
-            <a:pPr indent="0" lvl="0" marL="0" rtl="0" algn="l">
+            <a:pPr marL="0" lvl="0" indent="0" algn="l" rtl="0">
               <a:spcBef>
                 <a:spcPts val="1200"/>
               </a:spcBef>
@@ -9917,7 +9870,7 @@
             <a:endParaRPr sz="1800"/>
           </a:p>
           <a:p>
-            <a:pPr indent="0" lvl="0" marL="0" rtl="0" algn="l">
+            <a:pPr marL="0" lvl="0" indent="0" algn="l" rtl="0">
               <a:spcBef>
                 <a:spcPts val="1200"/>
               </a:spcBef>
@@ -9926,9 +9879,6 @@
               </a:spcAft>
               <a:buNone/>
             </a:pPr>
-            <a:r>
-              <a:t/>
-            </a:r>
             <a:endParaRPr sz="1800"/>
           </a:p>
         </p:txBody>
@@ -9970,11 +9920,11 @@
 </file>
 
 <file path=ppt/slides/slide3.xml><?xml version="1.0" encoding="utf-8"?>
-<p:sld xmlns:a="http://schemas.openxmlformats.org/drawingml/2006/main" xmlns:r="http://schemas.openxmlformats.org/officeDocument/2006/relationships" xmlns:mc="http://schemas.openxmlformats.org/markup-compatibility/2006" xmlns:mv="urn:schemas-microsoft-com:mac:vml" xmlns:p="http://schemas.openxmlformats.org/presentationml/2006/main" xmlns:c="http://schemas.openxmlformats.org/drawingml/2006/chart" xmlns:dgm="http://schemas.openxmlformats.org/drawingml/2006/diagram" xmlns:o="urn:schemas-microsoft-com:office:office" xmlns:v="urn:schemas-microsoft-com:vml" xmlns:pvml="urn:schemas-microsoft-com:office:powerpoint" xmlns:com="http://schemas.openxmlformats.org/drawingml/2006/compatibility" xmlns:p14="http://schemas.microsoft.com/office/powerpoint/2010/main" xmlns:p15="http://schemas.microsoft.com/office/powerpoint/2012/main" xmlns:ahyp="http://schemas.microsoft.com/office/drawing/2018/hyperlinkcolor">
+<p:sld xmlns:a="http://schemas.openxmlformats.org/drawingml/2006/main" xmlns:r="http://schemas.openxmlformats.org/officeDocument/2006/relationships" xmlns:p="http://schemas.openxmlformats.org/presentationml/2006/main">
   <p:cSld>
     <p:spTree>
       <p:nvGrpSpPr>
-        <p:cNvPr id="146" name="Shape 146"/>
+        <p:cNvPr id="1" name="Shape 146"/>
         <p:cNvGrpSpPr/>
         <p:nvPr/>
       </p:nvGrpSpPr>
@@ -9989,7 +9939,9 @@
       <p:sp>
         <p:nvSpPr>
           <p:cNvPr id="147" name="Google Shape;147;p15"/>
-          <p:cNvSpPr txBox="1"/>
+          <p:cNvSpPr txBox="1">
+            <a:spLocks noGrp="1"/>
+          </p:cNvSpPr>
           <p:nvPr>
             <p:ph type="title"/>
           </p:nvPr>
@@ -10004,12 +9956,12 @@
           </a:prstGeom>
         </p:spPr>
         <p:txBody>
-          <a:bodyPr anchorCtr="0" anchor="t" bIns="91425" lIns="91425" spcFirstLastPara="1" rIns="91425" wrap="square" tIns="91425">
+          <a:bodyPr spcFirstLastPara="1" wrap="square" lIns="91425" tIns="91425" rIns="91425" bIns="91425" anchor="t" anchorCtr="0">
             <a:normAutofit/>
           </a:bodyPr>
           <a:lstStyle/>
           <a:p>
-            <a:pPr indent="0" lvl="0" marL="0" rtl="0" algn="l">
+            <a:pPr marL="0" lvl="0" indent="0" algn="l" rtl="0">
               <a:spcBef>
                 <a:spcPts val="0"/>
               </a:spcBef>
@@ -10029,9 +9981,11 @@
       <p:sp>
         <p:nvSpPr>
           <p:cNvPr id="148" name="Google Shape;148;p15"/>
-          <p:cNvSpPr txBox="1"/>
+          <p:cNvSpPr txBox="1">
+            <a:spLocks noGrp="1"/>
+          </p:cNvSpPr>
           <p:nvPr>
-            <p:ph idx="1" type="body"/>
+            <p:ph type="body" idx="1"/>
           </p:nvPr>
         </p:nvSpPr>
         <p:spPr>
@@ -10044,12 +9998,12 @@
           </a:prstGeom>
         </p:spPr>
         <p:txBody>
-          <a:bodyPr anchorCtr="0" anchor="t" bIns="91425" lIns="91425" spcFirstLastPara="1" rIns="91425" wrap="square" tIns="91425">
+          <a:bodyPr spcFirstLastPara="1" wrap="square" lIns="91425" tIns="91425" rIns="91425" bIns="91425" anchor="t" anchorCtr="0">
             <a:normAutofit/>
           </a:bodyPr>
           <a:lstStyle/>
           <a:p>
-            <a:pPr indent="0" lvl="0" marL="0" rtl="0" algn="l">
+            <a:pPr marL="0" lvl="0" indent="0" algn="l" rtl="0">
               <a:spcBef>
                 <a:spcPts val="0"/>
               </a:spcBef>
@@ -10065,7 +10019,7 @@
             <a:endParaRPr sz="1600"/>
           </a:p>
           <a:p>
-            <a:pPr indent="0" lvl="0" marL="0" rtl="0" algn="l">
+            <a:pPr marL="0" lvl="0" indent="0" algn="l" rtl="0">
               <a:spcBef>
                 <a:spcPts val="1200"/>
               </a:spcBef>
@@ -10081,7 +10035,7 @@
             <a:endParaRPr sz="1600"/>
           </a:p>
           <a:p>
-            <a:pPr indent="0" lvl="0" marL="0" rtl="0" algn="l">
+            <a:pPr marL="0" lvl="0" indent="0" algn="l" rtl="0">
               <a:spcBef>
                 <a:spcPts val="1200"/>
               </a:spcBef>
@@ -10097,7 +10051,7 @@
             <a:endParaRPr sz="1600"/>
           </a:p>
           <a:p>
-            <a:pPr indent="0" lvl="0" marL="0" rtl="0" algn="l">
+            <a:pPr marL="0" lvl="0" indent="0" algn="l" rtl="0">
               <a:spcBef>
                 <a:spcPts val="1200"/>
               </a:spcBef>
@@ -10106,9 +10060,6 @@
               </a:spcAft>
               <a:buNone/>
             </a:pPr>
-            <a:r>
-              <a:t/>
-            </a:r>
             <a:endParaRPr sz="1600"/>
           </a:p>
         </p:txBody>
@@ -10150,11 +10101,11 @@
 </file>
 
 <file path=ppt/slides/slide4.xml><?xml version="1.0" encoding="utf-8"?>
-<p:sld xmlns:a="http://schemas.openxmlformats.org/drawingml/2006/main" xmlns:r="http://schemas.openxmlformats.org/officeDocument/2006/relationships" xmlns:mc="http://schemas.openxmlformats.org/markup-compatibility/2006" xmlns:mv="urn:schemas-microsoft-com:mac:vml" xmlns:p="http://schemas.openxmlformats.org/presentationml/2006/main" xmlns:c="http://schemas.openxmlformats.org/drawingml/2006/chart" xmlns:dgm="http://schemas.openxmlformats.org/drawingml/2006/diagram" xmlns:o="urn:schemas-microsoft-com:office:office" xmlns:v="urn:schemas-microsoft-com:vml" xmlns:pvml="urn:schemas-microsoft-com:office:powerpoint" xmlns:com="http://schemas.openxmlformats.org/drawingml/2006/compatibility" xmlns:p14="http://schemas.microsoft.com/office/powerpoint/2010/main" xmlns:p15="http://schemas.microsoft.com/office/powerpoint/2012/main" xmlns:ahyp="http://schemas.microsoft.com/office/drawing/2018/hyperlinkcolor">
+<p:sld xmlns:a="http://schemas.openxmlformats.org/drawingml/2006/main" xmlns:r="http://schemas.openxmlformats.org/officeDocument/2006/relationships" xmlns:p="http://schemas.openxmlformats.org/presentationml/2006/main">
   <p:cSld>
     <p:spTree>
       <p:nvGrpSpPr>
-        <p:cNvPr id="153" name="Shape 153"/>
+        <p:cNvPr id="1" name="Shape 153"/>
         <p:cNvGrpSpPr/>
         <p:nvPr/>
       </p:nvGrpSpPr>
@@ -10169,7 +10120,9 @@
       <p:sp>
         <p:nvSpPr>
           <p:cNvPr id="154" name="Google Shape;154;p16"/>
-          <p:cNvSpPr txBox="1"/>
+          <p:cNvSpPr txBox="1">
+            <a:spLocks noGrp="1"/>
+          </p:cNvSpPr>
           <p:nvPr>
             <p:ph type="title"/>
           </p:nvPr>
@@ -10184,12 +10137,12 @@
           </a:prstGeom>
         </p:spPr>
         <p:txBody>
-          <a:bodyPr anchorCtr="0" anchor="t" bIns="91425" lIns="91425" spcFirstLastPara="1" rIns="91425" wrap="square" tIns="91425">
+          <a:bodyPr spcFirstLastPara="1" wrap="square" lIns="91425" tIns="91425" rIns="91425" bIns="91425" anchor="t" anchorCtr="0">
             <a:normAutofit/>
           </a:bodyPr>
           <a:lstStyle/>
           <a:p>
-            <a:pPr indent="0" lvl="0" marL="0" rtl="0" algn="l">
+            <a:pPr marL="0" lvl="0" indent="0" algn="l" rtl="0">
               <a:spcBef>
                 <a:spcPts val="0"/>
               </a:spcBef>
@@ -10209,9 +10162,11 @@
       <p:sp>
         <p:nvSpPr>
           <p:cNvPr id="155" name="Google Shape;155;p16"/>
-          <p:cNvSpPr txBox="1"/>
+          <p:cNvSpPr txBox="1">
+            <a:spLocks noGrp="1"/>
+          </p:cNvSpPr>
           <p:nvPr>
-            <p:ph idx="1" type="body"/>
+            <p:ph type="body" idx="1"/>
           </p:nvPr>
         </p:nvSpPr>
         <p:spPr>
@@ -10224,12 +10179,12 @@
           </a:prstGeom>
         </p:spPr>
         <p:txBody>
-          <a:bodyPr anchorCtr="0" anchor="t" bIns="91425" lIns="91425" spcFirstLastPara="1" rIns="91425" wrap="square" tIns="91425">
+          <a:bodyPr spcFirstLastPara="1" wrap="square" lIns="91425" tIns="91425" rIns="91425" bIns="91425" anchor="t" anchorCtr="0">
             <a:normAutofit lnSpcReduction="10000"/>
           </a:bodyPr>
           <a:lstStyle/>
           <a:p>
-            <a:pPr indent="0" lvl="0" marL="0" rtl="0" algn="l">
+            <a:pPr marL="0" lvl="0" indent="0" algn="l" rtl="0">
               <a:spcBef>
                 <a:spcPts val="0"/>
               </a:spcBef>
@@ -10245,7 +10200,7 @@
             <a:endParaRPr sz="1900"/>
           </a:p>
           <a:p>
-            <a:pPr indent="0" lvl="0" marL="0" rtl="0" algn="l">
+            <a:pPr marL="0" lvl="0" indent="0" algn="l" rtl="0">
               <a:spcBef>
                 <a:spcPts val="1200"/>
               </a:spcBef>
@@ -10261,7 +10216,7 @@
             <a:endParaRPr sz="1900"/>
           </a:p>
           <a:p>
-            <a:pPr indent="0" lvl="0" marL="0" rtl="0" algn="l">
+            <a:pPr marL="0" lvl="0" indent="0" algn="l" rtl="0">
               <a:spcBef>
                 <a:spcPts val="1200"/>
               </a:spcBef>
@@ -10277,7 +10232,7 @@
             <a:endParaRPr sz="1900"/>
           </a:p>
           <a:p>
-            <a:pPr indent="0" lvl="0" marL="0" rtl="0" algn="l">
+            <a:pPr marL="0" lvl="0" indent="0" algn="l" rtl="0">
               <a:spcBef>
                 <a:spcPts val="1200"/>
               </a:spcBef>
@@ -10293,7 +10248,7 @@
             <a:endParaRPr sz="1900"/>
           </a:p>
           <a:p>
-            <a:pPr indent="0" lvl="0" marL="0" rtl="0" algn="l">
+            <a:pPr marL="0" lvl="0" indent="0" algn="l" rtl="0">
               <a:spcBef>
                 <a:spcPts val="1200"/>
               </a:spcBef>
@@ -10302,9 +10257,6 @@
               </a:spcAft>
               <a:buNone/>
             </a:pPr>
-            <a:r>
-              <a:t/>
-            </a:r>
             <a:endParaRPr sz="1900"/>
           </a:p>
         </p:txBody>
@@ -10318,11 +10270,11 @@
 </file>
 
 <file path=ppt/slides/slide5.xml><?xml version="1.0" encoding="utf-8"?>
-<p:sld xmlns:a="http://schemas.openxmlformats.org/drawingml/2006/main" xmlns:r="http://schemas.openxmlformats.org/officeDocument/2006/relationships" xmlns:mc="http://schemas.openxmlformats.org/markup-compatibility/2006" xmlns:mv="urn:schemas-microsoft-com:mac:vml" xmlns:p="http://schemas.openxmlformats.org/presentationml/2006/main" xmlns:c="http://schemas.openxmlformats.org/drawingml/2006/chart" xmlns:dgm="http://schemas.openxmlformats.org/drawingml/2006/diagram" xmlns:o="urn:schemas-microsoft-com:office:office" xmlns:v="urn:schemas-microsoft-com:vml" xmlns:pvml="urn:schemas-microsoft-com:office:powerpoint" xmlns:com="http://schemas.openxmlformats.org/drawingml/2006/compatibility" xmlns:p14="http://schemas.microsoft.com/office/powerpoint/2010/main" xmlns:p15="http://schemas.microsoft.com/office/powerpoint/2012/main" xmlns:ahyp="http://schemas.microsoft.com/office/drawing/2018/hyperlinkcolor">
+<p:sld xmlns:a="http://schemas.openxmlformats.org/drawingml/2006/main" xmlns:r="http://schemas.openxmlformats.org/officeDocument/2006/relationships" xmlns:p="http://schemas.openxmlformats.org/presentationml/2006/main">
   <p:cSld>
     <p:spTree>
       <p:nvGrpSpPr>
-        <p:cNvPr id="159" name="Shape 159"/>
+        <p:cNvPr id="1" name="Shape 159"/>
         <p:cNvGrpSpPr/>
         <p:nvPr/>
       </p:nvGrpSpPr>
@@ -10337,7 +10289,9 @@
       <p:sp>
         <p:nvSpPr>
           <p:cNvPr id="160" name="Google Shape;160;p17"/>
-          <p:cNvSpPr txBox="1"/>
+          <p:cNvSpPr txBox="1">
+            <a:spLocks noGrp="1"/>
+          </p:cNvSpPr>
           <p:nvPr>
             <p:ph type="title"/>
           </p:nvPr>
@@ -10352,12 +10306,12 @@
           </a:prstGeom>
         </p:spPr>
         <p:txBody>
-          <a:bodyPr anchorCtr="0" anchor="t" bIns="91425" lIns="91425" spcFirstLastPara="1" rIns="91425" wrap="square" tIns="91425">
+          <a:bodyPr spcFirstLastPara="1" wrap="square" lIns="91425" tIns="91425" rIns="91425" bIns="91425" anchor="t" anchorCtr="0">
             <a:normAutofit/>
           </a:bodyPr>
           <a:lstStyle/>
           <a:p>
-            <a:pPr indent="0" lvl="0" marL="0" rtl="0" algn="l">
+            <a:pPr marL="0" lvl="0" indent="0" algn="l" rtl="0">
               <a:spcBef>
                 <a:spcPts val="0"/>
               </a:spcBef>
@@ -10377,9 +10331,11 @@
       <p:sp>
         <p:nvSpPr>
           <p:cNvPr id="161" name="Google Shape;161;p17"/>
-          <p:cNvSpPr txBox="1"/>
+          <p:cNvSpPr txBox="1">
+            <a:spLocks noGrp="1"/>
+          </p:cNvSpPr>
           <p:nvPr>
-            <p:ph idx="1" type="body"/>
+            <p:ph type="body" idx="1"/>
           </p:nvPr>
         </p:nvSpPr>
         <p:spPr>
@@ -10392,12 +10348,12 @@
           </a:prstGeom>
         </p:spPr>
         <p:txBody>
-          <a:bodyPr anchorCtr="0" anchor="t" bIns="91425" lIns="91425" spcFirstLastPara="1" rIns="91425" wrap="square" tIns="91425">
+          <a:bodyPr spcFirstLastPara="1" wrap="square" lIns="91425" tIns="91425" rIns="91425" bIns="91425" anchor="t" anchorCtr="0">
             <a:normAutofit/>
           </a:bodyPr>
           <a:lstStyle/>
           <a:p>
-            <a:pPr indent="0" lvl="0" marL="0" rtl="0" algn="l">
+            <a:pPr marL="0" lvl="0" indent="0" algn="l" rtl="0">
               <a:spcBef>
                 <a:spcPts val="0"/>
               </a:spcBef>
@@ -10413,7 +10369,7 @@
             <a:endParaRPr sz="2000"/>
           </a:p>
           <a:p>
-            <a:pPr indent="0" lvl="0" marL="0" rtl="0" algn="l">
+            <a:pPr marL="0" lvl="0" indent="0" algn="l" rtl="0">
               <a:spcBef>
                 <a:spcPts val="1200"/>
               </a:spcBef>
@@ -10429,7 +10385,7 @@
             <a:endParaRPr sz="2000"/>
           </a:p>
           <a:p>
-            <a:pPr indent="0" lvl="0" marL="0" rtl="0" algn="l">
+            <a:pPr marL="0" lvl="0" indent="0" algn="l" rtl="0">
               <a:spcBef>
                 <a:spcPts val="1200"/>
               </a:spcBef>
@@ -10445,7 +10401,7 @@
             <a:endParaRPr sz="2000"/>
           </a:p>
           <a:p>
-            <a:pPr indent="0" lvl="0" marL="0" rtl="0" algn="l">
+            <a:pPr marL="0" lvl="0" indent="0" algn="l" rtl="0">
               <a:spcBef>
                 <a:spcPts val="1200"/>
               </a:spcBef>
@@ -10461,7 +10417,7 @@
             <a:endParaRPr sz="2000"/>
           </a:p>
           <a:p>
-            <a:pPr indent="0" lvl="0" marL="0" rtl="0" algn="l">
+            <a:pPr marL="0" lvl="0" indent="0" algn="l" rtl="0">
               <a:spcBef>
                 <a:spcPts val="1200"/>
               </a:spcBef>
@@ -10470,9 +10426,6 @@
               </a:spcAft>
               <a:buNone/>
             </a:pPr>
-            <a:r>
-              <a:t/>
-            </a:r>
             <a:endParaRPr sz="2000"/>
           </a:p>
         </p:txBody>
@@ -10486,11 +10439,11 @@
 </file>
 
 <file path=ppt/slides/slide6.xml><?xml version="1.0" encoding="utf-8"?>
-<p:sld xmlns:a="http://schemas.openxmlformats.org/drawingml/2006/main" xmlns:r="http://schemas.openxmlformats.org/officeDocument/2006/relationships" xmlns:mc="http://schemas.openxmlformats.org/markup-compatibility/2006" xmlns:mv="urn:schemas-microsoft-com:mac:vml" xmlns:p="http://schemas.openxmlformats.org/presentationml/2006/main" xmlns:c="http://schemas.openxmlformats.org/drawingml/2006/chart" xmlns:dgm="http://schemas.openxmlformats.org/drawingml/2006/diagram" xmlns:o="urn:schemas-microsoft-com:office:office" xmlns:v="urn:schemas-microsoft-com:vml" xmlns:pvml="urn:schemas-microsoft-com:office:powerpoint" xmlns:com="http://schemas.openxmlformats.org/drawingml/2006/compatibility" xmlns:p14="http://schemas.microsoft.com/office/powerpoint/2010/main" xmlns:p15="http://schemas.microsoft.com/office/powerpoint/2012/main" xmlns:ahyp="http://schemas.microsoft.com/office/drawing/2018/hyperlinkcolor">
+<p:sld xmlns:a="http://schemas.openxmlformats.org/drawingml/2006/main" xmlns:r="http://schemas.openxmlformats.org/officeDocument/2006/relationships" xmlns:p="http://schemas.openxmlformats.org/presentationml/2006/main">
   <p:cSld>
     <p:spTree>
       <p:nvGrpSpPr>
-        <p:cNvPr id="165" name="Shape 165"/>
+        <p:cNvPr id="1" name="Shape 165"/>
         <p:cNvGrpSpPr/>
         <p:nvPr/>
       </p:nvGrpSpPr>
@@ -10505,7 +10458,9 @@
       <p:sp>
         <p:nvSpPr>
           <p:cNvPr id="166" name="Google Shape;166;p18"/>
-          <p:cNvSpPr txBox="1"/>
+          <p:cNvSpPr txBox="1">
+            <a:spLocks noGrp="1"/>
+          </p:cNvSpPr>
           <p:nvPr>
             <p:ph type="title"/>
           </p:nvPr>
@@ -10520,12 +10475,12 @@
           </a:prstGeom>
         </p:spPr>
         <p:txBody>
-          <a:bodyPr anchorCtr="0" anchor="t" bIns="91425" lIns="91425" spcFirstLastPara="1" rIns="91425" wrap="square" tIns="91425">
+          <a:bodyPr spcFirstLastPara="1" wrap="square" lIns="91425" tIns="91425" rIns="91425" bIns="91425" anchor="t" anchorCtr="0">
             <a:normAutofit/>
           </a:bodyPr>
           <a:lstStyle/>
           <a:p>
-            <a:pPr indent="0" lvl="0" marL="0" rtl="0" algn="l">
+            <a:pPr marL="0" lvl="0" indent="0" algn="l" rtl="0">
               <a:spcBef>
                 <a:spcPts val="0"/>
               </a:spcBef>
@@ -10545,9 +10500,11 @@
       <p:sp>
         <p:nvSpPr>
           <p:cNvPr id="167" name="Google Shape;167;p18"/>
-          <p:cNvSpPr txBox="1"/>
+          <p:cNvSpPr txBox="1">
+            <a:spLocks noGrp="1"/>
+          </p:cNvSpPr>
           <p:nvPr>
-            <p:ph idx="1" type="body"/>
+            <p:ph type="body" idx="1"/>
           </p:nvPr>
         </p:nvSpPr>
         <p:spPr>
@@ -10560,12 +10517,12 @@
           </a:prstGeom>
         </p:spPr>
         <p:txBody>
-          <a:bodyPr anchorCtr="0" anchor="t" bIns="91425" lIns="91425" spcFirstLastPara="1" rIns="91425" wrap="square" tIns="91425">
-            <a:normAutofit lnSpcReduction="10000"/>
+          <a:bodyPr spcFirstLastPara="1" wrap="square" lIns="91425" tIns="91425" rIns="91425" bIns="91425" anchor="t" anchorCtr="0">
+            <a:normAutofit fontScale="92500"/>
           </a:bodyPr>
           <a:lstStyle/>
           <a:p>
-            <a:pPr indent="0" lvl="0" marL="0" rtl="0" algn="l">
+            <a:pPr marL="0" lvl="0" indent="0" algn="l" rtl="0">
               <a:spcBef>
                 <a:spcPts val="0"/>
               </a:spcBef>
@@ -10575,13 +10532,13 @@
               <a:buNone/>
             </a:pPr>
             <a:r>
-              <a:rPr lang="ru"/>
+              <a:rPr lang="ru" sz="1600" dirty="0"/>
               <a:t>• Web API — работает на Windows и Linux</a:t>
             </a:r>
-            <a:endParaRPr/>
+            <a:endParaRPr sz="1600" dirty="0"/>
           </a:p>
           <a:p>
-            <a:pPr indent="0" lvl="0" marL="0" rtl="0" algn="l">
+            <a:pPr marL="0" lvl="0" indent="0" algn="l" rtl="0">
               <a:spcBef>
                 <a:spcPts val="1200"/>
               </a:spcBef>
@@ -10591,13 +10548,13 @@
               <a:buNone/>
             </a:pPr>
             <a:r>
-              <a:rPr lang="ru"/>
+              <a:rPr lang="ru" sz="1600" dirty="0"/>
               <a:t>• .NET MAUI — одно приложение для Android, iOS и Windows</a:t>
             </a:r>
-            <a:endParaRPr/>
+            <a:endParaRPr sz="1600" dirty="0"/>
           </a:p>
           <a:p>
-            <a:pPr indent="0" lvl="0" marL="0" rtl="0" algn="l">
+            <a:pPr marL="0" lvl="0" indent="0" algn="l" rtl="0">
               <a:spcBef>
                 <a:spcPts val="1200"/>
               </a:spcBef>
@@ -10607,13 +10564,13 @@
               <a:buNone/>
             </a:pPr>
             <a:r>
-              <a:rPr lang="ru"/>
+              <a:rPr lang="ru" sz="1600" dirty="0"/>
               <a:t>• Blazor WebAssembly — C# прямо в браузере</a:t>
             </a:r>
-            <a:endParaRPr/>
+            <a:endParaRPr sz="1600" dirty="0"/>
           </a:p>
           <a:p>
-            <a:pPr indent="0" lvl="0" marL="0" rtl="0" algn="l">
+            <a:pPr marL="0" lvl="0" indent="0" algn="l" rtl="0">
               <a:spcBef>
                 <a:spcPts val="1200"/>
               </a:spcBef>
@@ -10622,10 +10579,7 @@
               </a:spcAft>
               <a:buNone/>
             </a:pPr>
-            <a:r>
-              <a:t/>
-            </a:r>
-            <a:endParaRPr/>
+            <a:endParaRPr sz="1600" dirty="0"/>
           </a:p>
         </p:txBody>
       </p:sp>
@@ -10666,11 +10620,11 @@
 </file>
 
 <file path=ppt/slides/slide7.xml><?xml version="1.0" encoding="utf-8"?>
-<p:sld xmlns:a="http://schemas.openxmlformats.org/drawingml/2006/main" xmlns:r="http://schemas.openxmlformats.org/officeDocument/2006/relationships" xmlns:mc="http://schemas.openxmlformats.org/markup-compatibility/2006" xmlns:mv="urn:schemas-microsoft-com:mac:vml" xmlns:p="http://schemas.openxmlformats.org/presentationml/2006/main" xmlns:c="http://schemas.openxmlformats.org/drawingml/2006/chart" xmlns:dgm="http://schemas.openxmlformats.org/drawingml/2006/diagram" xmlns:o="urn:schemas-microsoft-com:office:office" xmlns:v="urn:schemas-microsoft-com:vml" xmlns:pvml="urn:schemas-microsoft-com:office:powerpoint" xmlns:com="http://schemas.openxmlformats.org/drawingml/2006/compatibility" xmlns:p14="http://schemas.microsoft.com/office/powerpoint/2010/main" xmlns:p15="http://schemas.microsoft.com/office/powerpoint/2012/main" xmlns:ahyp="http://schemas.microsoft.com/office/drawing/2018/hyperlinkcolor">
+<p:sld xmlns:a="http://schemas.openxmlformats.org/drawingml/2006/main" xmlns:r="http://schemas.openxmlformats.org/officeDocument/2006/relationships" xmlns:p="http://schemas.openxmlformats.org/presentationml/2006/main">
   <p:cSld>
     <p:spTree>
       <p:nvGrpSpPr>
-        <p:cNvPr id="172" name="Shape 172"/>
+        <p:cNvPr id="1" name="Shape 172"/>
         <p:cNvGrpSpPr/>
         <p:nvPr/>
       </p:nvGrpSpPr>
@@ -10685,7 +10639,9 @@
       <p:sp>
         <p:nvSpPr>
           <p:cNvPr id="173" name="Google Shape;173;p19"/>
-          <p:cNvSpPr txBox="1"/>
+          <p:cNvSpPr txBox="1">
+            <a:spLocks noGrp="1"/>
+          </p:cNvSpPr>
           <p:nvPr>
             <p:ph type="title"/>
           </p:nvPr>
@@ -10700,12 +10656,12 @@
           </a:prstGeom>
         </p:spPr>
         <p:txBody>
-          <a:bodyPr anchorCtr="0" anchor="t" bIns="91425" lIns="91425" spcFirstLastPara="1" rIns="91425" wrap="square" tIns="91425">
+          <a:bodyPr spcFirstLastPara="1" wrap="square" lIns="91425" tIns="91425" rIns="91425" bIns="91425" anchor="t" anchorCtr="0">
             <a:normAutofit/>
           </a:bodyPr>
           <a:lstStyle/>
           <a:p>
-            <a:pPr indent="0" lvl="0" marL="0" rtl="0" algn="l">
+            <a:pPr marL="0" lvl="0" indent="0" algn="l" rtl="0">
               <a:spcBef>
                 <a:spcPts val="0"/>
               </a:spcBef>
@@ -10725,9 +10681,11 @@
       <p:sp>
         <p:nvSpPr>
           <p:cNvPr id="174" name="Google Shape;174;p19"/>
-          <p:cNvSpPr txBox="1"/>
+          <p:cNvSpPr txBox="1">
+            <a:spLocks noGrp="1"/>
+          </p:cNvSpPr>
           <p:nvPr>
-            <p:ph idx="1" type="body"/>
+            <p:ph type="body" idx="1"/>
           </p:nvPr>
         </p:nvSpPr>
         <p:spPr>
@@ -10740,12 +10698,12 @@
           </a:prstGeom>
         </p:spPr>
         <p:txBody>
-          <a:bodyPr anchorCtr="0" anchor="t" bIns="91425" lIns="91425" spcFirstLastPara="1" rIns="91425" wrap="square" tIns="91425">
+          <a:bodyPr spcFirstLastPara="1" wrap="square" lIns="91425" tIns="91425" rIns="91425" bIns="91425" anchor="t" anchorCtr="0">
             <a:normAutofit/>
           </a:bodyPr>
           <a:lstStyle/>
           <a:p>
-            <a:pPr indent="0" lvl="0" marL="0" rtl="0" algn="l">
+            <a:pPr marL="0" lvl="0" indent="0" algn="l" rtl="0">
               <a:spcBef>
                 <a:spcPts val="0"/>
               </a:spcBef>
@@ -10756,16 +10714,12 @@
             </a:pPr>
             <a:r>
               <a:rPr lang="ru" sz="2300"/>
-              <a:t>Преимущества</a:t>
-            </a:r>
-            <a:r>
-              <a:rPr lang="ru" sz="2300"/>
-              <a:t>:</a:t>
+              <a:t>Преимущества:</a:t>
             </a:r>
             <a:endParaRPr sz="2300"/>
           </a:p>
           <a:p>
-            <a:pPr indent="-342900" lvl="0" marL="457200" rtl="0" algn="l">
+            <a:pPr marL="457200" lvl="0" indent="-342900" algn="l" rtl="0">
               <a:spcBef>
                 <a:spcPts val="1200"/>
               </a:spcBef>
@@ -10782,7 +10736,7 @@
             <a:endParaRPr sz="1800"/>
           </a:p>
           <a:p>
-            <a:pPr indent="-342900" lvl="0" marL="457200" rtl="0" algn="l">
+            <a:pPr marL="457200" lvl="0" indent="-342900" algn="l" rtl="0">
               <a:spcBef>
                 <a:spcPts val="0"/>
               </a:spcBef>
@@ -10799,7 +10753,7 @@
             <a:endParaRPr sz="1800"/>
           </a:p>
           <a:p>
-            <a:pPr indent="-342900" lvl="0" marL="457200" rtl="0" algn="l">
+            <a:pPr marL="457200" lvl="0" indent="-342900" algn="l" rtl="0">
               <a:spcBef>
                 <a:spcPts val="0"/>
               </a:spcBef>
@@ -10816,7 +10770,7 @@
             <a:endParaRPr sz="1800"/>
           </a:p>
           <a:p>
-            <a:pPr indent="0" lvl="0" marL="0" rtl="0" algn="l">
+            <a:pPr marL="0" lvl="0" indent="0" algn="l" rtl="0">
               <a:spcBef>
                 <a:spcPts val="1200"/>
               </a:spcBef>
@@ -10825,9 +10779,6 @@
               </a:spcAft>
               <a:buNone/>
             </a:pPr>
-            <a:r>
-              <a:t/>
-            </a:r>
             <a:endParaRPr sz="1800"/>
           </a:p>
         </p:txBody>
@@ -10835,9 +10786,11 @@
       <p:sp>
         <p:nvSpPr>
           <p:cNvPr id="175" name="Google Shape;175;p19"/>
-          <p:cNvSpPr txBox="1"/>
+          <p:cNvSpPr txBox="1">
+            <a:spLocks noGrp="1"/>
+          </p:cNvSpPr>
           <p:nvPr>
-            <p:ph idx="2" type="body"/>
+            <p:ph type="body" idx="2"/>
           </p:nvPr>
         </p:nvSpPr>
         <p:spPr>
@@ -10850,12 +10803,12 @@
           </a:prstGeom>
         </p:spPr>
         <p:txBody>
-          <a:bodyPr anchorCtr="0" anchor="t" bIns="91425" lIns="91425" spcFirstLastPara="1" rIns="91425" wrap="square" tIns="91425">
+          <a:bodyPr spcFirstLastPara="1" wrap="square" lIns="91425" tIns="91425" rIns="91425" bIns="91425" anchor="t" anchorCtr="0">
             <a:noAutofit/>
           </a:bodyPr>
           <a:lstStyle/>
           <a:p>
-            <a:pPr indent="0" lvl="0" marL="0" rtl="0" algn="l">
+            <a:pPr marL="0" lvl="0" indent="0" algn="l" rtl="0">
               <a:spcBef>
                 <a:spcPts val="0"/>
               </a:spcBef>
@@ -10866,16 +10819,12 @@
             </a:pPr>
             <a:r>
               <a:rPr lang="ru" sz="2600"/>
-              <a:t>Сложности</a:t>
-            </a:r>
-            <a:r>
-              <a:rPr lang="ru" sz="2600"/>
-              <a:t>:</a:t>
+              <a:t>Сложности:</a:t>
             </a:r>
             <a:endParaRPr sz="2100"/>
           </a:p>
           <a:p>
-            <a:pPr indent="-361950" lvl="0" marL="457200" rtl="0" algn="l">
+            <a:pPr marL="457200" lvl="0" indent="-361950" algn="l" rtl="0">
               <a:spcBef>
                 <a:spcPts val="1200"/>
               </a:spcBef>
@@ -10892,7 +10841,7 @@
             <a:endParaRPr sz="2100"/>
           </a:p>
           <a:p>
-            <a:pPr indent="-361950" lvl="0" marL="457200" rtl="0" algn="l">
+            <a:pPr marL="457200" lvl="0" indent="-361950" algn="l" rtl="0">
               <a:spcBef>
                 <a:spcPts val="0"/>
               </a:spcBef>
@@ -10909,7 +10858,7 @@
             <a:endParaRPr sz="2100"/>
           </a:p>
           <a:p>
-            <a:pPr indent="0" lvl="0" marL="0" rtl="0" algn="l">
+            <a:pPr marL="0" lvl="0" indent="0" algn="l" rtl="0">
               <a:spcBef>
                 <a:spcPts val="1200"/>
               </a:spcBef>
@@ -10918,9 +10867,6 @@
               </a:spcAft>
               <a:buNone/>
             </a:pPr>
-            <a:r>
-              <a:t/>
-            </a:r>
             <a:endParaRPr sz="2100"/>
           </a:p>
         </p:txBody>
@@ -10934,11 +10880,11 @@
 </file>
 
 <file path=ppt/slides/slide8.xml><?xml version="1.0" encoding="utf-8"?>
-<p:sld xmlns:a="http://schemas.openxmlformats.org/drawingml/2006/main" xmlns:r="http://schemas.openxmlformats.org/officeDocument/2006/relationships" xmlns:mc="http://schemas.openxmlformats.org/markup-compatibility/2006" xmlns:mv="urn:schemas-microsoft-com:mac:vml" xmlns:p="http://schemas.openxmlformats.org/presentationml/2006/main" xmlns:c="http://schemas.openxmlformats.org/drawingml/2006/chart" xmlns:dgm="http://schemas.openxmlformats.org/drawingml/2006/diagram" xmlns:o="urn:schemas-microsoft-com:office:office" xmlns:v="urn:schemas-microsoft-com:vml" xmlns:pvml="urn:schemas-microsoft-com:office:powerpoint" xmlns:com="http://schemas.openxmlformats.org/drawingml/2006/compatibility" xmlns:p14="http://schemas.microsoft.com/office/powerpoint/2010/main" xmlns:p15="http://schemas.microsoft.com/office/powerpoint/2012/main" xmlns:ahyp="http://schemas.microsoft.com/office/drawing/2018/hyperlinkcolor">
+<p:sld xmlns:a="http://schemas.openxmlformats.org/drawingml/2006/main" xmlns:r="http://schemas.openxmlformats.org/officeDocument/2006/relationships" xmlns:p="http://schemas.openxmlformats.org/presentationml/2006/main">
   <p:cSld>
     <p:spTree>
       <p:nvGrpSpPr>
-        <p:cNvPr id="179" name="Shape 179"/>
+        <p:cNvPr id="1" name="Shape 179"/>
         <p:cNvGrpSpPr/>
         <p:nvPr/>
       </p:nvGrpSpPr>
@@ -10953,7 +10899,9 @@
       <p:sp>
         <p:nvSpPr>
           <p:cNvPr id="180" name="Google Shape;180;p20"/>
-          <p:cNvSpPr txBox="1"/>
+          <p:cNvSpPr txBox="1">
+            <a:spLocks noGrp="1"/>
+          </p:cNvSpPr>
           <p:nvPr>
             <p:ph type="title"/>
           </p:nvPr>
@@ -10968,12 +10916,12 @@
           </a:prstGeom>
         </p:spPr>
         <p:txBody>
-          <a:bodyPr anchorCtr="0" anchor="t" bIns="91425" lIns="91425" spcFirstLastPara="1" rIns="91425" wrap="square" tIns="91425">
+          <a:bodyPr spcFirstLastPara="1" wrap="square" lIns="91425" tIns="91425" rIns="91425" bIns="91425" anchor="t" anchorCtr="0">
             <a:normAutofit/>
           </a:bodyPr>
           <a:lstStyle/>
           <a:p>
-            <a:pPr indent="0" lvl="0" marL="0" rtl="0" algn="l">
+            <a:pPr marL="0" lvl="0" indent="0" algn="l" rtl="0">
               <a:spcBef>
                 <a:spcPts val="0"/>
               </a:spcBef>
@@ -10993,14 +10941,16 @@
       <p:sp>
         <p:nvSpPr>
           <p:cNvPr id="181" name="Google Shape;181;p20"/>
-          <p:cNvSpPr txBox="1"/>
+          <p:cNvSpPr txBox="1">
+            <a:spLocks noGrp="1"/>
+          </p:cNvSpPr>
           <p:nvPr>
-            <p:ph idx="1" type="body"/>
+            <p:ph type="body" idx="1"/>
           </p:nvPr>
         </p:nvSpPr>
         <p:spPr>
           <a:xfrm>
-            <a:off x="1297500" y="1972550"/>
+            <a:off x="1021835" y="1421221"/>
             <a:ext cx="3798900" cy="2415900"/>
           </a:xfrm>
           <a:prstGeom prst="rect">
@@ -11008,12 +10958,12 @@
           </a:prstGeom>
         </p:spPr>
         <p:txBody>
-          <a:bodyPr anchorCtr="0" anchor="t" bIns="91425" lIns="91425" spcFirstLastPara="1" rIns="91425" wrap="square" tIns="91425">
-            <a:normAutofit/>
+          <a:bodyPr spcFirstLastPara="1" wrap="square" lIns="91425" tIns="91425" rIns="91425" bIns="91425" anchor="t" anchorCtr="0">
+            <a:normAutofit fontScale="92500" lnSpcReduction="10000"/>
           </a:bodyPr>
           <a:lstStyle/>
           <a:p>
-            <a:pPr indent="0" lvl="0" marL="0" rtl="0" algn="l">
+            <a:pPr marL="0" lvl="0" indent="0" algn="l" rtl="0">
               <a:spcBef>
                 <a:spcPts val="0"/>
               </a:spcBef>
@@ -11029,7 +10979,7 @@
             <a:endParaRPr sz="1700"/>
           </a:p>
           <a:p>
-            <a:pPr indent="0" lvl="0" marL="0" rtl="0" algn="l">
+            <a:pPr marL="0" lvl="0" indent="0" algn="l" rtl="0">
               <a:spcBef>
                 <a:spcPts val="1200"/>
               </a:spcBef>
@@ -11045,7 +10995,7 @@
             <a:endParaRPr sz="1700"/>
           </a:p>
           <a:p>
-            <a:pPr indent="0" lvl="0" marL="0" rtl="0" algn="l">
+            <a:pPr marL="0" lvl="0" indent="0" algn="l" rtl="0">
               <a:spcBef>
                 <a:spcPts val="1200"/>
               </a:spcBef>
@@ -11061,7 +11011,7 @@
             <a:endParaRPr sz="1700"/>
           </a:p>
           <a:p>
-            <a:pPr indent="0" lvl="0" marL="0" rtl="0" algn="l">
+            <a:pPr marL="0" lvl="0" indent="0" algn="l" rtl="0">
               <a:spcBef>
                 <a:spcPts val="1200"/>
               </a:spcBef>
@@ -11115,7 +11065,288 @@
 </file>
 
 <file path=ppt/theme/theme1.xml><?xml version="1.0" encoding="utf-8"?>
-<a:theme xmlns:a="http://schemas.openxmlformats.org/drawingml/2006/main" xmlns:r="http://schemas.openxmlformats.org/officeDocument/2006/relationships">
+<a:theme xmlns:a="http://schemas.openxmlformats.org/drawingml/2006/main" name="Focus">
+  <a:themeElements>
+    <a:clrScheme name="Focus">
+      <a:dk1>
+        <a:srgbClr val="1B212C"/>
+      </a:dk1>
+      <a:lt1>
+        <a:srgbClr val="FFFFFF"/>
+      </a:lt1>
+      <a:dk2>
+        <a:srgbClr val="D9D9D9"/>
+      </a:dk2>
+      <a:lt2>
+        <a:srgbClr val="82C7A5"/>
+      </a:lt2>
+      <a:accent1>
+        <a:srgbClr val="0145AC"/>
+      </a:accent1>
+      <a:accent2>
+        <a:srgbClr val="EECE1A"/>
+      </a:accent2>
+      <a:accent3>
+        <a:srgbClr val="4E5567"/>
+      </a:accent3>
+      <a:accent4>
+        <a:srgbClr val="F4D6AD"/>
+      </a:accent4>
+      <a:accent5>
+        <a:srgbClr val="7890CD"/>
+      </a:accent5>
+      <a:accent6>
+        <a:srgbClr val="F15E22"/>
+      </a:accent6>
+      <a:hlink>
+        <a:srgbClr val="7890CD"/>
+      </a:hlink>
+      <a:folHlink>
+        <a:srgbClr val="7890CD"/>
+      </a:folHlink>
+    </a:clrScheme>
+    <a:fontScheme name="Office">
+      <a:majorFont>
+        <a:latin typeface="Arial"/>
+        <a:ea typeface=""/>
+        <a:cs typeface=""/>
+        <a:font script="Jpan" typeface="ＭＳ Ｐゴシック"/>
+        <a:font script="Hang" typeface="맑은 고딕"/>
+        <a:font script="Hans" typeface="宋体"/>
+        <a:font script="Hant" typeface="新細明體"/>
+        <a:font script="Arab" typeface="Times New Roman"/>
+        <a:font script="Hebr" typeface="Times New Roman"/>
+        <a:font script="Thai" typeface="Angsana New"/>
+        <a:font script="Ethi" typeface="Nyala"/>
+        <a:font script="Beng" typeface="Vrinda"/>
+        <a:font script="Gujr" typeface="Shruti"/>
+        <a:font script="Khmr" typeface="MoolBoran"/>
+        <a:font script="Knda" typeface="Tunga"/>
+        <a:font script="Guru" typeface="Raavi"/>
+        <a:font script="Cans" typeface="Euphemia"/>
+        <a:font script="Cher" typeface="Plantagenet Cherokee"/>
+        <a:font script="Yiii" typeface="Microsoft Yi Baiti"/>
+        <a:font script="Tibt" typeface="Microsoft Himalaya"/>
+        <a:font script="Thaa" typeface="MV Boli"/>
+        <a:font script="Deva" typeface="Mangal"/>
+        <a:font script="Telu" typeface="Gautami"/>
+        <a:font script="Taml" typeface="Latha"/>
+        <a:font script="Syrc" typeface="Estrangelo Edessa"/>
+        <a:font script="Orya" typeface="Kalinga"/>
+        <a:font script="Mlym" typeface="Kartika"/>
+        <a:font script="Laoo" typeface="DokChampa"/>
+        <a:font script="Sinh" typeface="Iskoola Pota"/>
+        <a:font script="Mong" typeface="Mongolian Baiti"/>
+        <a:font script="Viet" typeface="Times New Roman"/>
+        <a:font script="Uigh" typeface="Microsoft Uighur"/>
+        <a:font script="Geor" typeface="Sylfaen"/>
+      </a:majorFont>
+      <a:minorFont>
+        <a:latin typeface="Arial"/>
+        <a:ea typeface=""/>
+        <a:cs typeface=""/>
+        <a:font script="Jpan" typeface="ＭＳ Ｐゴシック"/>
+        <a:font script="Hang" typeface="맑은 고딕"/>
+        <a:font script="Hans" typeface="宋体"/>
+        <a:font script="Hant" typeface="新細明體"/>
+        <a:font script="Arab" typeface="Arial"/>
+        <a:font script="Hebr" typeface="Arial"/>
+        <a:font script="Thai" typeface="Cordia New"/>
+        <a:font script="Ethi" typeface="Nyala"/>
+        <a:font script="Beng" typeface="Vrinda"/>
+        <a:font script="Gujr" typeface="Shruti"/>
+        <a:font script="Khmr" typeface="DaunPenh"/>
+        <a:font script="Knda" typeface="Tunga"/>
+        <a:font script="Guru" typeface="Raavi"/>
+        <a:font script="Cans" typeface="Euphemia"/>
+        <a:font script="Cher" typeface="Plantagenet Cherokee"/>
+        <a:font script="Yiii" typeface="Microsoft Yi Baiti"/>
+        <a:font script="Tibt" typeface="Microsoft Himalaya"/>
+        <a:font script="Thaa" typeface="MV Boli"/>
+        <a:font script="Deva" typeface="Mangal"/>
+        <a:font script="Telu" typeface="Gautami"/>
+        <a:font script="Taml" typeface="Latha"/>
+        <a:font script="Syrc" typeface="Estrangelo Edessa"/>
+        <a:font script="Orya" typeface="Kalinga"/>
+        <a:font script="Mlym" typeface="Kartika"/>
+        <a:font script="Laoo" typeface="DokChampa"/>
+        <a:font script="Sinh" typeface="Iskoola Pota"/>
+        <a:font script="Mong" typeface="Mongolian Baiti"/>
+        <a:font script="Viet" typeface="Arial"/>
+        <a:font script="Uigh" typeface="Microsoft Uighur"/>
+        <a:font script="Geor" typeface="Sylfaen"/>
+      </a:minorFont>
+    </a:fontScheme>
+    <a:fmtScheme name="Office">
+      <a:fillStyleLst>
+        <a:solidFill>
+          <a:schemeClr val="phClr"/>
+        </a:solidFill>
+        <a:gradFill rotWithShape="1">
+          <a:gsLst>
+            <a:gs pos="0">
+              <a:schemeClr val="phClr">
+                <a:tint val="50000"/>
+                <a:satMod val="300000"/>
+              </a:schemeClr>
+            </a:gs>
+            <a:gs pos="35000">
+              <a:schemeClr val="phClr">
+                <a:tint val="37000"/>
+                <a:satMod val="300000"/>
+              </a:schemeClr>
+            </a:gs>
+            <a:gs pos="100000">
+              <a:schemeClr val="phClr">
+                <a:tint val="15000"/>
+                <a:satMod val="350000"/>
+              </a:schemeClr>
+            </a:gs>
+          </a:gsLst>
+          <a:lin ang="16200000" scaled="1"/>
+        </a:gradFill>
+        <a:gradFill rotWithShape="1">
+          <a:gsLst>
+            <a:gs pos="0">
+              <a:schemeClr val="phClr">
+                <a:tint val="100000"/>
+                <a:shade val="100000"/>
+                <a:satMod val="130000"/>
+              </a:schemeClr>
+            </a:gs>
+            <a:gs pos="100000">
+              <a:schemeClr val="phClr">
+                <a:tint val="50000"/>
+                <a:shade val="100000"/>
+                <a:satMod val="350000"/>
+              </a:schemeClr>
+            </a:gs>
+          </a:gsLst>
+          <a:lin ang="16200000" scaled="0"/>
+        </a:gradFill>
+      </a:fillStyleLst>
+      <a:lnStyleLst>
+        <a:ln w="9525" cap="flat" cmpd="sng" algn="ctr">
+          <a:solidFill>
+            <a:schemeClr val="phClr">
+              <a:shade val="95000"/>
+              <a:satMod val="105000"/>
+            </a:schemeClr>
+          </a:solidFill>
+          <a:prstDash val="solid"/>
+        </a:ln>
+        <a:ln w="25400" cap="flat" cmpd="sng" algn="ctr">
+          <a:solidFill>
+            <a:schemeClr val="phClr"/>
+          </a:solidFill>
+          <a:prstDash val="solid"/>
+        </a:ln>
+        <a:ln w="38100" cap="flat" cmpd="sng" algn="ctr">
+          <a:solidFill>
+            <a:schemeClr val="phClr"/>
+          </a:solidFill>
+          <a:prstDash val="solid"/>
+        </a:ln>
+      </a:lnStyleLst>
+      <a:effectStyleLst>
+        <a:effectStyle>
+          <a:effectLst>
+            <a:outerShdw blurRad="40000" dist="20000" dir="5400000" rotWithShape="0">
+              <a:srgbClr val="000000">
+                <a:alpha val="38000"/>
+              </a:srgbClr>
+            </a:outerShdw>
+          </a:effectLst>
+        </a:effectStyle>
+        <a:effectStyle>
+          <a:effectLst>
+            <a:outerShdw blurRad="40000" dist="23000" dir="5400000" rotWithShape="0">
+              <a:srgbClr val="000000">
+                <a:alpha val="35000"/>
+              </a:srgbClr>
+            </a:outerShdw>
+          </a:effectLst>
+        </a:effectStyle>
+        <a:effectStyle>
+          <a:effectLst>
+            <a:outerShdw blurRad="40000" dist="23000" dir="5400000" rotWithShape="0">
+              <a:srgbClr val="000000">
+                <a:alpha val="35000"/>
+              </a:srgbClr>
+            </a:outerShdw>
+          </a:effectLst>
+          <a:scene3d>
+            <a:camera prst="orthographicFront">
+              <a:rot lat="0" lon="0" rev="0"/>
+            </a:camera>
+            <a:lightRig rig="threePt" dir="t">
+              <a:rot lat="0" lon="0" rev="1200000"/>
+            </a:lightRig>
+          </a:scene3d>
+          <a:sp3d>
+            <a:bevelT w="63500" h="25400"/>
+          </a:sp3d>
+        </a:effectStyle>
+      </a:effectStyleLst>
+      <a:bgFillStyleLst>
+        <a:solidFill>
+          <a:schemeClr val="phClr"/>
+        </a:solidFill>
+        <a:gradFill rotWithShape="1">
+          <a:gsLst>
+            <a:gs pos="0">
+              <a:schemeClr val="phClr">
+                <a:tint val="40000"/>
+                <a:satMod val="350000"/>
+              </a:schemeClr>
+            </a:gs>
+            <a:gs pos="40000">
+              <a:schemeClr val="phClr">
+                <a:tint val="45000"/>
+                <a:shade val="99000"/>
+                <a:satMod val="350000"/>
+              </a:schemeClr>
+            </a:gs>
+            <a:gs pos="100000">
+              <a:schemeClr val="phClr">
+                <a:shade val="20000"/>
+                <a:satMod val="255000"/>
+              </a:schemeClr>
+            </a:gs>
+          </a:gsLst>
+          <a:path path="circle">
+            <a:fillToRect l="50000" t="-80000" r="50000" b="180000"/>
+          </a:path>
+        </a:gradFill>
+        <a:gradFill rotWithShape="1">
+          <a:gsLst>
+            <a:gs pos="0">
+              <a:schemeClr val="phClr">
+                <a:tint val="80000"/>
+                <a:satMod val="300000"/>
+              </a:schemeClr>
+            </a:gs>
+            <a:gs pos="100000">
+              <a:schemeClr val="phClr">
+                <a:shade val="30000"/>
+                <a:satMod val="200000"/>
+              </a:schemeClr>
+            </a:gs>
+          </a:gsLst>
+          <a:path path="circle">
+            <a:fillToRect l="50000" t="50000" r="50000" b="50000"/>
+          </a:path>
+        </a:gradFill>
+      </a:bgFillStyleLst>
+    </a:fmtScheme>
+  </a:themeElements>
+  <a:objectDefaults/>
+  <a:extraClrSchemeLst/>
+</a:theme>
+</file>
+
+<file path=ppt/theme/theme2.xml><?xml version="1.0" encoding="utf-8"?>
+<a:theme xmlns:a="http://schemas.openxmlformats.org/drawingml/2006/main">
   <a:themeElements>
     <a:clrScheme name="Default">
       <a:dk1>
@@ -11390,284 +11621,7 @@
       </a:bgFillStyleLst>
     </a:fmtScheme>
   </a:themeElements>
-</a:theme>
-</file>
-
-<file path=ppt/theme/theme2.xml><?xml version="1.0" encoding="utf-8"?>
-<a:theme xmlns:a="http://schemas.openxmlformats.org/drawingml/2006/main" xmlns:r="http://schemas.openxmlformats.org/officeDocument/2006/relationships" name="Focus">
-  <a:themeElements>
-    <a:clrScheme name="Focus">
-      <a:dk1>
-        <a:srgbClr val="1B212C"/>
-      </a:dk1>
-      <a:lt1>
-        <a:srgbClr val="FFFFFF"/>
-      </a:lt1>
-      <a:dk2>
-        <a:srgbClr val="D9D9D9"/>
-      </a:dk2>
-      <a:lt2>
-        <a:srgbClr val="82C7A5"/>
-      </a:lt2>
-      <a:accent1>
-        <a:srgbClr val="0145AC"/>
-      </a:accent1>
-      <a:accent2>
-        <a:srgbClr val="EECE1A"/>
-      </a:accent2>
-      <a:accent3>
-        <a:srgbClr val="4E5567"/>
-      </a:accent3>
-      <a:accent4>
-        <a:srgbClr val="F4D6AD"/>
-      </a:accent4>
-      <a:accent5>
-        <a:srgbClr val="7890CD"/>
-      </a:accent5>
-      <a:accent6>
-        <a:srgbClr val="F15E22"/>
-      </a:accent6>
-      <a:hlink>
-        <a:srgbClr val="7890CD"/>
-      </a:hlink>
-      <a:folHlink>
-        <a:srgbClr val="7890CD"/>
-      </a:folHlink>
-    </a:clrScheme>
-    <a:fontScheme name="Office">
-      <a:majorFont>
-        <a:latin typeface="Arial"/>
-        <a:ea typeface=""/>
-        <a:cs typeface=""/>
-        <a:font script="Jpan" typeface="ＭＳ Ｐゴシック"/>
-        <a:font script="Hang" typeface="맑은 고딕"/>
-        <a:font script="Hans" typeface="宋体"/>
-        <a:font script="Hant" typeface="新細明體"/>
-        <a:font script="Arab" typeface="Times New Roman"/>
-        <a:font script="Hebr" typeface="Times New Roman"/>
-        <a:font script="Thai" typeface="Angsana New"/>
-        <a:font script="Ethi" typeface="Nyala"/>
-        <a:font script="Beng" typeface="Vrinda"/>
-        <a:font script="Gujr" typeface="Shruti"/>
-        <a:font script="Khmr" typeface="MoolBoran"/>
-        <a:font script="Knda" typeface="Tunga"/>
-        <a:font script="Guru" typeface="Raavi"/>
-        <a:font script="Cans" typeface="Euphemia"/>
-        <a:font script="Cher" typeface="Plantagenet Cherokee"/>
-        <a:font script="Yiii" typeface="Microsoft Yi Baiti"/>
-        <a:font script="Tibt" typeface="Microsoft Himalaya"/>
-        <a:font script="Thaa" typeface="MV Boli"/>
-        <a:font script="Deva" typeface="Mangal"/>
-        <a:font script="Telu" typeface="Gautami"/>
-        <a:font script="Taml" typeface="Latha"/>
-        <a:font script="Syrc" typeface="Estrangelo Edessa"/>
-        <a:font script="Orya" typeface="Kalinga"/>
-        <a:font script="Mlym" typeface="Kartika"/>
-        <a:font script="Laoo" typeface="DokChampa"/>
-        <a:font script="Sinh" typeface="Iskoola Pota"/>
-        <a:font script="Mong" typeface="Mongolian Baiti"/>
-        <a:font script="Viet" typeface="Times New Roman"/>
-        <a:font script="Uigh" typeface="Microsoft Uighur"/>
-        <a:font script="Geor" typeface="Sylfaen"/>
-      </a:majorFont>
-      <a:minorFont>
-        <a:latin typeface="Arial"/>
-        <a:ea typeface=""/>
-        <a:cs typeface=""/>
-        <a:font script="Jpan" typeface="ＭＳ Ｐゴシック"/>
-        <a:font script="Hang" typeface="맑은 고딕"/>
-        <a:font script="Hans" typeface="宋体"/>
-        <a:font script="Hant" typeface="新細明體"/>
-        <a:font script="Arab" typeface="Arial"/>
-        <a:font script="Hebr" typeface="Arial"/>
-        <a:font script="Thai" typeface="Cordia New"/>
-        <a:font script="Ethi" typeface="Nyala"/>
-        <a:font script="Beng" typeface="Vrinda"/>
-        <a:font script="Gujr" typeface="Shruti"/>
-        <a:font script="Khmr" typeface="DaunPenh"/>
-        <a:font script="Knda" typeface="Tunga"/>
-        <a:font script="Guru" typeface="Raavi"/>
-        <a:font script="Cans" typeface="Euphemia"/>
-        <a:font script="Cher" typeface="Plantagenet Cherokee"/>
-        <a:font script="Yiii" typeface="Microsoft Yi Baiti"/>
-        <a:font script="Tibt" typeface="Microsoft Himalaya"/>
-        <a:font script="Thaa" typeface="MV Boli"/>
-        <a:font script="Deva" typeface="Mangal"/>
-        <a:font script="Telu" typeface="Gautami"/>
-        <a:font script="Taml" typeface="Latha"/>
-        <a:font script="Syrc" typeface="Estrangelo Edessa"/>
-        <a:font script="Orya" typeface="Kalinga"/>
-        <a:font script="Mlym" typeface="Kartika"/>
-        <a:font script="Laoo" typeface="DokChampa"/>
-        <a:font script="Sinh" typeface="Iskoola Pota"/>
-        <a:font script="Mong" typeface="Mongolian Baiti"/>
-        <a:font script="Viet" typeface="Arial"/>
-        <a:font script="Uigh" typeface="Microsoft Uighur"/>
-        <a:font script="Geor" typeface="Sylfaen"/>
-      </a:minorFont>
-    </a:fontScheme>
-    <a:fmtScheme name="Office">
-      <a:fillStyleLst>
-        <a:solidFill>
-          <a:schemeClr val="phClr"/>
-        </a:solidFill>
-        <a:gradFill rotWithShape="1">
-          <a:gsLst>
-            <a:gs pos="0">
-              <a:schemeClr val="phClr">
-                <a:tint val="50000"/>
-                <a:satMod val="300000"/>
-              </a:schemeClr>
-            </a:gs>
-            <a:gs pos="35000">
-              <a:schemeClr val="phClr">
-                <a:tint val="37000"/>
-                <a:satMod val="300000"/>
-              </a:schemeClr>
-            </a:gs>
-            <a:gs pos="100000">
-              <a:schemeClr val="phClr">
-                <a:tint val="15000"/>
-                <a:satMod val="350000"/>
-              </a:schemeClr>
-            </a:gs>
-          </a:gsLst>
-          <a:lin ang="16200000" scaled="1"/>
-        </a:gradFill>
-        <a:gradFill rotWithShape="1">
-          <a:gsLst>
-            <a:gs pos="0">
-              <a:schemeClr val="phClr">
-                <a:tint val="100000"/>
-                <a:shade val="100000"/>
-                <a:satMod val="130000"/>
-              </a:schemeClr>
-            </a:gs>
-            <a:gs pos="100000">
-              <a:schemeClr val="phClr">
-                <a:tint val="50000"/>
-                <a:shade val="100000"/>
-                <a:satMod val="350000"/>
-              </a:schemeClr>
-            </a:gs>
-          </a:gsLst>
-          <a:lin ang="16200000" scaled="0"/>
-        </a:gradFill>
-      </a:fillStyleLst>
-      <a:lnStyleLst>
-        <a:ln w="9525" cap="flat" cmpd="sng" algn="ctr">
-          <a:solidFill>
-            <a:schemeClr val="phClr">
-              <a:shade val="95000"/>
-              <a:satMod val="105000"/>
-            </a:schemeClr>
-          </a:solidFill>
-          <a:prstDash val="solid"/>
-        </a:ln>
-        <a:ln w="25400" cap="flat" cmpd="sng" algn="ctr">
-          <a:solidFill>
-            <a:schemeClr val="phClr"/>
-          </a:solidFill>
-          <a:prstDash val="solid"/>
-        </a:ln>
-        <a:ln w="38100" cap="flat" cmpd="sng" algn="ctr">
-          <a:solidFill>
-            <a:schemeClr val="phClr"/>
-          </a:solidFill>
-          <a:prstDash val="solid"/>
-        </a:ln>
-      </a:lnStyleLst>
-      <a:effectStyleLst>
-        <a:effectStyle>
-          <a:effectLst>
-            <a:outerShdw blurRad="40000" dist="20000" dir="5400000" rotWithShape="0">
-              <a:srgbClr val="000000">
-                <a:alpha val="38000"/>
-              </a:srgbClr>
-            </a:outerShdw>
-          </a:effectLst>
-        </a:effectStyle>
-        <a:effectStyle>
-          <a:effectLst>
-            <a:outerShdw blurRad="40000" dist="23000" dir="5400000" rotWithShape="0">
-              <a:srgbClr val="000000">
-                <a:alpha val="35000"/>
-              </a:srgbClr>
-            </a:outerShdw>
-          </a:effectLst>
-        </a:effectStyle>
-        <a:effectStyle>
-          <a:effectLst>
-            <a:outerShdw blurRad="40000" dist="23000" dir="5400000" rotWithShape="0">
-              <a:srgbClr val="000000">
-                <a:alpha val="35000"/>
-              </a:srgbClr>
-            </a:outerShdw>
-          </a:effectLst>
-          <a:scene3d>
-            <a:camera prst="orthographicFront">
-              <a:rot lat="0" lon="0" rev="0"/>
-            </a:camera>
-            <a:lightRig rig="threePt" dir="t">
-              <a:rot lat="0" lon="0" rev="1200000"/>
-            </a:lightRig>
-          </a:scene3d>
-          <a:sp3d>
-            <a:bevelT w="63500" h="25400"/>
-          </a:sp3d>
-        </a:effectStyle>
-      </a:effectStyleLst>
-      <a:bgFillStyleLst>
-        <a:solidFill>
-          <a:schemeClr val="phClr"/>
-        </a:solidFill>
-        <a:gradFill rotWithShape="1">
-          <a:gsLst>
-            <a:gs pos="0">
-              <a:schemeClr val="phClr">
-                <a:tint val="40000"/>
-                <a:satMod val="350000"/>
-              </a:schemeClr>
-            </a:gs>
-            <a:gs pos="40000">
-              <a:schemeClr val="phClr">
-                <a:tint val="45000"/>
-                <a:shade val="99000"/>
-                <a:satMod val="350000"/>
-              </a:schemeClr>
-            </a:gs>
-            <a:gs pos="100000">
-              <a:schemeClr val="phClr">
-                <a:shade val="20000"/>
-                <a:satMod val="255000"/>
-              </a:schemeClr>
-            </a:gs>
-          </a:gsLst>
-          <a:path path="circle">
-            <a:fillToRect l="50000" t="-80000" r="50000" b="180000"/>
-          </a:path>
-        </a:gradFill>
-        <a:gradFill rotWithShape="1">
-          <a:gsLst>
-            <a:gs pos="0">
-              <a:schemeClr val="phClr">
-                <a:tint val="80000"/>
-                <a:satMod val="300000"/>
-              </a:schemeClr>
-            </a:gs>
-            <a:gs pos="100000">
-              <a:schemeClr val="phClr">
-                <a:shade val="30000"/>
-                <a:satMod val="200000"/>
-              </a:schemeClr>
-            </a:gs>
-          </a:gsLst>
-          <a:path path="circle">
-            <a:fillToRect l="50000" t="50000" r="50000" b="50000"/>
-          </a:path>
-        </a:gradFill>
-      </a:bgFillStyleLst>
-    </a:fmtScheme>
-  </a:themeElements>
+  <a:objectDefaults/>
+  <a:extraClrSchemeLst/>
 </a:theme>
 </file>